--- a/Powerpoint/D3WorkshopCaweeks.pptx
+++ b/Powerpoint/D3WorkshopCaweeks.pptx
@@ -1,37 +1,412 @@
 
 <file path=ppt/presentation.xml><?xml version="1.0" encoding="utf-8"?>
-<p:presentation xmlns:a="http://schemas.openxmlformats.org/drawingml/2006/main" xmlns:p="http://schemas.openxmlformats.org/presentationml/2006/main" xmlns:r="http://schemas.openxmlformats.org/officeDocument/2006/relationships">
+<p:presentation xmlns:a="http://schemas.openxmlformats.org/drawingml/2006/main" xmlns:r="http://schemas.openxmlformats.org/officeDocument/2006/relationships" xmlns:p="http://schemas.openxmlformats.org/presentationml/2006/main">
   <p:sldMasterIdLst>
-    <p:sldMasterId id="2147483648" r:id="rId2"/>
-    <p:sldMasterId id="2147483661" r:id="rId3"/>
-    <p:sldMasterId id="2147483674" r:id="rId4"/>
-    <p:sldMasterId id="2147483687" r:id="rId5"/>
+    <p:sldMasterId id="2147483648" r:id="rId1"/>
+    <p:sldMasterId id="2147483661" r:id="rId2"/>
+    <p:sldMasterId id="2147483674" r:id="rId3"/>
+    <p:sldMasterId id="2147483687" r:id="rId4"/>
   </p:sldMasterIdLst>
   <p:notesMasterIdLst>
-    <p:notesMasterId r:id="rId6"/>
+    <p:notesMasterId r:id="rId16"/>
   </p:notesMasterIdLst>
   <p:sldIdLst>
-    <p:sldId id="256" r:id="rId7"/>
-    <p:sldId id="257" r:id="rId8"/>
-    <p:sldId id="258" r:id="rId9"/>
-    <p:sldId id="259" r:id="rId10"/>
-    <p:sldId id="260" r:id="rId11"/>
+    <p:sldId id="256" r:id="rId5"/>
+    <p:sldId id="271" r:id="rId6"/>
+    <p:sldId id="257" r:id="rId7"/>
+    <p:sldId id="258" r:id="rId8"/>
+    <p:sldId id="259" r:id="rId9"/>
+    <p:sldId id="260" r:id="rId10"/>
+    <p:sldId id="272" r:id="rId11"/>
     <p:sldId id="261" r:id="rId12"/>
     <p:sldId id="262" r:id="rId13"/>
     <p:sldId id="263" r:id="rId14"/>
-    <p:sldId id="264" r:id="rId15"/>
-    <p:sldId id="265" r:id="rId16"/>
-    <p:sldId id="266" r:id="rId17"/>
-    <p:sldId id="267" r:id="rId18"/>
-    <p:sldId id="268" r:id="rId19"/>
+    <p:sldId id="270" r:id="rId15"/>
   </p:sldIdLst>
   <p:sldSz cx="10080625" cy="7559675"/>
   <p:notesSz cx="7772400" cy="10058400"/>
+  <p:defaultTextStyle>
+    <a:defPPr>
+      <a:defRPr lang="en-US"/>
+    </a:defPPr>
+    <a:lvl1pPr marL="0" algn="l" defTabSz="914400" rtl="0" eaLnBrk="1" latinLnBrk="0" hangingPunct="1">
+      <a:defRPr sz="1800" kern="1200">
+        <a:solidFill>
+          <a:schemeClr val="tx1"/>
+        </a:solidFill>
+        <a:latin typeface="+mn-lt"/>
+        <a:ea typeface="+mn-ea"/>
+        <a:cs typeface="+mn-cs"/>
+      </a:defRPr>
+    </a:lvl1pPr>
+    <a:lvl2pPr marL="457200" algn="l" defTabSz="914400" rtl="0" eaLnBrk="1" latinLnBrk="0" hangingPunct="1">
+      <a:defRPr sz="1800" kern="1200">
+        <a:solidFill>
+          <a:schemeClr val="tx1"/>
+        </a:solidFill>
+        <a:latin typeface="+mn-lt"/>
+        <a:ea typeface="+mn-ea"/>
+        <a:cs typeface="+mn-cs"/>
+      </a:defRPr>
+    </a:lvl2pPr>
+    <a:lvl3pPr marL="914400" algn="l" defTabSz="914400" rtl="0" eaLnBrk="1" latinLnBrk="0" hangingPunct="1">
+      <a:defRPr sz="1800" kern="1200">
+        <a:solidFill>
+          <a:schemeClr val="tx1"/>
+        </a:solidFill>
+        <a:latin typeface="+mn-lt"/>
+        <a:ea typeface="+mn-ea"/>
+        <a:cs typeface="+mn-cs"/>
+      </a:defRPr>
+    </a:lvl3pPr>
+    <a:lvl4pPr marL="1371600" algn="l" defTabSz="914400" rtl="0" eaLnBrk="1" latinLnBrk="0" hangingPunct="1">
+      <a:defRPr sz="1800" kern="1200">
+        <a:solidFill>
+          <a:schemeClr val="tx1"/>
+        </a:solidFill>
+        <a:latin typeface="+mn-lt"/>
+        <a:ea typeface="+mn-ea"/>
+        <a:cs typeface="+mn-cs"/>
+      </a:defRPr>
+    </a:lvl4pPr>
+    <a:lvl5pPr marL="1828800" algn="l" defTabSz="914400" rtl="0" eaLnBrk="1" latinLnBrk="0" hangingPunct="1">
+      <a:defRPr sz="1800" kern="1200">
+        <a:solidFill>
+          <a:schemeClr val="tx1"/>
+        </a:solidFill>
+        <a:latin typeface="+mn-lt"/>
+        <a:ea typeface="+mn-ea"/>
+        <a:cs typeface="+mn-cs"/>
+      </a:defRPr>
+    </a:lvl5pPr>
+    <a:lvl6pPr marL="2286000" algn="l" defTabSz="914400" rtl="0" eaLnBrk="1" latinLnBrk="0" hangingPunct="1">
+      <a:defRPr sz="1800" kern="1200">
+        <a:solidFill>
+          <a:schemeClr val="tx1"/>
+        </a:solidFill>
+        <a:latin typeface="+mn-lt"/>
+        <a:ea typeface="+mn-ea"/>
+        <a:cs typeface="+mn-cs"/>
+      </a:defRPr>
+    </a:lvl6pPr>
+    <a:lvl7pPr marL="2743200" algn="l" defTabSz="914400" rtl="0" eaLnBrk="1" latinLnBrk="0" hangingPunct="1">
+      <a:defRPr sz="1800" kern="1200">
+        <a:solidFill>
+          <a:schemeClr val="tx1"/>
+        </a:solidFill>
+        <a:latin typeface="+mn-lt"/>
+        <a:ea typeface="+mn-ea"/>
+        <a:cs typeface="+mn-cs"/>
+      </a:defRPr>
+    </a:lvl7pPr>
+    <a:lvl8pPr marL="3200400" algn="l" defTabSz="914400" rtl="0" eaLnBrk="1" latinLnBrk="0" hangingPunct="1">
+      <a:defRPr sz="1800" kern="1200">
+        <a:solidFill>
+          <a:schemeClr val="tx1"/>
+        </a:solidFill>
+        <a:latin typeface="+mn-lt"/>
+        <a:ea typeface="+mn-ea"/>
+        <a:cs typeface="+mn-cs"/>
+      </a:defRPr>
+    </a:lvl8pPr>
+    <a:lvl9pPr marL="3657600" algn="l" defTabSz="914400" rtl="0" eaLnBrk="1" latinLnBrk="0" hangingPunct="1">
+      <a:defRPr sz="1800" kern="1200">
+        <a:solidFill>
+          <a:schemeClr val="tx1"/>
+        </a:solidFill>
+        <a:latin typeface="+mn-lt"/>
+        <a:ea typeface="+mn-ea"/>
+        <a:cs typeface="+mn-cs"/>
+      </a:defRPr>
+    </a:lvl9pPr>
+  </p:defaultTextStyle>
 </p:presentation>
 </file>
 
 <file path=ppt/notesMasters/notesMaster1.xml><?xml version="1.0" encoding="utf-8"?>
-<p:notesMaster xmlns:a="http://schemas.openxmlformats.org/drawingml/2006/main" xmlns:p="http://schemas.openxmlformats.org/presentationml/2006/main" xmlns:r="http://schemas.openxmlformats.org/officeDocument/2006/relationships">
+<p:notesMaster xmlns:a="http://schemas.openxmlformats.org/drawingml/2006/main" xmlns:r="http://schemas.openxmlformats.org/officeDocument/2006/relationships" xmlns:p="http://schemas.openxmlformats.org/presentationml/2006/main">
+  <p:cSld>
+    <p:bg>
+      <p:bgRef idx="1001">
+        <a:schemeClr val="bg1"/>
+      </p:bgRef>
+    </p:bg>
+    <p:spTree>
+      <p:nvGrpSpPr>
+        <p:cNvPr id="1" name=""/>
+        <p:cNvGrpSpPr/>
+        <p:nvPr/>
+      </p:nvGrpSpPr>
+      <p:grpSpPr>
+        <a:xfrm>
+          <a:off x="0" y="0"/>
+          <a:ext cx="0" cy="0"/>
+          <a:chOff x="0" y="0"/>
+          <a:chExt cx="0" cy="0"/>
+        </a:xfrm>
+      </p:grpSpPr>
+      <p:sp>
+        <p:nvSpPr>
+          <p:cNvPr id="156" name="PlaceHolder 1"/>
+          <p:cNvSpPr>
+            <a:spLocks noGrp="1"/>
+          </p:cNvSpPr>
+          <p:nvPr>
+            <p:ph type="body"/>
+          </p:nvPr>
+        </p:nvSpPr>
+        <p:spPr>
+          <a:xfrm>
+            <a:off x="777240" y="4777560"/>
+            <a:ext cx="6217560" cy="4525920"/>
+          </a:xfrm>
+          <a:prstGeom prst="rect">
+            <a:avLst/>
+          </a:prstGeom>
+        </p:spPr>
+        <p:txBody>
+          <a:bodyPr wrap="none" lIns="0" tIns="0" rIns="0" bIns="0"/>
+          <a:lstStyle/>
+          <a:p>
+            <a:r>
+              <a:rPr lang="en-US"/>
+              <a:t>Click to edit the notes format</a:t>
+            </a:r>
+            <a:endParaRPr/>
+          </a:p>
+        </p:txBody>
+      </p:sp>
+      <p:sp>
+        <p:nvSpPr>
+          <p:cNvPr id="157" name="PlaceHolder 2"/>
+          <p:cNvSpPr>
+            <a:spLocks noGrp="1"/>
+          </p:cNvSpPr>
+          <p:nvPr>
+            <p:ph type="hdr"/>
+          </p:nvPr>
+        </p:nvSpPr>
+        <p:spPr>
+          <a:xfrm>
+            <a:off x="0" y="0"/>
+            <a:ext cx="3372840" cy="502560"/>
+          </a:xfrm>
+          <a:prstGeom prst="rect">
+            <a:avLst/>
+          </a:prstGeom>
+        </p:spPr>
+        <p:txBody>
+          <a:bodyPr wrap="none" lIns="0" tIns="0" rIns="0" bIns="0"/>
+          <a:lstStyle/>
+          <a:p>
+            <a:r>
+              <a:rPr lang="en-US" sz="1400"/>
+              <a:t>&lt;header&gt;</a:t>
+            </a:r>
+            <a:endParaRPr/>
+          </a:p>
+        </p:txBody>
+      </p:sp>
+      <p:sp>
+        <p:nvSpPr>
+          <p:cNvPr id="158" name="PlaceHolder 3"/>
+          <p:cNvSpPr>
+            <a:spLocks noGrp="1"/>
+          </p:cNvSpPr>
+          <p:nvPr>
+            <p:ph type="dt"/>
+          </p:nvPr>
+        </p:nvSpPr>
+        <p:spPr>
+          <a:xfrm>
+            <a:off x="4399200" y="0"/>
+            <a:ext cx="3372840" cy="502560"/>
+          </a:xfrm>
+          <a:prstGeom prst="rect">
+            <a:avLst/>
+          </a:prstGeom>
+        </p:spPr>
+        <p:txBody>
+          <a:bodyPr wrap="none" lIns="0" tIns="0" rIns="0" bIns="0"/>
+          <a:lstStyle/>
+          <a:p>
+            <a:pPr algn="r"/>
+            <a:r>
+              <a:rPr lang="en-US" sz="1400"/>
+              <a:t>&lt;date/time&gt;</a:t>
+            </a:r>
+            <a:endParaRPr/>
+          </a:p>
+        </p:txBody>
+      </p:sp>
+      <p:sp>
+        <p:nvSpPr>
+          <p:cNvPr id="159" name="PlaceHolder 4"/>
+          <p:cNvSpPr>
+            <a:spLocks noGrp="1"/>
+          </p:cNvSpPr>
+          <p:nvPr>
+            <p:ph type="ftr"/>
+          </p:nvPr>
+        </p:nvSpPr>
+        <p:spPr>
+          <a:xfrm>
+            <a:off x="0" y="9555480"/>
+            <a:ext cx="3372840" cy="502560"/>
+          </a:xfrm>
+          <a:prstGeom prst="rect">
+            <a:avLst/>
+          </a:prstGeom>
+        </p:spPr>
+        <p:txBody>
+          <a:bodyPr wrap="none" lIns="0" tIns="0" rIns="0" bIns="0" anchor="b"/>
+          <a:lstStyle/>
+          <a:p>
+            <a:r>
+              <a:rPr lang="en-US" sz="1400"/>
+              <a:t>&lt;footer&gt;</a:t>
+            </a:r>
+            <a:endParaRPr/>
+          </a:p>
+        </p:txBody>
+      </p:sp>
+      <p:sp>
+        <p:nvSpPr>
+          <p:cNvPr id="160" name="PlaceHolder 5"/>
+          <p:cNvSpPr>
+            <a:spLocks noGrp="1"/>
+          </p:cNvSpPr>
+          <p:nvPr>
+            <p:ph type="sldNum"/>
+          </p:nvPr>
+        </p:nvSpPr>
+        <p:spPr>
+          <a:xfrm>
+            <a:off x="4399200" y="9555480"/>
+            <a:ext cx="3372840" cy="502560"/>
+          </a:xfrm>
+          <a:prstGeom prst="rect">
+            <a:avLst/>
+          </a:prstGeom>
+        </p:spPr>
+        <p:txBody>
+          <a:bodyPr wrap="none" lIns="0" tIns="0" rIns="0" bIns="0" anchor="b"/>
+          <a:lstStyle/>
+          <a:p>
+            <a:pPr algn="r"/>
+            <a:fld id="{B101F191-2131-4171-81E1-B1319121F101}" type="slidenum">
+              <a:rPr lang="en-US" sz="1400"/>
+              <a:t>‹#›</a:t>
+            </a:fld>
+            <a:endParaRPr/>
+          </a:p>
+        </p:txBody>
+      </p:sp>
+    </p:spTree>
+    <p:extLst>
+      <p:ext uri="{BB962C8B-B14F-4D97-AF65-F5344CB8AC3E}">
+        <p14:creationId xmlns:p14="http://schemas.microsoft.com/office/powerpoint/2010/main" val="2390909545"/>
+      </p:ext>
+    </p:extLst>
+  </p:cSld>
+  <p:clrMap bg1="lt1" tx1="dk1" bg2="lt2" tx2="dk2" accent1="accent1" accent2="accent2" accent3="accent3" accent4="accent4" accent5="accent5" accent6="accent6" hlink="hlink" folHlink="folHlink"/>
+  <p:notesStyle>
+    <a:lvl1pPr marL="0" algn="l" defTabSz="914400" rtl="0" eaLnBrk="1" latinLnBrk="0" hangingPunct="1">
+      <a:defRPr sz="1200" kern="1200">
+        <a:solidFill>
+          <a:schemeClr val="tx1"/>
+        </a:solidFill>
+        <a:latin typeface="+mn-lt"/>
+        <a:ea typeface="+mn-ea"/>
+        <a:cs typeface="+mn-cs"/>
+      </a:defRPr>
+    </a:lvl1pPr>
+    <a:lvl2pPr marL="457200" algn="l" defTabSz="914400" rtl="0" eaLnBrk="1" latinLnBrk="0" hangingPunct="1">
+      <a:defRPr sz="1200" kern="1200">
+        <a:solidFill>
+          <a:schemeClr val="tx1"/>
+        </a:solidFill>
+        <a:latin typeface="+mn-lt"/>
+        <a:ea typeface="+mn-ea"/>
+        <a:cs typeface="+mn-cs"/>
+      </a:defRPr>
+    </a:lvl2pPr>
+    <a:lvl3pPr marL="914400" algn="l" defTabSz="914400" rtl="0" eaLnBrk="1" latinLnBrk="0" hangingPunct="1">
+      <a:defRPr sz="1200" kern="1200">
+        <a:solidFill>
+          <a:schemeClr val="tx1"/>
+        </a:solidFill>
+        <a:latin typeface="+mn-lt"/>
+        <a:ea typeface="+mn-ea"/>
+        <a:cs typeface="+mn-cs"/>
+      </a:defRPr>
+    </a:lvl3pPr>
+    <a:lvl4pPr marL="1371600" algn="l" defTabSz="914400" rtl="0" eaLnBrk="1" latinLnBrk="0" hangingPunct="1">
+      <a:defRPr sz="1200" kern="1200">
+        <a:solidFill>
+          <a:schemeClr val="tx1"/>
+        </a:solidFill>
+        <a:latin typeface="+mn-lt"/>
+        <a:ea typeface="+mn-ea"/>
+        <a:cs typeface="+mn-cs"/>
+      </a:defRPr>
+    </a:lvl4pPr>
+    <a:lvl5pPr marL="1828800" algn="l" defTabSz="914400" rtl="0" eaLnBrk="1" latinLnBrk="0" hangingPunct="1">
+      <a:defRPr sz="1200" kern="1200">
+        <a:solidFill>
+          <a:schemeClr val="tx1"/>
+        </a:solidFill>
+        <a:latin typeface="+mn-lt"/>
+        <a:ea typeface="+mn-ea"/>
+        <a:cs typeface="+mn-cs"/>
+      </a:defRPr>
+    </a:lvl5pPr>
+    <a:lvl6pPr marL="2286000" algn="l" defTabSz="914400" rtl="0" eaLnBrk="1" latinLnBrk="0" hangingPunct="1">
+      <a:defRPr sz="1200" kern="1200">
+        <a:solidFill>
+          <a:schemeClr val="tx1"/>
+        </a:solidFill>
+        <a:latin typeface="+mn-lt"/>
+        <a:ea typeface="+mn-ea"/>
+        <a:cs typeface="+mn-cs"/>
+      </a:defRPr>
+    </a:lvl6pPr>
+    <a:lvl7pPr marL="2743200" algn="l" defTabSz="914400" rtl="0" eaLnBrk="1" latinLnBrk="0" hangingPunct="1">
+      <a:defRPr sz="1200" kern="1200">
+        <a:solidFill>
+          <a:schemeClr val="tx1"/>
+        </a:solidFill>
+        <a:latin typeface="+mn-lt"/>
+        <a:ea typeface="+mn-ea"/>
+        <a:cs typeface="+mn-cs"/>
+      </a:defRPr>
+    </a:lvl7pPr>
+    <a:lvl8pPr marL="3200400" algn="l" defTabSz="914400" rtl="0" eaLnBrk="1" latinLnBrk="0" hangingPunct="1">
+      <a:defRPr sz="1200" kern="1200">
+        <a:solidFill>
+          <a:schemeClr val="tx1"/>
+        </a:solidFill>
+        <a:latin typeface="+mn-lt"/>
+        <a:ea typeface="+mn-ea"/>
+        <a:cs typeface="+mn-cs"/>
+      </a:defRPr>
+    </a:lvl8pPr>
+    <a:lvl9pPr marL="3657600" algn="l" defTabSz="914400" rtl="0" eaLnBrk="1" latinLnBrk="0" hangingPunct="1">
+      <a:defRPr sz="1200" kern="1200">
+        <a:solidFill>
+          <a:schemeClr val="tx1"/>
+        </a:solidFill>
+        <a:latin typeface="+mn-lt"/>
+        <a:ea typeface="+mn-ea"/>
+        <a:cs typeface="+mn-cs"/>
+      </a:defRPr>
+    </a:lvl9pPr>
+  </p:notesStyle>
+</p:notesMaster>
+</file>
+
+<file path=ppt/notesSlides/notesSlide1.xml><?xml version="1.0" encoding="utf-8"?>
+<p:notes xmlns:a="http://schemas.openxmlformats.org/drawingml/2006/main" xmlns:r="http://schemas.openxmlformats.org/officeDocument/2006/relationships" xmlns:p="http://schemas.openxmlformats.org/presentationml/2006/main">
   <p:cSld>
     <p:spTree>
       <p:nvGrpSpPr>
@@ -49,7 +424,7 @@
       </p:grpSpPr>
       <p:sp>
         <p:nvSpPr>
-          <p:cNvPr id="156" name="PlaceHolder 1"/>
+          <p:cNvPr id="211" name="PlaceHolder 1"/>
           <p:cNvSpPr>
             <a:spLocks noGrp="1"/>
           </p:cNvSpPr>
@@ -67,133 +442,100 @@
           </a:prstGeom>
         </p:spPr>
         <p:txBody>
-          <a:bodyPr bIns="0" lIns="0" rIns="0" tIns="0" wrap="none"/>
-          <a:p>
-            <a:r>
-              <a:rPr lang="en-US"/>
-              <a:t>Click to edit the notes format</a:t>
-            </a:r>
-            <a:endParaRPr/>
-          </a:p>
-        </p:txBody>
-      </p:sp>
-      <p:sp>
-        <p:nvSpPr>
-          <p:cNvPr id="157" name="PlaceHolder 2"/>
-          <p:cNvSpPr>
-            <a:spLocks noGrp="1"/>
-          </p:cNvSpPr>
-          <p:nvPr>
-            <p:ph type="hdr"/>
-          </p:nvPr>
-        </p:nvSpPr>
-        <p:spPr>
-          <a:xfrm>
-            <a:off x="0" y="0"/>
-            <a:ext cx="3372840" cy="502560"/>
-          </a:xfrm>
-          <a:prstGeom prst="rect">
-            <a:avLst/>
-          </a:prstGeom>
-        </p:spPr>
-        <p:txBody>
-          <a:bodyPr bIns="0" lIns="0" rIns="0" tIns="0" wrap="none"/>
-          <a:p>
-            <a:r>
-              <a:rPr lang="en-US" sz="1400"/>
-              <a:t>&lt;header&gt;</a:t>
-            </a:r>
-            <a:endParaRPr/>
-          </a:p>
-        </p:txBody>
-      </p:sp>
-      <p:sp>
-        <p:nvSpPr>
-          <p:cNvPr id="158" name="PlaceHolder 3"/>
-          <p:cNvSpPr>
-            <a:spLocks noGrp="1"/>
-          </p:cNvSpPr>
-          <p:nvPr>
-            <p:ph type="dt"/>
-          </p:nvPr>
-        </p:nvSpPr>
-        <p:spPr>
-          <a:xfrm>
-            <a:off x="4399200" y="0"/>
-            <a:ext cx="3372840" cy="502560"/>
-          </a:xfrm>
-          <a:prstGeom prst="rect">
-            <a:avLst/>
-          </a:prstGeom>
-        </p:spPr>
-        <p:txBody>
-          <a:bodyPr bIns="0" lIns="0" rIns="0" tIns="0" wrap="none"/>
-          <a:p>
-            <a:pPr algn="r"/>
-            <a:r>
-              <a:rPr lang="en-US" sz="1400"/>
-              <a:t>&lt;date/time&gt;</a:t>
-            </a:r>
-            <a:endParaRPr/>
-          </a:p>
-        </p:txBody>
-      </p:sp>
-      <p:sp>
-        <p:nvSpPr>
-          <p:cNvPr id="159" name="PlaceHolder 4"/>
-          <p:cNvSpPr>
-            <a:spLocks noGrp="1"/>
-          </p:cNvSpPr>
-          <p:nvPr>
-            <p:ph type="ftr"/>
-          </p:nvPr>
-        </p:nvSpPr>
-        <p:spPr>
-          <a:xfrm>
-            <a:off x="0" y="9555480"/>
-            <a:ext cx="3372840" cy="502560"/>
-          </a:xfrm>
-          <a:prstGeom prst="rect">
-            <a:avLst/>
-          </a:prstGeom>
-        </p:spPr>
-        <p:txBody>
-          <a:bodyPr anchor="b" bIns="0" lIns="0" rIns="0" tIns="0" wrap="none"/>
-          <a:p>
-            <a:r>
-              <a:rPr lang="en-US" sz="1400"/>
-              <a:t>&lt;footer&gt;</a:t>
-            </a:r>
-            <a:endParaRPr/>
-          </a:p>
-        </p:txBody>
-      </p:sp>
-      <p:sp>
-        <p:nvSpPr>
-          <p:cNvPr id="160" name="PlaceHolder 5"/>
-          <p:cNvSpPr>
-            <a:spLocks noGrp="1"/>
-          </p:cNvSpPr>
-          <p:nvPr>
-            <p:ph type="sldNum"/>
-          </p:nvPr>
-        </p:nvSpPr>
-        <p:spPr>
-          <a:xfrm>
-            <a:off x="4399200" y="9555480"/>
-            <a:ext cx="3372840" cy="502560"/>
-          </a:xfrm>
-          <a:prstGeom prst="rect">
-            <a:avLst/>
-          </a:prstGeom>
-        </p:spPr>
-        <p:txBody>
-          <a:bodyPr anchor="b" bIns="0" lIns="0" rIns="0" tIns="0" wrap="none"/>
-          <a:p>
-            <a:pPr algn="r"/>
-            <a:fld id="{B101F191-2131-4171-81E1-B1319121F101}" type="slidenum">
-              <a:rPr lang="en-US" sz="1400"/>
-              <a:t>&lt;number&gt;</a:t>
+          <a:bodyPr lIns="90000" tIns="45000" rIns="90000" bIns="45000"/>
+          <a:lstStyle/>
+          <a:p>
+            <a:pPr>
+              <a:lnSpc>
+                <a:spcPct val="100000"/>
+              </a:lnSpc>
+            </a:pPr>
+            <a:r>
+              <a:rPr lang="en-US" sz="1890" b="1"/>
+              <a:t>D3</a:t>
+            </a:r>
+            <a:r>
+              <a:rPr lang="en-US" sz="1890"/>
+              <a:t> helps you bring data to life using HTML, SVG and CSS. D3’s emphasis on web standards gives you the full capabilities of modern </a:t>
+            </a:r>
+            <a:r>
+              <a:rPr lang="en-US" sz="1890" u="sng">
+                <a:solidFill>
+                  <a:srgbClr val="000000"/>
+                </a:solidFill>
+                <a:hlinkClick r:id="rId3"/>
+              </a:rPr>
+              <a:t>browsers</a:t>
+            </a:r>
+            <a:r>
+              <a:rPr lang="en-US" sz="1890">
+                <a:solidFill>
+                  <a:srgbClr val="000000"/>
+                </a:solidFill>
+              </a:rPr>
+              <a:t> without tying yourself to a proprietary framework, combining powerful visualization components and a data-driven approach to DOM manipulation.</a:t>
+            </a:r>
+            <a:endParaRPr/>
+          </a:p>
+          <a:p>
+            <a:pPr>
+              <a:lnSpc>
+                <a:spcPct val="100000"/>
+              </a:lnSpc>
+            </a:pPr>
+            <a:r>
+              <a:rPr lang="en-US" sz="1300">
+                <a:solidFill>
+                  <a:srgbClr val="000000"/>
+                </a:solidFill>
+              </a:rPr>
+              <a:t>D3.js is just one option for information visualization in the browser, and allows you to build a wide variety of rich interactive elements in your website</a:t>
+            </a:r>
+            <a:endParaRPr/>
+          </a:p>
+          <a:p>
+            <a:pPr>
+              <a:lnSpc>
+                <a:spcPct val="100000"/>
+              </a:lnSpc>
+            </a:pPr>
+            <a:endParaRPr/>
+          </a:p>
+        </p:txBody>
+      </p:sp>
+      <p:sp>
+        <p:nvSpPr>
+          <p:cNvPr id="212" name="TextShape 2"/>
+          <p:cNvSpPr txBox="1"/>
+          <p:nvPr/>
+        </p:nvSpPr>
+        <p:spPr>
+          <a:xfrm>
+            <a:off x="360" y="0"/>
+            <a:ext cx="360" cy="360"/>
+          </a:xfrm>
+          <a:prstGeom prst="rect">
+            <a:avLst/>
+          </a:prstGeom>
+        </p:spPr>
+        <p:txBody>
+          <a:bodyPr lIns="90000" tIns="45000" rIns="90000" bIns="45000"/>
+          <a:lstStyle/>
+          <a:p>
+            <a:pPr>
+              <a:lnSpc>
+                <a:spcPct val="100000"/>
+              </a:lnSpc>
+            </a:pPr>
+            <a:fld id="{E1C11171-A1A1-4191-9101-81A1D1C19161}" type="slidenum">
+              <a:rPr lang="en-US">
+                <a:solidFill>
+                  <a:srgbClr val="000000"/>
+                </a:solidFill>
+                <a:latin typeface="+mn-lt"/>
+                <a:ea typeface="+mn-ea"/>
+              </a:rPr>
+              <a:t>6</a:t>
             </a:fld>
             <a:endParaRPr/>
           </a:p>
@@ -201,12 +543,14 @@
       </p:sp>
     </p:spTree>
   </p:cSld>
-  <p:clrMap accent1="accent1" accent2="accent2" accent3="accent3" accent4="accent4" accent5="accent5" accent6="accent6" bg1="lt1" bg2="lt2" folHlink="folHlink" hlink="hlink" tx1="dk1" tx2="dk2"/>
-</p:notesMaster>
+  <p:clrMapOvr>
+    <a:masterClrMapping/>
+  </p:clrMapOvr>
+</p:notes>
 </file>
 
-<file path=ppt/notesSlides/notesSlide5.xml><?xml version="1.0" encoding="utf-8"?>
-<p:notes xmlns:a="http://schemas.openxmlformats.org/drawingml/2006/main" xmlns:p="http://schemas.openxmlformats.org/presentationml/2006/main" xmlns:r="http://schemas.openxmlformats.org/officeDocument/2006/relationships">
+<file path=ppt/notesSlides/notesSlide2.xml><?xml version="1.0" encoding="utf-8"?>
+<p:notes xmlns:a="http://schemas.openxmlformats.org/drawingml/2006/main" xmlns:r="http://schemas.openxmlformats.org/officeDocument/2006/relationships" xmlns:p="http://schemas.openxmlformats.org/presentationml/2006/main">
   <p:cSld>
     <p:spTree>
       <p:nvGrpSpPr>
@@ -242,7 +586,8 @@
           </a:prstGeom>
         </p:spPr>
         <p:txBody>
-          <a:bodyPr bIns="45000" lIns="90000" rIns="90000" tIns="45000"/>
+          <a:bodyPr lIns="90000" tIns="45000" rIns="90000" bIns="45000"/>
+          <a:lstStyle/>
           <a:p>
             <a:pPr>
               <a:lnSpc>
@@ -250,31 +595,31 @@
               </a:lnSpc>
             </a:pPr>
             <a:r>
-              <a:rPr b="1" lang="en-US" sz="1890"/>
+              <a:rPr lang="en-US" sz="1890" b="1" dirty="0"/>
               <a:t>D3</a:t>
             </a:r>
             <a:r>
-              <a:rPr lang="en-US" sz="1890"/>
+              <a:rPr lang="en-US" sz="1890" dirty="0"/>
               <a:t> helps you bring data to life using HTML, SVG and CSS. D3’s emphasis on web standards gives you the full capabilities of modern </a:t>
             </a:r>
             <a:r>
-              <a:rPr lang="en-US" sz="1890" u="sng">
+              <a:rPr lang="en-US" sz="1890" u="sng" dirty="0">
                 <a:solidFill>
                   <a:srgbClr val="000000"/>
                 </a:solidFill>
-                <a:hlinkClick r:id="rId1"/>
+                <a:hlinkClick r:id="rId3"/>
               </a:rPr>
               <a:t>browsers</a:t>
             </a:r>
             <a:r>
-              <a:rPr lang="en-US" sz="1890">
+              <a:rPr lang="en-US" sz="1890" dirty="0">
                 <a:solidFill>
                   <a:srgbClr val="000000"/>
                 </a:solidFill>
               </a:rPr>
               <a:t> without tying yourself to a proprietary framework, combining powerful visualization components and a data-driven approach to DOM manipulation.</a:t>
             </a:r>
-            <a:endParaRPr/>
+            <a:endParaRPr dirty="0"/>
           </a:p>
           <a:p>
             <a:pPr>
@@ -283,14 +628,14 @@
               </a:lnSpc>
             </a:pPr>
             <a:r>
-              <a:rPr lang="en-US" sz="1300">
+              <a:rPr lang="en-US" sz="1300" dirty="0">
                 <a:solidFill>
                   <a:srgbClr val="000000"/>
                 </a:solidFill>
               </a:rPr>
               <a:t>D3.js is just one option for information visualization in the browser, and allows you to build a wide variety of rich interactive elements in your website</a:t>
             </a:r>
-            <a:endParaRPr/>
+            <a:endParaRPr dirty="0"/>
           </a:p>
           <a:p>
             <a:pPr>
@@ -298,7 +643,7 @@
                 <a:spcPct val="100000"/>
               </a:lnSpc>
             </a:pPr>
-            <a:endParaRPr/>
+            <a:endParaRPr dirty="0"/>
           </a:p>
         </p:txBody>
       </p:sp>
@@ -318,7 +663,8 @@
           </a:prstGeom>
         </p:spPr>
         <p:txBody>
-          <a:bodyPr bIns="45000" lIns="90000" rIns="90000" tIns="45000"/>
+          <a:bodyPr lIns="90000" tIns="45000" rIns="90000" bIns="45000"/>
+          <a:lstStyle/>
           <a:p>
             <a:pPr>
               <a:lnSpc>
@@ -333,7 +679,7 @@
                 <a:latin typeface="+mn-lt"/>
                 <a:ea typeface="+mn-ea"/>
               </a:rPr>
-              <a:t>&lt;number&gt;</a:t>
+              <a:t>7</a:t>
             </a:fld>
             <a:endParaRPr/>
           </a:p>
@@ -341,11 +687,14 @@
       </p:sp>
     </p:spTree>
   </p:cSld>
+  <p:clrMapOvr>
+    <a:masterClrMapping/>
+  </p:clrMapOvr>
 </p:notes>
 </file>
 
 <file path=ppt/slideLayouts/slideLayout1.xml><?xml version="1.0" encoding="utf-8"?>
-<p:sldLayout xmlns:a="http://schemas.openxmlformats.org/drawingml/2006/main" xmlns:p="http://schemas.openxmlformats.org/presentationml/2006/main" xmlns:r="http://schemas.openxmlformats.org/officeDocument/2006/relationships" preserve="1" type="blank">
+<p:sldLayout xmlns:a="http://schemas.openxmlformats.org/drawingml/2006/main" xmlns:r="http://schemas.openxmlformats.org/officeDocument/2006/relationships" xmlns:p="http://schemas.openxmlformats.org/presentationml/2006/main" type="blank" preserve="1">
   <p:cSld name="Blank Slide">
     <p:spTree>
       <p:nvGrpSpPr>
@@ -363,11 +712,14 @@
       </p:grpSpPr>
     </p:spTree>
   </p:cSld>
+  <p:clrMapOvr>
+    <a:masterClrMapping/>
+  </p:clrMapOvr>
 </p:sldLayout>
 </file>
 
 <file path=ppt/slideLayouts/slideLayout10.xml><?xml version="1.0" encoding="utf-8"?>
-<p:sldLayout xmlns:a="http://schemas.openxmlformats.org/drawingml/2006/main" xmlns:p="http://schemas.openxmlformats.org/presentationml/2006/main" xmlns:r="http://schemas.openxmlformats.org/officeDocument/2006/relationships" preserve="1" type="objOverTx">
+<p:sldLayout xmlns:a="http://schemas.openxmlformats.org/drawingml/2006/main" xmlns:r="http://schemas.openxmlformats.org/officeDocument/2006/relationships" xmlns:p="http://schemas.openxmlformats.org/presentationml/2006/main" type="objOverTx" preserve="1">
   <p:cSld name="Title, Content over Content">
     <p:spTree>
       <p:nvGrpSpPr>
@@ -403,7 +755,8 @@
           </a:prstGeom>
         </p:spPr>
         <p:txBody>
-          <a:bodyPr anchor="ctr" bIns="0" lIns="0" rIns="0" tIns="0" wrap="none"/>
+          <a:bodyPr wrap="none" lIns="0" tIns="0" rIns="0" bIns="0" anchor="ctr"/>
+          <a:lstStyle/>
           <a:p>
             <a:pPr algn="ctr"/>
             <a:endParaRPr/>
@@ -430,7 +783,8 @@
           </a:prstGeom>
         </p:spPr>
         <p:txBody>
-          <a:bodyPr bIns="0" lIns="0" rIns="0" tIns="0" wrap="none"/>
+          <a:bodyPr wrap="none" lIns="0" tIns="0" rIns="0" bIns="0"/>
+          <a:lstStyle/>
           <a:p>
             <a:endParaRPr/>
           </a:p>
@@ -456,7 +810,8 @@
           </a:prstGeom>
         </p:spPr>
         <p:txBody>
-          <a:bodyPr bIns="0" lIns="0" rIns="0" tIns="0" wrap="none"/>
+          <a:bodyPr wrap="none" lIns="0" tIns="0" rIns="0" bIns="0"/>
+          <a:lstStyle/>
           <a:p>
             <a:endParaRPr/>
           </a:p>
@@ -464,11 +819,14 @@
       </p:sp>
     </p:spTree>
   </p:cSld>
+  <p:clrMapOvr>
+    <a:masterClrMapping/>
+  </p:clrMapOvr>
 </p:sldLayout>
 </file>
 
 <file path=ppt/slideLayouts/slideLayout11.xml><?xml version="1.0" encoding="utf-8"?>
-<p:sldLayout xmlns:a="http://schemas.openxmlformats.org/drawingml/2006/main" xmlns:p="http://schemas.openxmlformats.org/presentationml/2006/main" xmlns:r="http://schemas.openxmlformats.org/officeDocument/2006/relationships" preserve="1" type="fourObj">
+<p:sldLayout xmlns:a="http://schemas.openxmlformats.org/drawingml/2006/main" xmlns:r="http://schemas.openxmlformats.org/officeDocument/2006/relationships" xmlns:p="http://schemas.openxmlformats.org/presentationml/2006/main" type="fourObj" preserve="1">
   <p:cSld name="Title, 4 Content">
     <p:spTree>
       <p:nvGrpSpPr>
@@ -504,7 +862,8 @@
           </a:prstGeom>
         </p:spPr>
         <p:txBody>
-          <a:bodyPr anchor="ctr" bIns="0" lIns="0" rIns="0" tIns="0" wrap="none"/>
+          <a:bodyPr wrap="none" lIns="0" tIns="0" rIns="0" bIns="0" anchor="ctr"/>
+          <a:lstStyle/>
           <a:p>
             <a:pPr algn="ctr"/>
             <a:endParaRPr/>
@@ -531,7 +890,8 @@
           </a:prstGeom>
         </p:spPr>
         <p:txBody>
-          <a:bodyPr bIns="0" lIns="0" rIns="0" tIns="0" wrap="none"/>
+          <a:bodyPr wrap="none" lIns="0" tIns="0" rIns="0" bIns="0"/>
+          <a:lstStyle/>
           <a:p>
             <a:endParaRPr/>
           </a:p>
@@ -557,7 +917,8 @@
           </a:prstGeom>
         </p:spPr>
         <p:txBody>
-          <a:bodyPr bIns="0" lIns="0" rIns="0" tIns="0" wrap="none"/>
+          <a:bodyPr wrap="none" lIns="0" tIns="0" rIns="0" bIns="0"/>
+          <a:lstStyle/>
           <a:p>
             <a:endParaRPr/>
           </a:p>
@@ -583,7 +944,8 @@
           </a:prstGeom>
         </p:spPr>
         <p:txBody>
-          <a:bodyPr bIns="0" lIns="0" rIns="0" tIns="0" wrap="none"/>
+          <a:bodyPr wrap="none" lIns="0" tIns="0" rIns="0" bIns="0"/>
+          <a:lstStyle/>
           <a:p>
             <a:endParaRPr/>
           </a:p>
@@ -609,7 +971,8 @@
           </a:prstGeom>
         </p:spPr>
         <p:txBody>
-          <a:bodyPr bIns="0" lIns="0" rIns="0" tIns="0" wrap="none"/>
+          <a:bodyPr wrap="none" lIns="0" tIns="0" rIns="0" bIns="0"/>
+          <a:lstStyle/>
           <a:p>
             <a:endParaRPr/>
           </a:p>
@@ -617,11 +980,14 @@
       </p:sp>
     </p:spTree>
   </p:cSld>
+  <p:clrMapOvr>
+    <a:masterClrMapping/>
+  </p:clrMapOvr>
 </p:sldLayout>
 </file>
 
 <file path=ppt/slideLayouts/slideLayout12.xml><?xml version="1.0" encoding="utf-8"?>
-<p:sldLayout xmlns:a="http://schemas.openxmlformats.org/drawingml/2006/main" xmlns:p="http://schemas.openxmlformats.org/presentationml/2006/main" xmlns:r="http://schemas.openxmlformats.org/officeDocument/2006/relationships" preserve="1" type="blank">
+<p:sldLayout xmlns:a="http://schemas.openxmlformats.org/drawingml/2006/main" xmlns:r="http://schemas.openxmlformats.org/officeDocument/2006/relationships" xmlns:p="http://schemas.openxmlformats.org/presentationml/2006/main" type="blank" preserve="1">
   <p:cSld name="Title, 6 Content">
     <p:spTree>
       <p:nvGrpSpPr>
@@ -657,7 +1023,8 @@
           </a:prstGeom>
         </p:spPr>
         <p:txBody>
-          <a:bodyPr anchor="ctr" bIns="0" lIns="0" rIns="0" tIns="0" wrap="none"/>
+          <a:bodyPr wrap="none" lIns="0" tIns="0" rIns="0" bIns="0" anchor="ctr"/>
+          <a:lstStyle/>
           <a:p>
             <a:pPr algn="ctr"/>
             <a:endParaRPr/>
@@ -684,7 +1051,8 @@
           </a:prstGeom>
         </p:spPr>
         <p:txBody>
-          <a:bodyPr bIns="0" lIns="0" rIns="0" tIns="0" wrap="none"/>
+          <a:bodyPr wrap="none" lIns="0" tIns="0" rIns="0" bIns="0"/>
+          <a:lstStyle/>
           <a:p>
             <a:endParaRPr/>
           </a:p>
@@ -710,7 +1078,8 @@
           </a:prstGeom>
         </p:spPr>
         <p:txBody>
-          <a:bodyPr bIns="0" lIns="0" rIns="0" tIns="0" wrap="none"/>
+          <a:bodyPr wrap="none" lIns="0" tIns="0" rIns="0" bIns="0"/>
+          <a:lstStyle/>
           <a:p>
             <a:endParaRPr/>
           </a:p>
@@ -718,11 +1087,14 @@
       </p:sp>
     </p:spTree>
   </p:cSld>
+  <p:clrMapOvr>
+    <a:masterClrMapping/>
+  </p:clrMapOvr>
 </p:sldLayout>
 </file>
 
 <file path=ppt/slideLayouts/slideLayout13.xml><?xml version="1.0" encoding="utf-8"?>
-<p:sldLayout xmlns:a="http://schemas.openxmlformats.org/drawingml/2006/main" xmlns:p="http://schemas.openxmlformats.org/presentationml/2006/main" xmlns:r="http://schemas.openxmlformats.org/officeDocument/2006/relationships" preserve="1" type="blank">
+<p:sldLayout xmlns:a="http://schemas.openxmlformats.org/drawingml/2006/main" xmlns:r="http://schemas.openxmlformats.org/officeDocument/2006/relationships" xmlns:p="http://schemas.openxmlformats.org/presentationml/2006/main" type="blank" preserve="1">
   <p:cSld name="Blank Slide">
     <p:spTree>
       <p:nvGrpSpPr>
@@ -740,11 +1112,14 @@
       </p:grpSpPr>
     </p:spTree>
   </p:cSld>
+  <p:clrMapOvr>
+    <a:masterClrMapping/>
+  </p:clrMapOvr>
 </p:sldLayout>
 </file>
 
 <file path=ppt/slideLayouts/slideLayout14.xml><?xml version="1.0" encoding="utf-8"?>
-<p:sldLayout xmlns:a="http://schemas.openxmlformats.org/drawingml/2006/main" xmlns:p="http://schemas.openxmlformats.org/presentationml/2006/main" xmlns:r="http://schemas.openxmlformats.org/officeDocument/2006/relationships" preserve="1" type="tx">
+<p:sldLayout xmlns:a="http://schemas.openxmlformats.org/drawingml/2006/main" xmlns:r="http://schemas.openxmlformats.org/officeDocument/2006/relationships" xmlns:p="http://schemas.openxmlformats.org/presentationml/2006/main" type="tx" preserve="1">
   <p:cSld name="Title Slide">
     <p:spTree>
       <p:nvGrpSpPr>
@@ -780,7 +1155,8 @@
           </a:prstGeom>
         </p:spPr>
         <p:txBody>
-          <a:bodyPr anchor="ctr" bIns="0" lIns="0" rIns="0" tIns="0" wrap="none"/>
+          <a:bodyPr wrap="none" lIns="0" tIns="0" rIns="0" bIns="0" anchor="ctr"/>
+          <a:lstStyle/>
           <a:p>
             <a:pPr algn="ctr"/>
             <a:endParaRPr/>
@@ -807,7 +1183,8 @@
           </a:prstGeom>
         </p:spPr>
         <p:txBody>
-          <a:bodyPr anchor="ctr" bIns="0" lIns="0" rIns="0" tIns="0" wrap="none"/>
+          <a:bodyPr wrap="none" lIns="0" tIns="0" rIns="0" bIns="0" anchor="ctr"/>
+          <a:lstStyle/>
           <a:p>
             <a:pPr algn="ctr"/>
             <a:endParaRPr/>
@@ -816,11 +1193,14 @@
       </p:sp>
     </p:spTree>
   </p:cSld>
+  <p:clrMapOvr>
+    <a:masterClrMapping/>
+  </p:clrMapOvr>
 </p:sldLayout>
 </file>
 
 <file path=ppt/slideLayouts/slideLayout15.xml><?xml version="1.0" encoding="utf-8"?>
-<p:sldLayout xmlns:a="http://schemas.openxmlformats.org/drawingml/2006/main" xmlns:p="http://schemas.openxmlformats.org/presentationml/2006/main" xmlns:r="http://schemas.openxmlformats.org/officeDocument/2006/relationships" preserve="1" type="obj">
+<p:sldLayout xmlns:a="http://schemas.openxmlformats.org/drawingml/2006/main" xmlns:r="http://schemas.openxmlformats.org/officeDocument/2006/relationships" xmlns:p="http://schemas.openxmlformats.org/presentationml/2006/main" type="obj" preserve="1">
   <p:cSld name="Title, Content">
     <p:spTree>
       <p:nvGrpSpPr>
@@ -856,7 +1236,8 @@
           </a:prstGeom>
         </p:spPr>
         <p:txBody>
-          <a:bodyPr anchor="ctr" bIns="0" lIns="0" rIns="0" tIns="0" wrap="none"/>
+          <a:bodyPr wrap="none" lIns="0" tIns="0" rIns="0" bIns="0" anchor="ctr"/>
+          <a:lstStyle/>
           <a:p>
             <a:pPr algn="ctr"/>
             <a:endParaRPr/>
@@ -883,7 +1264,8 @@
           </a:prstGeom>
         </p:spPr>
         <p:txBody>
-          <a:bodyPr bIns="0" lIns="0" rIns="0" tIns="0" wrap="none"/>
+          <a:bodyPr wrap="none" lIns="0" tIns="0" rIns="0" bIns="0"/>
+          <a:lstStyle/>
           <a:p>
             <a:endParaRPr/>
           </a:p>
@@ -891,11 +1273,14 @@
       </p:sp>
     </p:spTree>
   </p:cSld>
+  <p:clrMapOvr>
+    <a:masterClrMapping/>
+  </p:clrMapOvr>
 </p:sldLayout>
 </file>
 
 <file path=ppt/slideLayouts/slideLayout16.xml><?xml version="1.0" encoding="utf-8"?>
-<p:sldLayout xmlns:a="http://schemas.openxmlformats.org/drawingml/2006/main" xmlns:p="http://schemas.openxmlformats.org/presentationml/2006/main" xmlns:r="http://schemas.openxmlformats.org/officeDocument/2006/relationships" preserve="1" type="twoObj">
+<p:sldLayout xmlns:a="http://schemas.openxmlformats.org/drawingml/2006/main" xmlns:r="http://schemas.openxmlformats.org/officeDocument/2006/relationships" xmlns:p="http://schemas.openxmlformats.org/presentationml/2006/main" type="twoObj" preserve="1">
   <p:cSld name="Title, 2 Content">
     <p:spTree>
       <p:nvGrpSpPr>
@@ -931,7 +1316,8 @@
           </a:prstGeom>
         </p:spPr>
         <p:txBody>
-          <a:bodyPr anchor="ctr" bIns="0" lIns="0" rIns="0" tIns="0" wrap="none"/>
+          <a:bodyPr wrap="none" lIns="0" tIns="0" rIns="0" bIns="0" anchor="ctr"/>
+          <a:lstStyle/>
           <a:p>
             <a:pPr algn="ctr"/>
             <a:endParaRPr/>
@@ -958,7 +1344,8 @@
           </a:prstGeom>
         </p:spPr>
         <p:txBody>
-          <a:bodyPr bIns="0" lIns="0" rIns="0" tIns="0" wrap="none"/>
+          <a:bodyPr wrap="none" lIns="0" tIns="0" rIns="0" bIns="0"/>
+          <a:lstStyle/>
           <a:p>
             <a:endParaRPr/>
           </a:p>
@@ -984,7 +1371,8 @@
           </a:prstGeom>
         </p:spPr>
         <p:txBody>
-          <a:bodyPr bIns="0" lIns="0" rIns="0" tIns="0" wrap="none"/>
+          <a:bodyPr wrap="none" lIns="0" tIns="0" rIns="0" bIns="0"/>
+          <a:lstStyle/>
           <a:p>
             <a:endParaRPr/>
           </a:p>
@@ -992,11 +1380,14 @@
       </p:sp>
     </p:spTree>
   </p:cSld>
+  <p:clrMapOvr>
+    <a:masterClrMapping/>
+  </p:clrMapOvr>
 </p:sldLayout>
 </file>
 
 <file path=ppt/slideLayouts/slideLayout17.xml><?xml version="1.0" encoding="utf-8"?>
-<p:sldLayout xmlns:a="http://schemas.openxmlformats.org/drawingml/2006/main" xmlns:p="http://schemas.openxmlformats.org/presentationml/2006/main" xmlns:r="http://schemas.openxmlformats.org/officeDocument/2006/relationships" preserve="1" type="titleOnly">
+<p:sldLayout xmlns:a="http://schemas.openxmlformats.org/drawingml/2006/main" xmlns:r="http://schemas.openxmlformats.org/officeDocument/2006/relationships" xmlns:p="http://schemas.openxmlformats.org/presentationml/2006/main" type="titleOnly" preserve="1">
   <p:cSld name="Title Only">
     <p:spTree>
       <p:nvGrpSpPr>
@@ -1032,7 +1423,8 @@
           </a:prstGeom>
         </p:spPr>
         <p:txBody>
-          <a:bodyPr anchor="ctr" bIns="0" lIns="0" rIns="0" tIns="0" wrap="none"/>
+          <a:bodyPr wrap="none" lIns="0" tIns="0" rIns="0" bIns="0" anchor="ctr"/>
+          <a:lstStyle/>
           <a:p>
             <a:pPr algn="ctr"/>
             <a:endParaRPr/>
@@ -1041,11 +1433,14 @@
       </p:sp>
     </p:spTree>
   </p:cSld>
+  <p:clrMapOvr>
+    <a:masterClrMapping/>
+  </p:clrMapOvr>
 </p:sldLayout>
 </file>
 
 <file path=ppt/slideLayouts/slideLayout18.xml><?xml version="1.0" encoding="utf-8"?>
-<p:sldLayout xmlns:a="http://schemas.openxmlformats.org/drawingml/2006/main" xmlns:p="http://schemas.openxmlformats.org/presentationml/2006/main" xmlns:r="http://schemas.openxmlformats.org/officeDocument/2006/relationships" preserve="1" type="objOnly">
+<p:sldLayout xmlns:a="http://schemas.openxmlformats.org/drawingml/2006/main" xmlns:r="http://schemas.openxmlformats.org/officeDocument/2006/relationships" xmlns:p="http://schemas.openxmlformats.org/presentationml/2006/main" type="objOnly" preserve="1">
   <p:cSld name="Centered Text">
     <p:spTree>
       <p:nvGrpSpPr>
@@ -1081,7 +1476,8 @@
           </a:prstGeom>
         </p:spPr>
         <p:txBody>
-          <a:bodyPr anchor="ctr" bIns="0" lIns="0" rIns="0" tIns="0" wrap="none"/>
+          <a:bodyPr wrap="none" lIns="0" tIns="0" rIns="0" bIns="0" anchor="ctr"/>
+          <a:lstStyle/>
           <a:p>
             <a:pPr algn="ctr"/>
             <a:endParaRPr/>
@@ -1090,11 +1486,14 @@
       </p:sp>
     </p:spTree>
   </p:cSld>
+  <p:clrMapOvr>
+    <a:masterClrMapping/>
+  </p:clrMapOvr>
 </p:sldLayout>
 </file>
 
 <file path=ppt/slideLayouts/slideLayout19.xml><?xml version="1.0" encoding="utf-8"?>
-<p:sldLayout xmlns:a="http://schemas.openxmlformats.org/drawingml/2006/main" xmlns:p="http://schemas.openxmlformats.org/presentationml/2006/main" xmlns:r="http://schemas.openxmlformats.org/officeDocument/2006/relationships" preserve="1" type="twoObjAndObj">
+<p:sldLayout xmlns:a="http://schemas.openxmlformats.org/drawingml/2006/main" xmlns:r="http://schemas.openxmlformats.org/officeDocument/2006/relationships" xmlns:p="http://schemas.openxmlformats.org/presentationml/2006/main" type="twoObjAndObj" preserve="1">
   <p:cSld name="Title, 2 Content and Content">
     <p:spTree>
       <p:nvGrpSpPr>
@@ -1130,7 +1529,8 @@
           </a:prstGeom>
         </p:spPr>
         <p:txBody>
-          <a:bodyPr anchor="ctr" bIns="0" lIns="0" rIns="0" tIns="0" wrap="none"/>
+          <a:bodyPr wrap="none" lIns="0" tIns="0" rIns="0" bIns="0" anchor="ctr"/>
+          <a:lstStyle/>
           <a:p>
             <a:pPr algn="ctr"/>
             <a:endParaRPr/>
@@ -1157,7 +1557,8 @@
           </a:prstGeom>
         </p:spPr>
         <p:txBody>
-          <a:bodyPr bIns="0" lIns="0" rIns="0" tIns="0" wrap="none"/>
+          <a:bodyPr wrap="none" lIns="0" tIns="0" rIns="0" bIns="0"/>
+          <a:lstStyle/>
           <a:p>
             <a:endParaRPr/>
           </a:p>
@@ -1183,7 +1584,8 @@
           </a:prstGeom>
         </p:spPr>
         <p:txBody>
-          <a:bodyPr bIns="0" lIns="0" rIns="0" tIns="0" wrap="none"/>
+          <a:bodyPr wrap="none" lIns="0" tIns="0" rIns="0" bIns="0"/>
+          <a:lstStyle/>
           <a:p>
             <a:endParaRPr/>
           </a:p>
@@ -1209,7 +1611,8 @@
           </a:prstGeom>
         </p:spPr>
         <p:txBody>
-          <a:bodyPr bIns="0" lIns="0" rIns="0" tIns="0" wrap="none"/>
+          <a:bodyPr wrap="none" lIns="0" tIns="0" rIns="0" bIns="0"/>
+          <a:lstStyle/>
           <a:p>
             <a:endParaRPr/>
           </a:p>
@@ -1217,11 +1620,14 @@
       </p:sp>
     </p:spTree>
   </p:cSld>
+  <p:clrMapOvr>
+    <a:masterClrMapping/>
+  </p:clrMapOvr>
 </p:sldLayout>
 </file>
 
 <file path=ppt/slideLayouts/slideLayout2.xml><?xml version="1.0" encoding="utf-8"?>
-<p:sldLayout xmlns:a="http://schemas.openxmlformats.org/drawingml/2006/main" xmlns:p="http://schemas.openxmlformats.org/presentationml/2006/main" xmlns:r="http://schemas.openxmlformats.org/officeDocument/2006/relationships" preserve="1" type="tx">
+<p:sldLayout xmlns:a="http://schemas.openxmlformats.org/drawingml/2006/main" xmlns:r="http://schemas.openxmlformats.org/officeDocument/2006/relationships" xmlns:p="http://schemas.openxmlformats.org/presentationml/2006/main" type="tx" preserve="1">
   <p:cSld name="Title Slide">
     <p:spTree>
       <p:nvGrpSpPr>
@@ -1257,7 +1663,8 @@
           </a:prstGeom>
         </p:spPr>
         <p:txBody>
-          <a:bodyPr anchor="ctr" bIns="0" lIns="0" rIns="0" tIns="0" wrap="none"/>
+          <a:bodyPr wrap="none" lIns="0" tIns="0" rIns="0" bIns="0" anchor="ctr"/>
+          <a:lstStyle/>
           <a:p>
             <a:pPr algn="ctr"/>
             <a:endParaRPr/>
@@ -1284,7 +1691,8 @@
           </a:prstGeom>
         </p:spPr>
         <p:txBody>
-          <a:bodyPr anchor="ctr" bIns="0" lIns="0" rIns="0" tIns="0" wrap="none"/>
+          <a:bodyPr wrap="none" lIns="0" tIns="0" rIns="0" bIns="0" anchor="ctr"/>
+          <a:lstStyle/>
           <a:p>
             <a:pPr algn="ctr"/>
             <a:endParaRPr/>
@@ -1293,11 +1701,14 @@
       </p:sp>
     </p:spTree>
   </p:cSld>
+  <p:clrMapOvr>
+    <a:masterClrMapping/>
+  </p:clrMapOvr>
 </p:sldLayout>
 </file>
 
 <file path=ppt/slideLayouts/slideLayout20.xml><?xml version="1.0" encoding="utf-8"?>
-<p:sldLayout xmlns:a="http://schemas.openxmlformats.org/drawingml/2006/main" xmlns:p="http://schemas.openxmlformats.org/presentationml/2006/main" xmlns:r="http://schemas.openxmlformats.org/officeDocument/2006/relationships" preserve="1" type="objAndTwoObj">
+<p:sldLayout xmlns:a="http://schemas.openxmlformats.org/drawingml/2006/main" xmlns:r="http://schemas.openxmlformats.org/officeDocument/2006/relationships" xmlns:p="http://schemas.openxmlformats.org/presentationml/2006/main" type="objAndTwoObj" preserve="1">
   <p:cSld name="Title Content and 2 Content">
     <p:spTree>
       <p:nvGrpSpPr>
@@ -1333,7 +1744,8 @@
           </a:prstGeom>
         </p:spPr>
         <p:txBody>
-          <a:bodyPr anchor="ctr" bIns="0" lIns="0" rIns="0" tIns="0" wrap="none"/>
+          <a:bodyPr wrap="none" lIns="0" tIns="0" rIns="0" bIns="0" anchor="ctr"/>
+          <a:lstStyle/>
           <a:p>
             <a:pPr algn="ctr"/>
             <a:endParaRPr/>
@@ -1360,7 +1772,8 @@
           </a:prstGeom>
         </p:spPr>
         <p:txBody>
-          <a:bodyPr bIns="0" lIns="0" rIns="0" tIns="0" wrap="none"/>
+          <a:bodyPr wrap="none" lIns="0" tIns="0" rIns="0" bIns="0"/>
+          <a:lstStyle/>
           <a:p>
             <a:endParaRPr/>
           </a:p>
@@ -1386,7 +1799,8 @@
           </a:prstGeom>
         </p:spPr>
         <p:txBody>
-          <a:bodyPr bIns="0" lIns="0" rIns="0" tIns="0" wrap="none"/>
+          <a:bodyPr wrap="none" lIns="0" tIns="0" rIns="0" bIns="0"/>
+          <a:lstStyle/>
           <a:p>
             <a:endParaRPr/>
           </a:p>
@@ -1412,7 +1826,8 @@
           </a:prstGeom>
         </p:spPr>
         <p:txBody>
-          <a:bodyPr bIns="0" lIns="0" rIns="0" tIns="0" wrap="none"/>
+          <a:bodyPr wrap="none" lIns="0" tIns="0" rIns="0" bIns="0"/>
+          <a:lstStyle/>
           <a:p>
             <a:endParaRPr/>
           </a:p>
@@ -1420,11 +1835,14 @@
       </p:sp>
     </p:spTree>
   </p:cSld>
+  <p:clrMapOvr>
+    <a:masterClrMapping/>
+  </p:clrMapOvr>
 </p:sldLayout>
 </file>
 
 <file path=ppt/slideLayouts/slideLayout21.xml><?xml version="1.0" encoding="utf-8"?>
-<p:sldLayout xmlns:a="http://schemas.openxmlformats.org/drawingml/2006/main" xmlns:p="http://schemas.openxmlformats.org/presentationml/2006/main" xmlns:r="http://schemas.openxmlformats.org/officeDocument/2006/relationships" preserve="1" type="twoObjOverTx">
+<p:sldLayout xmlns:a="http://schemas.openxmlformats.org/drawingml/2006/main" xmlns:r="http://schemas.openxmlformats.org/officeDocument/2006/relationships" xmlns:p="http://schemas.openxmlformats.org/presentationml/2006/main" type="twoObjOverTx" preserve="1">
   <p:cSld name="Title, 2 Content over Content">
     <p:spTree>
       <p:nvGrpSpPr>
@@ -1460,7 +1878,8 @@
           </a:prstGeom>
         </p:spPr>
         <p:txBody>
-          <a:bodyPr anchor="ctr" bIns="0" lIns="0" rIns="0" tIns="0" wrap="none"/>
+          <a:bodyPr wrap="none" lIns="0" tIns="0" rIns="0" bIns="0" anchor="ctr"/>
+          <a:lstStyle/>
           <a:p>
             <a:pPr algn="ctr"/>
             <a:endParaRPr/>
@@ -1487,7 +1906,8 @@
           </a:prstGeom>
         </p:spPr>
         <p:txBody>
-          <a:bodyPr bIns="0" lIns="0" rIns="0" tIns="0" wrap="none"/>
+          <a:bodyPr wrap="none" lIns="0" tIns="0" rIns="0" bIns="0"/>
+          <a:lstStyle/>
           <a:p>
             <a:endParaRPr/>
           </a:p>
@@ -1513,7 +1933,8 @@
           </a:prstGeom>
         </p:spPr>
         <p:txBody>
-          <a:bodyPr bIns="0" lIns="0" rIns="0" tIns="0" wrap="none"/>
+          <a:bodyPr wrap="none" lIns="0" tIns="0" rIns="0" bIns="0"/>
+          <a:lstStyle/>
           <a:p>
             <a:endParaRPr/>
           </a:p>
@@ -1539,7 +1960,8 @@
           </a:prstGeom>
         </p:spPr>
         <p:txBody>
-          <a:bodyPr bIns="0" lIns="0" rIns="0" tIns="0" wrap="none"/>
+          <a:bodyPr wrap="none" lIns="0" tIns="0" rIns="0" bIns="0"/>
+          <a:lstStyle/>
           <a:p>
             <a:endParaRPr/>
           </a:p>
@@ -1547,11 +1969,14 @@
       </p:sp>
     </p:spTree>
   </p:cSld>
+  <p:clrMapOvr>
+    <a:masterClrMapping/>
+  </p:clrMapOvr>
 </p:sldLayout>
 </file>
 
 <file path=ppt/slideLayouts/slideLayout22.xml><?xml version="1.0" encoding="utf-8"?>
-<p:sldLayout xmlns:a="http://schemas.openxmlformats.org/drawingml/2006/main" xmlns:p="http://schemas.openxmlformats.org/presentationml/2006/main" xmlns:r="http://schemas.openxmlformats.org/officeDocument/2006/relationships" preserve="1" type="objOverTx">
+<p:sldLayout xmlns:a="http://schemas.openxmlformats.org/drawingml/2006/main" xmlns:r="http://schemas.openxmlformats.org/officeDocument/2006/relationships" xmlns:p="http://schemas.openxmlformats.org/presentationml/2006/main" type="objOverTx" preserve="1">
   <p:cSld name="Title, Content over Content">
     <p:spTree>
       <p:nvGrpSpPr>
@@ -1587,7 +2012,8 @@
           </a:prstGeom>
         </p:spPr>
         <p:txBody>
-          <a:bodyPr anchor="ctr" bIns="0" lIns="0" rIns="0" tIns="0" wrap="none"/>
+          <a:bodyPr wrap="none" lIns="0" tIns="0" rIns="0" bIns="0" anchor="ctr"/>
+          <a:lstStyle/>
           <a:p>
             <a:pPr algn="ctr"/>
             <a:endParaRPr/>
@@ -1614,7 +2040,8 @@
           </a:prstGeom>
         </p:spPr>
         <p:txBody>
-          <a:bodyPr bIns="0" lIns="0" rIns="0" tIns="0" wrap="none"/>
+          <a:bodyPr wrap="none" lIns="0" tIns="0" rIns="0" bIns="0"/>
+          <a:lstStyle/>
           <a:p>
             <a:endParaRPr/>
           </a:p>
@@ -1640,7 +2067,8 @@
           </a:prstGeom>
         </p:spPr>
         <p:txBody>
-          <a:bodyPr bIns="0" lIns="0" rIns="0" tIns="0" wrap="none"/>
+          <a:bodyPr wrap="none" lIns="0" tIns="0" rIns="0" bIns="0"/>
+          <a:lstStyle/>
           <a:p>
             <a:endParaRPr/>
           </a:p>
@@ -1648,11 +2076,14 @@
       </p:sp>
     </p:spTree>
   </p:cSld>
+  <p:clrMapOvr>
+    <a:masterClrMapping/>
+  </p:clrMapOvr>
 </p:sldLayout>
 </file>
 
 <file path=ppt/slideLayouts/slideLayout23.xml><?xml version="1.0" encoding="utf-8"?>
-<p:sldLayout xmlns:a="http://schemas.openxmlformats.org/drawingml/2006/main" xmlns:p="http://schemas.openxmlformats.org/presentationml/2006/main" xmlns:r="http://schemas.openxmlformats.org/officeDocument/2006/relationships" preserve="1" type="fourObj">
+<p:sldLayout xmlns:a="http://schemas.openxmlformats.org/drawingml/2006/main" xmlns:r="http://schemas.openxmlformats.org/officeDocument/2006/relationships" xmlns:p="http://schemas.openxmlformats.org/presentationml/2006/main" type="fourObj" preserve="1">
   <p:cSld name="Title, 4 Content">
     <p:spTree>
       <p:nvGrpSpPr>
@@ -1688,7 +2119,8 @@
           </a:prstGeom>
         </p:spPr>
         <p:txBody>
-          <a:bodyPr anchor="ctr" bIns="0" lIns="0" rIns="0" tIns="0" wrap="none"/>
+          <a:bodyPr wrap="none" lIns="0" tIns="0" rIns="0" bIns="0" anchor="ctr"/>
+          <a:lstStyle/>
           <a:p>
             <a:pPr algn="ctr"/>
             <a:endParaRPr/>
@@ -1715,7 +2147,8 @@
           </a:prstGeom>
         </p:spPr>
         <p:txBody>
-          <a:bodyPr bIns="0" lIns="0" rIns="0" tIns="0" wrap="none"/>
+          <a:bodyPr wrap="none" lIns="0" tIns="0" rIns="0" bIns="0"/>
+          <a:lstStyle/>
           <a:p>
             <a:endParaRPr/>
           </a:p>
@@ -1741,7 +2174,8 @@
           </a:prstGeom>
         </p:spPr>
         <p:txBody>
-          <a:bodyPr bIns="0" lIns="0" rIns="0" tIns="0" wrap="none"/>
+          <a:bodyPr wrap="none" lIns="0" tIns="0" rIns="0" bIns="0"/>
+          <a:lstStyle/>
           <a:p>
             <a:endParaRPr/>
           </a:p>
@@ -1767,7 +2201,8 @@
           </a:prstGeom>
         </p:spPr>
         <p:txBody>
-          <a:bodyPr bIns="0" lIns="0" rIns="0" tIns="0" wrap="none"/>
+          <a:bodyPr wrap="none" lIns="0" tIns="0" rIns="0" bIns="0"/>
+          <a:lstStyle/>
           <a:p>
             <a:endParaRPr/>
           </a:p>
@@ -1793,7 +2228,8 @@
           </a:prstGeom>
         </p:spPr>
         <p:txBody>
-          <a:bodyPr bIns="0" lIns="0" rIns="0" tIns="0" wrap="none"/>
+          <a:bodyPr wrap="none" lIns="0" tIns="0" rIns="0" bIns="0"/>
+          <a:lstStyle/>
           <a:p>
             <a:endParaRPr/>
           </a:p>
@@ -1801,11 +2237,14 @@
       </p:sp>
     </p:spTree>
   </p:cSld>
+  <p:clrMapOvr>
+    <a:masterClrMapping/>
+  </p:clrMapOvr>
 </p:sldLayout>
 </file>
 
 <file path=ppt/slideLayouts/slideLayout24.xml><?xml version="1.0" encoding="utf-8"?>
-<p:sldLayout xmlns:a="http://schemas.openxmlformats.org/drawingml/2006/main" xmlns:p="http://schemas.openxmlformats.org/presentationml/2006/main" xmlns:r="http://schemas.openxmlformats.org/officeDocument/2006/relationships" preserve="1" type="blank">
+<p:sldLayout xmlns:a="http://schemas.openxmlformats.org/drawingml/2006/main" xmlns:r="http://schemas.openxmlformats.org/officeDocument/2006/relationships" xmlns:p="http://schemas.openxmlformats.org/presentationml/2006/main" type="blank" preserve="1">
   <p:cSld name="Title, 6 Content">
     <p:spTree>
       <p:nvGrpSpPr>
@@ -1841,7 +2280,8 @@
           </a:prstGeom>
         </p:spPr>
         <p:txBody>
-          <a:bodyPr anchor="ctr" bIns="0" lIns="0" rIns="0" tIns="0" wrap="none"/>
+          <a:bodyPr wrap="none" lIns="0" tIns="0" rIns="0" bIns="0" anchor="ctr"/>
+          <a:lstStyle/>
           <a:p>
             <a:pPr algn="ctr"/>
             <a:endParaRPr/>
@@ -1868,7 +2308,8 @@
           </a:prstGeom>
         </p:spPr>
         <p:txBody>
-          <a:bodyPr bIns="0" lIns="0" rIns="0" tIns="0" wrap="none"/>
+          <a:bodyPr wrap="none" lIns="0" tIns="0" rIns="0" bIns="0"/>
+          <a:lstStyle/>
           <a:p>
             <a:endParaRPr/>
           </a:p>
@@ -1894,7 +2335,8 @@
           </a:prstGeom>
         </p:spPr>
         <p:txBody>
-          <a:bodyPr bIns="0" lIns="0" rIns="0" tIns="0" wrap="none"/>
+          <a:bodyPr wrap="none" lIns="0" tIns="0" rIns="0" bIns="0"/>
+          <a:lstStyle/>
           <a:p>
             <a:endParaRPr/>
           </a:p>
@@ -1902,11 +2344,14 @@
       </p:sp>
     </p:spTree>
   </p:cSld>
+  <p:clrMapOvr>
+    <a:masterClrMapping/>
+  </p:clrMapOvr>
 </p:sldLayout>
 </file>
 
 <file path=ppt/slideLayouts/slideLayout25.xml><?xml version="1.0" encoding="utf-8"?>
-<p:sldLayout xmlns:a="http://schemas.openxmlformats.org/drawingml/2006/main" xmlns:p="http://schemas.openxmlformats.org/presentationml/2006/main" xmlns:r="http://schemas.openxmlformats.org/officeDocument/2006/relationships" preserve="1" type="blank">
+<p:sldLayout xmlns:a="http://schemas.openxmlformats.org/drawingml/2006/main" xmlns:r="http://schemas.openxmlformats.org/officeDocument/2006/relationships" xmlns:p="http://schemas.openxmlformats.org/presentationml/2006/main" type="blank" preserve="1">
   <p:cSld name="Blank Slide">
     <p:spTree>
       <p:nvGrpSpPr>
@@ -1924,11 +2369,14 @@
       </p:grpSpPr>
     </p:spTree>
   </p:cSld>
+  <p:clrMapOvr>
+    <a:masterClrMapping/>
+  </p:clrMapOvr>
 </p:sldLayout>
 </file>
 
 <file path=ppt/slideLayouts/slideLayout26.xml><?xml version="1.0" encoding="utf-8"?>
-<p:sldLayout xmlns:a="http://schemas.openxmlformats.org/drawingml/2006/main" xmlns:p="http://schemas.openxmlformats.org/presentationml/2006/main" xmlns:r="http://schemas.openxmlformats.org/officeDocument/2006/relationships" preserve="1" type="tx">
+<p:sldLayout xmlns:a="http://schemas.openxmlformats.org/drawingml/2006/main" xmlns:r="http://schemas.openxmlformats.org/officeDocument/2006/relationships" xmlns:p="http://schemas.openxmlformats.org/presentationml/2006/main" type="tx" preserve="1">
   <p:cSld name="Title Slide">
     <p:spTree>
       <p:nvGrpSpPr>
@@ -1964,7 +2412,8 @@
           </a:prstGeom>
         </p:spPr>
         <p:txBody>
-          <a:bodyPr anchor="ctr" bIns="0" lIns="0" rIns="0" tIns="0" wrap="none"/>
+          <a:bodyPr wrap="none" lIns="0" tIns="0" rIns="0" bIns="0" anchor="ctr"/>
+          <a:lstStyle/>
           <a:p>
             <a:pPr algn="ctr"/>
             <a:endParaRPr/>
@@ -1991,7 +2440,8 @@
           </a:prstGeom>
         </p:spPr>
         <p:txBody>
-          <a:bodyPr anchor="ctr" bIns="0" lIns="0" rIns="0" tIns="0" wrap="none"/>
+          <a:bodyPr wrap="none" lIns="0" tIns="0" rIns="0" bIns="0" anchor="ctr"/>
+          <a:lstStyle/>
           <a:p>
             <a:pPr algn="ctr"/>
             <a:endParaRPr/>
@@ -2000,11 +2450,14 @@
       </p:sp>
     </p:spTree>
   </p:cSld>
+  <p:clrMapOvr>
+    <a:masterClrMapping/>
+  </p:clrMapOvr>
 </p:sldLayout>
 </file>
 
 <file path=ppt/slideLayouts/slideLayout27.xml><?xml version="1.0" encoding="utf-8"?>
-<p:sldLayout xmlns:a="http://schemas.openxmlformats.org/drawingml/2006/main" xmlns:p="http://schemas.openxmlformats.org/presentationml/2006/main" xmlns:r="http://schemas.openxmlformats.org/officeDocument/2006/relationships" preserve="1" type="obj">
+<p:sldLayout xmlns:a="http://schemas.openxmlformats.org/drawingml/2006/main" xmlns:r="http://schemas.openxmlformats.org/officeDocument/2006/relationships" xmlns:p="http://schemas.openxmlformats.org/presentationml/2006/main" type="obj" preserve="1">
   <p:cSld name="Title, Content">
     <p:spTree>
       <p:nvGrpSpPr>
@@ -2040,7 +2493,8 @@
           </a:prstGeom>
         </p:spPr>
         <p:txBody>
-          <a:bodyPr anchor="ctr" bIns="0" lIns="0" rIns="0" tIns="0" wrap="none"/>
+          <a:bodyPr wrap="none" lIns="0" tIns="0" rIns="0" bIns="0" anchor="ctr"/>
+          <a:lstStyle/>
           <a:p>
             <a:pPr algn="ctr"/>
             <a:endParaRPr/>
@@ -2067,7 +2521,8 @@
           </a:prstGeom>
         </p:spPr>
         <p:txBody>
-          <a:bodyPr bIns="0" lIns="0" rIns="0" tIns="0" wrap="none"/>
+          <a:bodyPr wrap="none" lIns="0" tIns="0" rIns="0" bIns="0"/>
+          <a:lstStyle/>
           <a:p>
             <a:endParaRPr/>
           </a:p>
@@ -2075,11 +2530,14 @@
       </p:sp>
     </p:spTree>
   </p:cSld>
+  <p:clrMapOvr>
+    <a:masterClrMapping/>
+  </p:clrMapOvr>
 </p:sldLayout>
 </file>
 
 <file path=ppt/slideLayouts/slideLayout28.xml><?xml version="1.0" encoding="utf-8"?>
-<p:sldLayout xmlns:a="http://schemas.openxmlformats.org/drawingml/2006/main" xmlns:p="http://schemas.openxmlformats.org/presentationml/2006/main" xmlns:r="http://schemas.openxmlformats.org/officeDocument/2006/relationships" preserve="1" type="twoObj">
+<p:sldLayout xmlns:a="http://schemas.openxmlformats.org/drawingml/2006/main" xmlns:r="http://schemas.openxmlformats.org/officeDocument/2006/relationships" xmlns:p="http://schemas.openxmlformats.org/presentationml/2006/main" type="twoObj" preserve="1">
   <p:cSld name="Title, 2 Content">
     <p:spTree>
       <p:nvGrpSpPr>
@@ -2115,7 +2573,8 @@
           </a:prstGeom>
         </p:spPr>
         <p:txBody>
-          <a:bodyPr anchor="ctr" bIns="0" lIns="0" rIns="0" tIns="0" wrap="none"/>
+          <a:bodyPr wrap="none" lIns="0" tIns="0" rIns="0" bIns="0" anchor="ctr"/>
+          <a:lstStyle/>
           <a:p>
             <a:pPr algn="ctr"/>
             <a:endParaRPr/>
@@ -2142,7 +2601,8 @@
           </a:prstGeom>
         </p:spPr>
         <p:txBody>
-          <a:bodyPr bIns="0" lIns="0" rIns="0" tIns="0" wrap="none"/>
+          <a:bodyPr wrap="none" lIns="0" tIns="0" rIns="0" bIns="0"/>
+          <a:lstStyle/>
           <a:p>
             <a:endParaRPr/>
           </a:p>
@@ -2168,7 +2628,8 @@
           </a:prstGeom>
         </p:spPr>
         <p:txBody>
-          <a:bodyPr bIns="0" lIns="0" rIns="0" tIns="0" wrap="none"/>
+          <a:bodyPr wrap="none" lIns="0" tIns="0" rIns="0" bIns="0"/>
+          <a:lstStyle/>
           <a:p>
             <a:endParaRPr/>
           </a:p>
@@ -2176,11 +2637,14 @@
       </p:sp>
     </p:spTree>
   </p:cSld>
+  <p:clrMapOvr>
+    <a:masterClrMapping/>
+  </p:clrMapOvr>
 </p:sldLayout>
 </file>
 
 <file path=ppt/slideLayouts/slideLayout29.xml><?xml version="1.0" encoding="utf-8"?>
-<p:sldLayout xmlns:a="http://schemas.openxmlformats.org/drawingml/2006/main" xmlns:p="http://schemas.openxmlformats.org/presentationml/2006/main" xmlns:r="http://schemas.openxmlformats.org/officeDocument/2006/relationships" preserve="1" type="titleOnly">
+<p:sldLayout xmlns:a="http://schemas.openxmlformats.org/drawingml/2006/main" xmlns:r="http://schemas.openxmlformats.org/officeDocument/2006/relationships" xmlns:p="http://schemas.openxmlformats.org/presentationml/2006/main" type="titleOnly" preserve="1">
   <p:cSld name="Title Only">
     <p:spTree>
       <p:nvGrpSpPr>
@@ -2216,7 +2680,8 @@
           </a:prstGeom>
         </p:spPr>
         <p:txBody>
-          <a:bodyPr anchor="ctr" bIns="0" lIns="0" rIns="0" tIns="0" wrap="none"/>
+          <a:bodyPr wrap="none" lIns="0" tIns="0" rIns="0" bIns="0" anchor="ctr"/>
+          <a:lstStyle/>
           <a:p>
             <a:pPr algn="ctr"/>
             <a:endParaRPr/>
@@ -2225,11 +2690,14 @@
       </p:sp>
     </p:spTree>
   </p:cSld>
+  <p:clrMapOvr>
+    <a:masterClrMapping/>
+  </p:clrMapOvr>
 </p:sldLayout>
 </file>
 
 <file path=ppt/slideLayouts/slideLayout3.xml><?xml version="1.0" encoding="utf-8"?>
-<p:sldLayout xmlns:a="http://schemas.openxmlformats.org/drawingml/2006/main" xmlns:p="http://schemas.openxmlformats.org/presentationml/2006/main" xmlns:r="http://schemas.openxmlformats.org/officeDocument/2006/relationships" preserve="1" type="obj">
+<p:sldLayout xmlns:a="http://schemas.openxmlformats.org/drawingml/2006/main" xmlns:r="http://schemas.openxmlformats.org/officeDocument/2006/relationships" xmlns:p="http://schemas.openxmlformats.org/presentationml/2006/main" type="obj" preserve="1">
   <p:cSld name="Title, Content">
     <p:spTree>
       <p:nvGrpSpPr>
@@ -2265,7 +2733,8 @@
           </a:prstGeom>
         </p:spPr>
         <p:txBody>
-          <a:bodyPr anchor="ctr" bIns="0" lIns="0" rIns="0" tIns="0" wrap="none"/>
+          <a:bodyPr wrap="none" lIns="0" tIns="0" rIns="0" bIns="0" anchor="ctr"/>
+          <a:lstStyle/>
           <a:p>
             <a:pPr algn="ctr"/>
             <a:endParaRPr/>
@@ -2292,7 +2761,8 @@
           </a:prstGeom>
         </p:spPr>
         <p:txBody>
-          <a:bodyPr bIns="0" lIns="0" rIns="0" tIns="0" wrap="none"/>
+          <a:bodyPr wrap="none" lIns="0" tIns="0" rIns="0" bIns="0"/>
+          <a:lstStyle/>
           <a:p>
             <a:endParaRPr/>
           </a:p>
@@ -2300,11 +2770,14 @@
       </p:sp>
     </p:spTree>
   </p:cSld>
+  <p:clrMapOvr>
+    <a:masterClrMapping/>
+  </p:clrMapOvr>
 </p:sldLayout>
 </file>
 
 <file path=ppt/slideLayouts/slideLayout30.xml><?xml version="1.0" encoding="utf-8"?>
-<p:sldLayout xmlns:a="http://schemas.openxmlformats.org/drawingml/2006/main" xmlns:p="http://schemas.openxmlformats.org/presentationml/2006/main" xmlns:r="http://schemas.openxmlformats.org/officeDocument/2006/relationships" preserve="1" type="objOnly">
+<p:sldLayout xmlns:a="http://schemas.openxmlformats.org/drawingml/2006/main" xmlns:r="http://schemas.openxmlformats.org/officeDocument/2006/relationships" xmlns:p="http://schemas.openxmlformats.org/presentationml/2006/main" type="objOnly" preserve="1">
   <p:cSld name="Centered Text">
     <p:spTree>
       <p:nvGrpSpPr>
@@ -2340,7 +2813,8 @@
           </a:prstGeom>
         </p:spPr>
         <p:txBody>
-          <a:bodyPr anchor="ctr" bIns="0" lIns="0" rIns="0" tIns="0" wrap="none"/>
+          <a:bodyPr wrap="none" lIns="0" tIns="0" rIns="0" bIns="0" anchor="ctr"/>
+          <a:lstStyle/>
           <a:p>
             <a:pPr algn="ctr"/>
             <a:endParaRPr/>
@@ -2349,11 +2823,14 @@
       </p:sp>
     </p:spTree>
   </p:cSld>
+  <p:clrMapOvr>
+    <a:masterClrMapping/>
+  </p:clrMapOvr>
 </p:sldLayout>
 </file>
 
 <file path=ppt/slideLayouts/slideLayout31.xml><?xml version="1.0" encoding="utf-8"?>
-<p:sldLayout xmlns:a="http://schemas.openxmlformats.org/drawingml/2006/main" xmlns:p="http://schemas.openxmlformats.org/presentationml/2006/main" xmlns:r="http://schemas.openxmlformats.org/officeDocument/2006/relationships" preserve="1" type="twoObjAndObj">
+<p:sldLayout xmlns:a="http://schemas.openxmlformats.org/drawingml/2006/main" xmlns:r="http://schemas.openxmlformats.org/officeDocument/2006/relationships" xmlns:p="http://schemas.openxmlformats.org/presentationml/2006/main" type="twoObjAndObj" preserve="1">
   <p:cSld name="Title, 2 Content and Content">
     <p:spTree>
       <p:nvGrpSpPr>
@@ -2389,7 +2866,8 @@
           </a:prstGeom>
         </p:spPr>
         <p:txBody>
-          <a:bodyPr anchor="ctr" bIns="0" lIns="0" rIns="0" tIns="0" wrap="none"/>
+          <a:bodyPr wrap="none" lIns="0" tIns="0" rIns="0" bIns="0" anchor="ctr"/>
+          <a:lstStyle/>
           <a:p>
             <a:pPr algn="ctr"/>
             <a:endParaRPr/>
@@ -2416,7 +2894,8 @@
           </a:prstGeom>
         </p:spPr>
         <p:txBody>
-          <a:bodyPr bIns="0" lIns="0" rIns="0" tIns="0" wrap="none"/>
+          <a:bodyPr wrap="none" lIns="0" tIns="0" rIns="0" bIns="0"/>
+          <a:lstStyle/>
           <a:p>
             <a:endParaRPr/>
           </a:p>
@@ -2442,7 +2921,8 @@
           </a:prstGeom>
         </p:spPr>
         <p:txBody>
-          <a:bodyPr bIns="0" lIns="0" rIns="0" tIns="0" wrap="none"/>
+          <a:bodyPr wrap="none" lIns="0" tIns="0" rIns="0" bIns="0"/>
+          <a:lstStyle/>
           <a:p>
             <a:endParaRPr/>
           </a:p>
@@ -2468,7 +2948,8 @@
           </a:prstGeom>
         </p:spPr>
         <p:txBody>
-          <a:bodyPr bIns="0" lIns="0" rIns="0" tIns="0" wrap="none"/>
+          <a:bodyPr wrap="none" lIns="0" tIns="0" rIns="0" bIns="0"/>
+          <a:lstStyle/>
           <a:p>
             <a:endParaRPr/>
           </a:p>
@@ -2476,11 +2957,14 @@
       </p:sp>
     </p:spTree>
   </p:cSld>
+  <p:clrMapOvr>
+    <a:masterClrMapping/>
+  </p:clrMapOvr>
 </p:sldLayout>
 </file>
 
 <file path=ppt/slideLayouts/slideLayout32.xml><?xml version="1.0" encoding="utf-8"?>
-<p:sldLayout xmlns:a="http://schemas.openxmlformats.org/drawingml/2006/main" xmlns:p="http://schemas.openxmlformats.org/presentationml/2006/main" xmlns:r="http://schemas.openxmlformats.org/officeDocument/2006/relationships" preserve="1" type="objAndTwoObj">
+<p:sldLayout xmlns:a="http://schemas.openxmlformats.org/drawingml/2006/main" xmlns:r="http://schemas.openxmlformats.org/officeDocument/2006/relationships" xmlns:p="http://schemas.openxmlformats.org/presentationml/2006/main" type="objAndTwoObj" preserve="1">
   <p:cSld name="Title Content and 2 Content">
     <p:spTree>
       <p:nvGrpSpPr>
@@ -2516,7 +3000,8 @@
           </a:prstGeom>
         </p:spPr>
         <p:txBody>
-          <a:bodyPr anchor="ctr" bIns="0" lIns="0" rIns="0" tIns="0" wrap="none"/>
+          <a:bodyPr wrap="none" lIns="0" tIns="0" rIns="0" bIns="0" anchor="ctr"/>
+          <a:lstStyle/>
           <a:p>
             <a:pPr algn="ctr"/>
             <a:endParaRPr/>
@@ -2543,7 +3028,8 @@
           </a:prstGeom>
         </p:spPr>
         <p:txBody>
-          <a:bodyPr bIns="0" lIns="0" rIns="0" tIns="0" wrap="none"/>
+          <a:bodyPr wrap="none" lIns="0" tIns="0" rIns="0" bIns="0"/>
+          <a:lstStyle/>
           <a:p>
             <a:endParaRPr/>
           </a:p>
@@ -2569,7 +3055,8 @@
           </a:prstGeom>
         </p:spPr>
         <p:txBody>
-          <a:bodyPr bIns="0" lIns="0" rIns="0" tIns="0" wrap="none"/>
+          <a:bodyPr wrap="none" lIns="0" tIns="0" rIns="0" bIns="0"/>
+          <a:lstStyle/>
           <a:p>
             <a:endParaRPr/>
           </a:p>
@@ -2595,7 +3082,8 @@
           </a:prstGeom>
         </p:spPr>
         <p:txBody>
-          <a:bodyPr bIns="0" lIns="0" rIns="0" tIns="0" wrap="none"/>
+          <a:bodyPr wrap="none" lIns="0" tIns="0" rIns="0" bIns="0"/>
+          <a:lstStyle/>
           <a:p>
             <a:endParaRPr/>
           </a:p>
@@ -2603,11 +3091,14 @@
       </p:sp>
     </p:spTree>
   </p:cSld>
+  <p:clrMapOvr>
+    <a:masterClrMapping/>
+  </p:clrMapOvr>
 </p:sldLayout>
 </file>
 
 <file path=ppt/slideLayouts/slideLayout33.xml><?xml version="1.0" encoding="utf-8"?>
-<p:sldLayout xmlns:a="http://schemas.openxmlformats.org/drawingml/2006/main" xmlns:p="http://schemas.openxmlformats.org/presentationml/2006/main" xmlns:r="http://schemas.openxmlformats.org/officeDocument/2006/relationships" preserve="1" type="twoObjOverTx">
+<p:sldLayout xmlns:a="http://schemas.openxmlformats.org/drawingml/2006/main" xmlns:r="http://schemas.openxmlformats.org/officeDocument/2006/relationships" xmlns:p="http://schemas.openxmlformats.org/presentationml/2006/main" type="twoObjOverTx" preserve="1">
   <p:cSld name="Title, 2 Content over Content">
     <p:spTree>
       <p:nvGrpSpPr>
@@ -2643,7 +3134,8 @@
           </a:prstGeom>
         </p:spPr>
         <p:txBody>
-          <a:bodyPr anchor="ctr" bIns="0" lIns="0" rIns="0" tIns="0" wrap="none"/>
+          <a:bodyPr wrap="none" lIns="0" tIns="0" rIns="0" bIns="0" anchor="ctr"/>
+          <a:lstStyle/>
           <a:p>
             <a:pPr algn="ctr"/>
             <a:endParaRPr/>
@@ -2670,7 +3162,8 @@
           </a:prstGeom>
         </p:spPr>
         <p:txBody>
-          <a:bodyPr bIns="0" lIns="0" rIns="0" tIns="0" wrap="none"/>
+          <a:bodyPr wrap="none" lIns="0" tIns="0" rIns="0" bIns="0"/>
+          <a:lstStyle/>
           <a:p>
             <a:endParaRPr/>
           </a:p>
@@ -2696,7 +3189,8 @@
           </a:prstGeom>
         </p:spPr>
         <p:txBody>
-          <a:bodyPr bIns="0" lIns="0" rIns="0" tIns="0" wrap="none"/>
+          <a:bodyPr wrap="none" lIns="0" tIns="0" rIns="0" bIns="0"/>
+          <a:lstStyle/>
           <a:p>
             <a:endParaRPr/>
           </a:p>
@@ -2722,7 +3216,8 @@
           </a:prstGeom>
         </p:spPr>
         <p:txBody>
-          <a:bodyPr bIns="0" lIns="0" rIns="0" tIns="0" wrap="none"/>
+          <a:bodyPr wrap="none" lIns="0" tIns="0" rIns="0" bIns="0"/>
+          <a:lstStyle/>
           <a:p>
             <a:endParaRPr/>
           </a:p>
@@ -2730,11 +3225,14 @@
       </p:sp>
     </p:spTree>
   </p:cSld>
+  <p:clrMapOvr>
+    <a:masterClrMapping/>
+  </p:clrMapOvr>
 </p:sldLayout>
 </file>
 
 <file path=ppt/slideLayouts/slideLayout34.xml><?xml version="1.0" encoding="utf-8"?>
-<p:sldLayout xmlns:a="http://schemas.openxmlformats.org/drawingml/2006/main" xmlns:p="http://schemas.openxmlformats.org/presentationml/2006/main" xmlns:r="http://schemas.openxmlformats.org/officeDocument/2006/relationships" preserve="1" type="objOverTx">
+<p:sldLayout xmlns:a="http://schemas.openxmlformats.org/drawingml/2006/main" xmlns:r="http://schemas.openxmlformats.org/officeDocument/2006/relationships" xmlns:p="http://schemas.openxmlformats.org/presentationml/2006/main" type="objOverTx" preserve="1">
   <p:cSld name="Title, Content over Content">
     <p:spTree>
       <p:nvGrpSpPr>
@@ -2770,7 +3268,8 @@
           </a:prstGeom>
         </p:spPr>
         <p:txBody>
-          <a:bodyPr anchor="ctr" bIns="0" lIns="0" rIns="0" tIns="0" wrap="none"/>
+          <a:bodyPr wrap="none" lIns="0" tIns="0" rIns="0" bIns="0" anchor="ctr"/>
+          <a:lstStyle/>
           <a:p>
             <a:pPr algn="ctr"/>
             <a:endParaRPr/>
@@ -2797,7 +3296,8 @@
           </a:prstGeom>
         </p:spPr>
         <p:txBody>
-          <a:bodyPr bIns="0" lIns="0" rIns="0" tIns="0" wrap="none"/>
+          <a:bodyPr wrap="none" lIns="0" tIns="0" rIns="0" bIns="0"/>
+          <a:lstStyle/>
           <a:p>
             <a:endParaRPr/>
           </a:p>
@@ -2823,7 +3323,8 @@
           </a:prstGeom>
         </p:spPr>
         <p:txBody>
-          <a:bodyPr bIns="0" lIns="0" rIns="0" tIns="0" wrap="none"/>
+          <a:bodyPr wrap="none" lIns="0" tIns="0" rIns="0" bIns="0"/>
+          <a:lstStyle/>
           <a:p>
             <a:endParaRPr/>
           </a:p>
@@ -2831,11 +3332,14 @@
       </p:sp>
     </p:spTree>
   </p:cSld>
+  <p:clrMapOvr>
+    <a:masterClrMapping/>
+  </p:clrMapOvr>
 </p:sldLayout>
 </file>
 
 <file path=ppt/slideLayouts/slideLayout35.xml><?xml version="1.0" encoding="utf-8"?>
-<p:sldLayout xmlns:a="http://schemas.openxmlformats.org/drawingml/2006/main" xmlns:p="http://schemas.openxmlformats.org/presentationml/2006/main" xmlns:r="http://schemas.openxmlformats.org/officeDocument/2006/relationships" preserve="1" type="fourObj">
+<p:sldLayout xmlns:a="http://schemas.openxmlformats.org/drawingml/2006/main" xmlns:r="http://schemas.openxmlformats.org/officeDocument/2006/relationships" xmlns:p="http://schemas.openxmlformats.org/presentationml/2006/main" type="fourObj" preserve="1">
   <p:cSld name="Title, 4 Content">
     <p:spTree>
       <p:nvGrpSpPr>
@@ -2871,7 +3375,8 @@
           </a:prstGeom>
         </p:spPr>
         <p:txBody>
-          <a:bodyPr anchor="ctr" bIns="0" lIns="0" rIns="0" tIns="0" wrap="none"/>
+          <a:bodyPr wrap="none" lIns="0" tIns="0" rIns="0" bIns="0" anchor="ctr"/>
+          <a:lstStyle/>
           <a:p>
             <a:pPr algn="ctr"/>
             <a:endParaRPr/>
@@ -2898,7 +3403,8 @@
           </a:prstGeom>
         </p:spPr>
         <p:txBody>
-          <a:bodyPr bIns="0" lIns="0" rIns="0" tIns="0" wrap="none"/>
+          <a:bodyPr wrap="none" lIns="0" tIns="0" rIns="0" bIns="0"/>
+          <a:lstStyle/>
           <a:p>
             <a:endParaRPr/>
           </a:p>
@@ -2924,7 +3430,8 @@
           </a:prstGeom>
         </p:spPr>
         <p:txBody>
-          <a:bodyPr bIns="0" lIns="0" rIns="0" tIns="0" wrap="none"/>
+          <a:bodyPr wrap="none" lIns="0" tIns="0" rIns="0" bIns="0"/>
+          <a:lstStyle/>
           <a:p>
             <a:endParaRPr/>
           </a:p>
@@ -2950,7 +3457,8 @@
           </a:prstGeom>
         </p:spPr>
         <p:txBody>
-          <a:bodyPr bIns="0" lIns="0" rIns="0" tIns="0" wrap="none"/>
+          <a:bodyPr wrap="none" lIns="0" tIns="0" rIns="0" bIns="0"/>
+          <a:lstStyle/>
           <a:p>
             <a:endParaRPr/>
           </a:p>
@@ -2976,7 +3484,8 @@
           </a:prstGeom>
         </p:spPr>
         <p:txBody>
-          <a:bodyPr bIns="0" lIns="0" rIns="0" tIns="0" wrap="none"/>
+          <a:bodyPr wrap="none" lIns="0" tIns="0" rIns="0" bIns="0"/>
+          <a:lstStyle/>
           <a:p>
             <a:endParaRPr/>
           </a:p>
@@ -2984,11 +3493,14 @@
       </p:sp>
     </p:spTree>
   </p:cSld>
+  <p:clrMapOvr>
+    <a:masterClrMapping/>
+  </p:clrMapOvr>
 </p:sldLayout>
 </file>
 
 <file path=ppt/slideLayouts/slideLayout36.xml><?xml version="1.0" encoding="utf-8"?>
-<p:sldLayout xmlns:a="http://schemas.openxmlformats.org/drawingml/2006/main" xmlns:p="http://schemas.openxmlformats.org/presentationml/2006/main" xmlns:r="http://schemas.openxmlformats.org/officeDocument/2006/relationships" preserve="1" type="blank">
+<p:sldLayout xmlns:a="http://schemas.openxmlformats.org/drawingml/2006/main" xmlns:r="http://schemas.openxmlformats.org/officeDocument/2006/relationships" xmlns:p="http://schemas.openxmlformats.org/presentationml/2006/main" type="blank" preserve="1">
   <p:cSld name="Title, 6 Content">
     <p:spTree>
       <p:nvGrpSpPr>
@@ -3024,7 +3536,8 @@
           </a:prstGeom>
         </p:spPr>
         <p:txBody>
-          <a:bodyPr anchor="ctr" bIns="0" lIns="0" rIns="0" tIns="0" wrap="none"/>
+          <a:bodyPr wrap="none" lIns="0" tIns="0" rIns="0" bIns="0" anchor="ctr"/>
+          <a:lstStyle/>
           <a:p>
             <a:pPr algn="ctr"/>
             <a:endParaRPr/>
@@ -3051,7 +3564,8 @@
           </a:prstGeom>
         </p:spPr>
         <p:txBody>
-          <a:bodyPr bIns="0" lIns="0" rIns="0" tIns="0" wrap="none"/>
+          <a:bodyPr wrap="none" lIns="0" tIns="0" rIns="0" bIns="0"/>
+          <a:lstStyle/>
           <a:p>
             <a:endParaRPr/>
           </a:p>
@@ -3077,7 +3591,8 @@
           </a:prstGeom>
         </p:spPr>
         <p:txBody>
-          <a:bodyPr bIns="0" lIns="0" rIns="0" tIns="0" wrap="none"/>
+          <a:bodyPr wrap="none" lIns="0" tIns="0" rIns="0" bIns="0"/>
+          <a:lstStyle/>
           <a:p>
             <a:endParaRPr/>
           </a:p>
@@ -3085,11 +3600,14 @@
       </p:sp>
     </p:spTree>
   </p:cSld>
+  <p:clrMapOvr>
+    <a:masterClrMapping/>
+  </p:clrMapOvr>
 </p:sldLayout>
 </file>
 
 <file path=ppt/slideLayouts/slideLayout37.xml><?xml version="1.0" encoding="utf-8"?>
-<p:sldLayout xmlns:a="http://schemas.openxmlformats.org/drawingml/2006/main" xmlns:p="http://schemas.openxmlformats.org/presentationml/2006/main" xmlns:r="http://schemas.openxmlformats.org/officeDocument/2006/relationships" preserve="1" type="blank">
+<p:sldLayout xmlns:a="http://schemas.openxmlformats.org/drawingml/2006/main" xmlns:r="http://schemas.openxmlformats.org/officeDocument/2006/relationships" xmlns:p="http://schemas.openxmlformats.org/presentationml/2006/main" type="blank" preserve="1">
   <p:cSld name="Blank Slide">
     <p:spTree>
       <p:nvGrpSpPr>
@@ -3107,11 +3625,14 @@
       </p:grpSpPr>
     </p:spTree>
   </p:cSld>
+  <p:clrMapOvr>
+    <a:masterClrMapping/>
+  </p:clrMapOvr>
 </p:sldLayout>
 </file>
 
 <file path=ppt/slideLayouts/slideLayout38.xml><?xml version="1.0" encoding="utf-8"?>
-<p:sldLayout xmlns:a="http://schemas.openxmlformats.org/drawingml/2006/main" xmlns:p="http://schemas.openxmlformats.org/presentationml/2006/main" xmlns:r="http://schemas.openxmlformats.org/officeDocument/2006/relationships" preserve="1" type="tx">
+<p:sldLayout xmlns:a="http://schemas.openxmlformats.org/drawingml/2006/main" xmlns:r="http://schemas.openxmlformats.org/officeDocument/2006/relationships" xmlns:p="http://schemas.openxmlformats.org/presentationml/2006/main" type="tx" preserve="1">
   <p:cSld name="Title Slide">
     <p:spTree>
       <p:nvGrpSpPr>
@@ -3147,7 +3668,8 @@
           </a:prstGeom>
         </p:spPr>
         <p:txBody>
-          <a:bodyPr anchor="ctr" bIns="0" lIns="0" rIns="0" tIns="0" wrap="none"/>
+          <a:bodyPr wrap="none" lIns="0" tIns="0" rIns="0" bIns="0" anchor="ctr"/>
+          <a:lstStyle/>
           <a:p>
             <a:pPr algn="ctr"/>
             <a:endParaRPr/>
@@ -3174,7 +3696,8 @@
           </a:prstGeom>
         </p:spPr>
         <p:txBody>
-          <a:bodyPr anchor="ctr" bIns="0" lIns="0" rIns="0" tIns="0" wrap="none"/>
+          <a:bodyPr wrap="none" lIns="0" tIns="0" rIns="0" bIns="0" anchor="ctr"/>
+          <a:lstStyle/>
           <a:p>
             <a:pPr algn="ctr"/>
             <a:endParaRPr/>
@@ -3183,11 +3706,14 @@
       </p:sp>
     </p:spTree>
   </p:cSld>
+  <p:clrMapOvr>
+    <a:masterClrMapping/>
+  </p:clrMapOvr>
 </p:sldLayout>
 </file>
 
 <file path=ppt/slideLayouts/slideLayout39.xml><?xml version="1.0" encoding="utf-8"?>
-<p:sldLayout xmlns:a="http://schemas.openxmlformats.org/drawingml/2006/main" xmlns:p="http://schemas.openxmlformats.org/presentationml/2006/main" xmlns:r="http://schemas.openxmlformats.org/officeDocument/2006/relationships" preserve="1" type="obj">
+<p:sldLayout xmlns:a="http://schemas.openxmlformats.org/drawingml/2006/main" xmlns:r="http://schemas.openxmlformats.org/officeDocument/2006/relationships" xmlns:p="http://schemas.openxmlformats.org/presentationml/2006/main" type="obj" preserve="1">
   <p:cSld name="Title, Content">
     <p:spTree>
       <p:nvGrpSpPr>
@@ -3223,7 +3749,8 @@
           </a:prstGeom>
         </p:spPr>
         <p:txBody>
-          <a:bodyPr anchor="ctr" bIns="0" lIns="0" rIns="0" tIns="0" wrap="none"/>
+          <a:bodyPr wrap="none" lIns="0" tIns="0" rIns="0" bIns="0" anchor="ctr"/>
+          <a:lstStyle/>
           <a:p>
             <a:pPr algn="ctr"/>
             <a:endParaRPr/>
@@ -3250,7 +3777,8 @@
           </a:prstGeom>
         </p:spPr>
         <p:txBody>
-          <a:bodyPr bIns="0" lIns="0" rIns="0" tIns="0" wrap="none"/>
+          <a:bodyPr wrap="none" lIns="0" tIns="0" rIns="0" bIns="0"/>
+          <a:lstStyle/>
           <a:p>
             <a:endParaRPr/>
           </a:p>
@@ -3258,11 +3786,14 @@
       </p:sp>
     </p:spTree>
   </p:cSld>
+  <p:clrMapOvr>
+    <a:masterClrMapping/>
+  </p:clrMapOvr>
 </p:sldLayout>
 </file>
 
 <file path=ppt/slideLayouts/slideLayout4.xml><?xml version="1.0" encoding="utf-8"?>
-<p:sldLayout xmlns:a="http://schemas.openxmlformats.org/drawingml/2006/main" xmlns:p="http://schemas.openxmlformats.org/presentationml/2006/main" xmlns:r="http://schemas.openxmlformats.org/officeDocument/2006/relationships" preserve="1" type="twoObj">
+<p:sldLayout xmlns:a="http://schemas.openxmlformats.org/drawingml/2006/main" xmlns:r="http://schemas.openxmlformats.org/officeDocument/2006/relationships" xmlns:p="http://schemas.openxmlformats.org/presentationml/2006/main" type="twoObj" preserve="1">
   <p:cSld name="Title, 2 Content">
     <p:spTree>
       <p:nvGrpSpPr>
@@ -3298,7 +3829,8 @@
           </a:prstGeom>
         </p:spPr>
         <p:txBody>
-          <a:bodyPr anchor="ctr" bIns="0" lIns="0" rIns="0" tIns="0" wrap="none"/>
+          <a:bodyPr wrap="none" lIns="0" tIns="0" rIns="0" bIns="0" anchor="ctr"/>
+          <a:lstStyle/>
           <a:p>
             <a:pPr algn="ctr"/>
             <a:endParaRPr/>
@@ -3325,7 +3857,8 @@
           </a:prstGeom>
         </p:spPr>
         <p:txBody>
-          <a:bodyPr bIns="0" lIns="0" rIns="0" tIns="0" wrap="none"/>
+          <a:bodyPr wrap="none" lIns="0" tIns="0" rIns="0" bIns="0"/>
+          <a:lstStyle/>
           <a:p>
             <a:endParaRPr/>
           </a:p>
@@ -3351,7 +3884,8 @@
           </a:prstGeom>
         </p:spPr>
         <p:txBody>
-          <a:bodyPr bIns="0" lIns="0" rIns="0" tIns="0" wrap="none"/>
+          <a:bodyPr wrap="none" lIns="0" tIns="0" rIns="0" bIns="0"/>
+          <a:lstStyle/>
           <a:p>
             <a:endParaRPr/>
           </a:p>
@@ -3359,11 +3893,14 @@
       </p:sp>
     </p:spTree>
   </p:cSld>
+  <p:clrMapOvr>
+    <a:masterClrMapping/>
+  </p:clrMapOvr>
 </p:sldLayout>
 </file>
 
 <file path=ppt/slideLayouts/slideLayout40.xml><?xml version="1.0" encoding="utf-8"?>
-<p:sldLayout xmlns:a="http://schemas.openxmlformats.org/drawingml/2006/main" xmlns:p="http://schemas.openxmlformats.org/presentationml/2006/main" xmlns:r="http://schemas.openxmlformats.org/officeDocument/2006/relationships" preserve="1" type="twoObj">
+<p:sldLayout xmlns:a="http://schemas.openxmlformats.org/drawingml/2006/main" xmlns:r="http://schemas.openxmlformats.org/officeDocument/2006/relationships" xmlns:p="http://schemas.openxmlformats.org/presentationml/2006/main" type="twoObj" preserve="1">
   <p:cSld name="Title, 2 Content">
     <p:spTree>
       <p:nvGrpSpPr>
@@ -3399,7 +3936,8 @@
           </a:prstGeom>
         </p:spPr>
         <p:txBody>
-          <a:bodyPr anchor="ctr" bIns="0" lIns="0" rIns="0" tIns="0" wrap="none"/>
+          <a:bodyPr wrap="none" lIns="0" tIns="0" rIns="0" bIns="0" anchor="ctr"/>
+          <a:lstStyle/>
           <a:p>
             <a:pPr algn="ctr"/>
             <a:endParaRPr/>
@@ -3426,7 +3964,8 @@
           </a:prstGeom>
         </p:spPr>
         <p:txBody>
-          <a:bodyPr bIns="0" lIns="0" rIns="0" tIns="0" wrap="none"/>
+          <a:bodyPr wrap="none" lIns="0" tIns="0" rIns="0" bIns="0"/>
+          <a:lstStyle/>
           <a:p>
             <a:endParaRPr/>
           </a:p>
@@ -3452,7 +3991,8 @@
           </a:prstGeom>
         </p:spPr>
         <p:txBody>
-          <a:bodyPr bIns="0" lIns="0" rIns="0" tIns="0" wrap="none"/>
+          <a:bodyPr wrap="none" lIns="0" tIns="0" rIns="0" bIns="0"/>
+          <a:lstStyle/>
           <a:p>
             <a:endParaRPr/>
           </a:p>
@@ -3460,11 +4000,14 @@
       </p:sp>
     </p:spTree>
   </p:cSld>
+  <p:clrMapOvr>
+    <a:masterClrMapping/>
+  </p:clrMapOvr>
 </p:sldLayout>
 </file>
 
 <file path=ppt/slideLayouts/slideLayout41.xml><?xml version="1.0" encoding="utf-8"?>
-<p:sldLayout xmlns:a="http://schemas.openxmlformats.org/drawingml/2006/main" xmlns:p="http://schemas.openxmlformats.org/presentationml/2006/main" xmlns:r="http://schemas.openxmlformats.org/officeDocument/2006/relationships" preserve="1" type="titleOnly">
+<p:sldLayout xmlns:a="http://schemas.openxmlformats.org/drawingml/2006/main" xmlns:r="http://schemas.openxmlformats.org/officeDocument/2006/relationships" xmlns:p="http://schemas.openxmlformats.org/presentationml/2006/main" type="titleOnly" preserve="1">
   <p:cSld name="Title Only">
     <p:spTree>
       <p:nvGrpSpPr>
@@ -3500,7 +4043,8 @@
           </a:prstGeom>
         </p:spPr>
         <p:txBody>
-          <a:bodyPr anchor="ctr" bIns="0" lIns="0" rIns="0" tIns="0" wrap="none"/>
+          <a:bodyPr wrap="none" lIns="0" tIns="0" rIns="0" bIns="0" anchor="ctr"/>
+          <a:lstStyle/>
           <a:p>
             <a:pPr algn="ctr"/>
             <a:endParaRPr/>
@@ -3509,11 +4053,14 @@
       </p:sp>
     </p:spTree>
   </p:cSld>
+  <p:clrMapOvr>
+    <a:masterClrMapping/>
+  </p:clrMapOvr>
 </p:sldLayout>
 </file>
 
 <file path=ppt/slideLayouts/slideLayout42.xml><?xml version="1.0" encoding="utf-8"?>
-<p:sldLayout xmlns:a="http://schemas.openxmlformats.org/drawingml/2006/main" xmlns:p="http://schemas.openxmlformats.org/presentationml/2006/main" xmlns:r="http://schemas.openxmlformats.org/officeDocument/2006/relationships" preserve="1" type="objOnly">
+<p:sldLayout xmlns:a="http://schemas.openxmlformats.org/drawingml/2006/main" xmlns:r="http://schemas.openxmlformats.org/officeDocument/2006/relationships" xmlns:p="http://schemas.openxmlformats.org/presentationml/2006/main" type="objOnly" preserve="1">
   <p:cSld name="Centered Text">
     <p:spTree>
       <p:nvGrpSpPr>
@@ -3549,7 +4096,8 @@
           </a:prstGeom>
         </p:spPr>
         <p:txBody>
-          <a:bodyPr anchor="ctr" bIns="0" lIns="0" rIns="0" tIns="0" wrap="none"/>
+          <a:bodyPr wrap="none" lIns="0" tIns="0" rIns="0" bIns="0" anchor="ctr"/>
+          <a:lstStyle/>
           <a:p>
             <a:pPr algn="ctr"/>
             <a:endParaRPr/>
@@ -3558,11 +4106,14 @@
       </p:sp>
     </p:spTree>
   </p:cSld>
+  <p:clrMapOvr>
+    <a:masterClrMapping/>
+  </p:clrMapOvr>
 </p:sldLayout>
 </file>
 
 <file path=ppt/slideLayouts/slideLayout43.xml><?xml version="1.0" encoding="utf-8"?>
-<p:sldLayout xmlns:a="http://schemas.openxmlformats.org/drawingml/2006/main" xmlns:p="http://schemas.openxmlformats.org/presentationml/2006/main" xmlns:r="http://schemas.openxmlformats.org/officeDocument/2006/relationships" preserve="1" type="twoObjAndObj">
+<p:sldLayout xmlns:a="http://schemas.openxmlformats.org/drawingml/2006/main" xmlns:r="http://schemas.openxmlformats.org/officeDocument/2006/relationships" xmlns:p="http://schemas.openxmlformats.org/presentationml/2006/main" type="twoObjAndObj" preserve="1">
   <p:cSld name="Title, 2 Content and Content">
     <p:spTree>
       <p:nvGrpSpPr>
@@ -3598,7 +4149,8 @@
           </a:prstGeom>
         </p:spPr>
         <p:txBody>
-          <a:bodyPr anchor="ctr" bIns="0" lIns="0" rIns="0" tIns="0" wrap="none"/>
+          <a:bodyPr wrap="none" lIns="0" tIns="0" rIns="0" bIns="0" anchor="ctr"/>
+          <a:lstStyle/>
           <a:p>
             <a:pPr algn="ctr"/>
             <a:endParaRPr/>
@@ -3625,7 +4177,8 @@
           </a:prstGeom>
         </p:spPr>
         <p:txBody>
-          <a:bodyPr bIns="0" lIns="0" rIns="0" tIns="0" wrap="none"/>
+          <a:bodyPr wrap="none" lIns="0" tIns="0" rIns="0" bIns="0"/>
+          <a:lstStyle/>
           <a:p>
             <a:endParaRPr/>
           </a:p>
@@ -3651,7 +4204,8 @@
           </a:prstGeom>
         </p:spPr>
         <p:txBody>
-          <a:bodyPr bIns="0" lIns="0" rIns="0" tIns="0" wrap="none"/>
+          <a:bodyPr wrap="none" lIns="0" tIns="0" rIns="0" bIns="0"/>
+          <a:lstStyle/>
           <a:p>
             <a:endParaRPr/>
           </a:p>
@@ -3677,7 +4231,8 @@
           </a:prstGeom>
         </p:spPr>
         <p:txBody>
-          <a:bodyPr bIns="0" lIns="0" rIns="0" tIns="0" wrap="none"/>
+          <a:bodyPr wrap="none" lIns="0" tIns="0" rIns="0" bIns="0"/>
+          <a:lstStyle/>
           <a:p>
             <a:endParaRPr/>
           </a:p>
@@ -3685,11 +4240,14 @@
       </p:sp>
     </p:spTree>
   </p:cSld>
+  <p:clrMapOvr>
+    <a:masterClrMapping/>
+  </p:clrMapOvr>
 </p:sldLayout>
 </file>
 
 <file path=ppt/slideLayouts/slideLayout44.xml><?xml version="1.0" encoding="utf-8"?>
-<p:sldLayout xmlns:a="http://schemas.openxmlformats.org/drawingml/2006/main" xmlns:p="http://schemas.openxmlformats.org/presentationml/2006/main" xmlns:r="http://schemas.openxmlformats.org/officeDocument/2006/relationships" preserve="1" type="objAndTwoObj">
+<p:sldLayout xmlns:a="http://schemas.openxmlformats.org/drawingml/2006/main" xmlns:r="http://schemas.openxmlformats.org/officeDocument/2006/relationships" xmlns:p="http://schemas.openxmlformats.org/presentationml/2006/main" type="objAndTwoObj" preserve="1">
   <p:cSld name="Title Content and 2 Content">
     <p:spTree>
       <p:nvGrpSpPr>
@@ -3725,7 +4283,8 @@
           </a:prstGeom>
         </p:spPr>
         <p:txBody>
-          <a:bodyPr anchor="ctr" bIns="0" lIns="0" rIns="0" tIns="0" wrap="none"/>
+          <a:bodyPr wrap="none" lIns="0" tIns="0" rIns="0" bIns="0" anchor="ctr"/>
+          <a:lstStyle/>
           <a:p>
             <a:pPr algn="ctr"/>
             <a:endParaRPr/>
@@ -3752,7 +4311,8 @@
           </a:prstGeom>
         </p:spPr>
         <p:txBody>
-          <a:bodyPr bIns="0" lIns="0" rIns="0" tIns="0" wrap="none"/>
+          <a:bodyPr wrap="none" lIns="0" tIns="0" rIns="0" bIns="0"/>
+          <a:lstStyle/>
           <a:p>
             <a:endParaRPr/>
           </a:p>
@@ -3778,7 +4338,8 @@
           </a:prstGeom>
         </p:spPr>
         <p:txBody>
-          <a:bodyPr bIns="0" lIns="0" rIns="0" tIns="0" wrap="none"/>
+          <a:bodyPr wrap="none" lIns="0" tIns="0" rIns="0" bIns="0"/>
+          <a:lstStyle/>
           <a:p>
             <a:endParaRPr/>
           </a:p>
@@ -3804,7 +4365,8 @@
           </a:prstGeom>
         </p:spPr>
         <p:txBody>
-          <a:bodyPr bIns="0" lIns="0" rIns="0" tIns="0" wrap="none"/>
+          <a:bodyPr wrap="none" lIns="0" tIns="0" rIns="0" bIns="0"/>
+          <a:lstStyle/>
           <a:p>
             <a:endParaRPr/>
           </a:p>
@@ -3812,11 +4374,14 @@
       </p:sp>
     </p:spTree>
   </p:cSld>
+  <p:clrMapOvr>
+    <a:masterClrMapping/>
+  </p:clrMapOvr>
 </p:sldLayout>
 </file>
 
 <file path=ppt/slideLayouts/slideLayout45.xml><?xml version="1.0" encoding="utf-8"?>
-<p:sldLayout xmlns:a="http://schemas.openxmlformats.org/drawingml/2006/main" xmlns:p="http://schemas.openxmlformats.org/presentationml/2006/main" xmlns:r="http://schemas.openxmlformats.org/officeDocument/2006/relationships" preserve="1" type="twoObjOverTx">
+<p:sldLayout xmlns:a="http://schemas.openxmlformats.org/drawingml/2006/main" xmlns:r="http://schemas.openxmlformats.org/officeDocument/2006/relationships" xmlns:p="http://schemas.openxmlformats.org/presentationml/2006/main" type="twoObjOverTx" preserve="1">
   <p:cSld name="Title, 2 Content over Content">
     <p:spTree>
       <p:nvGrpSpPr>
@@ -3852,7 +4417,8 @@
           </a:prstGeom>
         </p:spPr>
         <p:txBody>
-          <a:bodyPr anchor="ctr" bIns="0" lIns="0" rIns="0" tIns="0" wrap="none"/>
+          <a:bodyPr wrap="none" lIns="0" tIns="0" rIns="0" bIns="0" anchor="ctr"/>
+          <a:lstStyle/>
           <a:p>
             <a:pPr algn="ctr"/>
             <a:endParaRPr/>
@@ -3879,7 +4445,8 @@
           </a:prstGeom>
         </p:spPr>
         <p:txBody>
-          <a:bodyPr bIns="0" lIns="0" rIns="0" tIns="0" wrap="none"/>
+          <a:bodyPr wrap="none" lIns="0" tIns="0" rIns="0" bIns="0"/>
+          <a:lstStyle/>
           <a:p>
             <a:endParaRPr/>
           </a:p>
@@ -3905,7 +4472,8 @@
           </a:prstGeom>
         </p:spPr>
         <p:txBody>
-          <a:bodyPr bIns="0" lIns="0" rIns="0" tIns="0" wrap="none"/>
+          <a:bodyPr wrap="none" lIns="0" tIns="0" rIns="0" bIns="0"/>
+          <a:lstStyle/>
           <a:p>
             <a:endParaRPr/>
           </a:p>
@@ -3931,7 +4499,8 @@
           </a:prstGeom>
         </p:spPr>
         <p:txBody>
-          <a:bodyPr bIns="0" lIns="0" rIns="0" tIns="0" wrap="none"/>
+          <a:bodyPr wrap="none" lIns="0" tIns="0" rIns="0" bIns="0"/>
+          <a:lstStyle/>
           <a:p>
             <a:endParaRPr/>
           </a:p>
@@ -3939,11 +4508,14 @@
       </p:sp>
     </p:spTree>
   </p:cSld>
+  <p:clrMapOvr>
+    <a:masterClrMapping/>
+  </p:clrMapOvr>
 </p:sldLayout>
 </file>
 
 <file path=ppt/slideLayouts/slideLayout46.xml><?xml version="1.0" encoding="utf-8"?>
-<p:sldLayout xmlns:a="http://schemas.openxmlformats.org/drawingml/2006/main" xmlns:p="http://schemas.openxmlformats.org/presentationml/2006/main" xmlns:r="http://schemas.openxmlformats.org/officeDocument/2006/relationships" preserve="1" type="objOverTx">
+<p:sldLayout xmlns:a="http://schemas.openxmlformats.org/drawingml/2006/main" xmlns:r="http://schemas.openxmlformats.org/officeDocument/2006/relationships" xmlns:p="http://schemas.openxmlformats.org/presentationml/2006/main" type="objOverTx" preserve="1">
   <p:cSld name="Title, Content over Content">
     <p:spTree>
       <p:nvGrpSpPr>
@@ -3979,7 +4551,8 @@
           </a:prstGeom>
         </p:spPr>
         <p:txBody>
-          <a:bodyPr anchor="ctr" bIns="0" lIns="0" rIns="0" tIns="0" wrap="none"/>
+          <a:bodyPr wrap="none" lIns="0" tIns="0" rIns="0" bIns="0" anchor="ctr"/>
+          <a:lstStyle/>
           <a:p>
             <a:pPr algn="ctr"/>
             <a:endParaRPr/>
@@ -4006,7 +4579,8 @@
           </a:prstGeom>
         </p:spPr>
         <p:txBody>
-          <a:bodyPr bIns="0" lIns="0" rIns="0" tIns="0" wrap="none"/>
+          <a:bodyPr wrap="none" lIns="0" tIns="0" rIns="0" bIns="0"/>
+          <a:lstStyle/>
           <a:p>
             <a:endParaRPr/>
           </a:p>
@@ -4032,7 +4606,8 @@
           </a:prstGeom>
         </p:spPr>
         <p:txBody>
-          <a:bodyPr bIns="0" lIns="0" rIns="0" tIns="0" wrap="none"/>
+          <a:bodyPr wrap="none" lIns="0" tIns="0" rIns="0" bIns="0"/>
+          <a:lstStyle/>
           <a:p>
             <a:endParaRPr/>
           </a:p>
@@ -4040,11 +4615,14 @@
       </p:sp>
     </p:spTree>
   </p:cSld>
+  <p:clrMapOvr>
+    <a:masterClrMapping/>
+  </p:clrMapOvr>
 </p:sldLayout>
 </file>
 
 <file path=ppt/slideLayouts/slideLayout47.xml><?xml version="1.0" encoding="utf-8"?>
-<p:sldLayout xmlns:a="http://schemas.openxmlformats.org/drawingml/2006/main" xmlns:p="http://schemas.openxmlformats.org/presentationml/2006/main" xmlns:r="http://schemas.openxmlformats.org/officeDocument/2006/relationships" preserve="1" type="fourObj">
+<p:sldLayout xmlns:a="http://schemas.openxmlformats.org/drawingml/2006/main" xmlns:r="http://schemas.openxmlformats.org/officeDocument/2006/relationships" xmlns:p="http://schemas.openxmlformats.org/presentationml/2006/main" type="fourObj" preserve="1">
   <p:cSld name="Title, 4 Content">
     <p:spTree>
       <p:nvGrpSpPr>
@@ -4080,7 +4658,8 @@
           </a:prstGeom>
         </p:spPr>
         <p:txBody>
-          <a:bodyPr anchor="ctr" bIns="0" lIns="0" rIns="0" tIns="0" wrap="none"/>
+          <a:bodyPr wrap="none" lIns="0" tIns="0" rIns="0" bIns="0" anchor="ctr"/>
+          <a:lstStyle/>
           <a:p>
             <a:pPr algn="ctr"/>
             <a:endParaRPr/>
@@ -4107,7 +4686,8 @@
           </a:prstGeom>
         </p:spPr>
         <p:txBody>
-          <a:bodyPr bIns="0" lIns="0" rIns="0" tIns="0" wrap="none"/>
+          <a:bodyPr wrap="none" lIns="0" tIns="0" rIns="0" bIns="0"/>
+          <a:lstStyle/>
           <a:p>
             <a:endParaRPr/>
           </a:p>
@@ -4133,7 +4713,8 @@
           </a:prstGeom>
         </p:spPr>
         <p:txBody>
-          <a:bodyPr bIns="0" lIns="0" rIns="0" tIns="0" wrap="none"/>
+          <a:bodyPr wrap="none" lIns="0" tIns="0" rIns="0" bIns="0"/>
+          <a:lstStyle/>
           <a:p>
             <a:endParaRPr/>
           </a:p>
@@ -4159,7 +4740,8 @@
           </a:prstGeom>
         </p:spPr>
         <p:txBody>
-          <a:bodyPr bIns="0" lIns="0" rIns="0" tIns="0" wrap="none"/>
+          <a:bodyPr wrap="none" lIns="0" tIns="0" rIns="0" bIns="0"/>
+          <a:lstStyle/>
           <a:p>
             <a:endParaRPr/>
           </a:p>
@@ -4185,7 +4767,8 @@
           </a:prstGeom>
         </p:spPr>
         <p:txBody>
-          <a:bodyPr bIns="0" lIns="0" rIns="0" tIns="0" wrap="none"/>
+          <a:bodyPr wrap="none" lIns="0" tIns="0" rIns="0" bIns="0"/>
+          <a:lstStyle/>
           <a:p>
             <a:endParaRPr/>
           </a:p>
@@ -4193,11 +4776,14 @@
       </p:sp>
     </p:spTree>
   </p:cSld>
+  <p:clrMapOvr>
+    <a:masterClrMapping/>
+  </p:clrMapOvr>
 </p:sldLayout>
 </file>
 
 <file path=ppt/slideLayouts/slideLayout48.xml><?xml version="1.0" encoding="utf-8"?>
-<p:sldLayout xmlns:a="http://schemas.openxmlformats.org/drawingml/2006/main" xmlns:p="http://schemas.openxmlformats.org/presentationml/2006/main" xmlns:r="http://schemas.openxmlformats.org/officeDocument/2006/relationships" preserve="1" type="blank">
+<p:sldLayout xmlns:a="http://schemas.openxmlformats.org/drawingml/2006/main" xmlns:r="http://schemas.openxmlformats.org/officeDocument/2006/relationships" xmlns:p="http://schemas.openxmlformats.org/presentationml/2006/main" type="blank" preserve="1">
   <p:cSld name="Title, 6 Content">
     <p:spTree>
       <p:nvGrpSpPr>
@@ -4233,7 +4819,8 @@
           </a:prstGeom>
         </p:spPr>
         <p:txBody>
-          <a:bodyPr anchor="ctr" bIns="0" lIns="0" rIns="0" tIns="0" wrap="none"/>
+          <a:bodyPr wrap="none" lIns="0" tIns="0" rIns="0" bIns="0" anchor="ctr"/>
+          <a:lstStyle/>
           <a:p>
             <a:pPr algn="ctr"/>
             <a:endParaRPr/>
@@ -4260,7 +4847,8 @@
           </a:prstGeom>
         </p:spPr>
         <p:txBody>
-          <a:bodyPr bIns="0" lIns="0" rIns="0" tIns="0" wrap="none"/>
+          <a:bodyPr wrap="none" lIns="0" tIns="0" rIns="0" bIns="0"/>
+          <a:lstStyle/>
           <a:p>
             <a:endParaRPr/>
           </a:p>
@@ -4286,7 +4874,8 @@
           </a:prstGeom>
         </p:spPr>
         <p:txBody>
-          <a:bodyPr bIns="0" lIns="0" rIns="0" tIns="0" wrap="none"/>
+          <a:bodyPr wrap="none" lIns="0" tIns="0" rIns="0" bIns="0"/>
+          <a:lstStyle/>
           <a:p>
             <a:endParaRPr/>
           </a:p>
@@ -4294,11 +4883,14 @@
       </p:sp>
     </p:spTree>
   </p:cSld>
+  <p:clrMapOvr>
+    <a:masterClrMapping/>
+  </p:clrMapOvr>
 </p:sldLayout>
 </file>
 
 <file path=ppt/slideLayouts/slideLayout5.xml><?xml version="1.0" encoding="utf-8"?>
-<p:sldLayout xmlns:a="http://schemas.openxmlformats.org/drawingml/2006/main" xmlns:p="http://schemas.openxmlformats.org/presentationml/2006/main" xmlns:r="http://schemas.openxmlformats.org/officeDocument/2006/relationships" preserve="1" type="titleOnly">
+<p:sldLayout xmlns:a="http://schemas.openxmlformats.org/drawingml/2006/main" xmlns:r="http://schemas.openxmlformats.org/officeDocument/2006/relationships" xmlns:p="http://schemas.openxmlformats.org/presentationml/2006/main" type="titleOnly" preserve="1">
   <p:cSld name="Title Only">
     <p:spTree>
       <p:nvGrpSpPr>
@@ -4334,7 +4926,8 @@
           </a:prstGeom>
         </p:spPr>
         <p:txBody>
-          <a:bodyPr anchor="ctr" bIns="0" lIns="0" rIns="0" tIns="0" wrap="none"/>
+          <a:bodyPr wrap="none" lIns="0" tIns="0" rIns="0" bIns="0" anchor="ctr"/>
+          <a:lstStyle/>
           <a:p>
             <a:pPr algn="ctr"/>
             <a:endParaRPr/>
@@ -4343,11 +4936,14 @@
       </p:sp>
     </p:spTree>
   </p:cSld>
+  <p:clrMapOvr>
+    <a:masterClrMapping/>
+  </p:clrMapOvr>
 </p:sldLayout>
 </file>
 
 <file path=ppt/slideLayouts/slideLayout6.xml><?xml version="1.0" encoding="utf-8"?>
-<p:sldLayout xmlns:a="http://schemas.openxmlformats.org/drawingml/2006/main" xmlns:p="http://schemas.openxmlformats.org/presentationml/2006/main" xmlns:r="http://schemas.openxmlformats.org/officeDocument/2006/relationships" preserve="1" type="objOnly">
+<p:sldLayout xmlns:a="http://schemas.openxmlformats.org/drawingml/2006/main" xmlns:r="http://schemas.openxmlformats.org/officeDocument/2006/relationships" xmlns:p="http://schemas.openxmlformats.org/presentationml/2006/main" type="objOnly" preserve="1">
   <p:cSld name="Centered Text">
     <p:spTree>
       <p:nvGrpSpPr>
@@ -4383,7 +4979,8 @@
           </a:prstGeom>
         </p:spPr>
         <p:txBody>
-          <a:bodyPr anchor="ctr" bIns="0" lIns="0" rIns="0" tIns="0" wrap="none"/>
+          <a:bodyPr wrap="none" lIns="0" tIns="0" rIns="0" bIns="0" anchor="ctr"/>
+          <a:lstStyle/>
           <a:p>
             <a:pPr algn="ctr"/>
             <a:endParaRPr/>
@@ -4392,11 +4989,14 @@
       </p:sp>
     </p:spTree>
   </p:cSld>
+  <p:clrMapOvr>
+    <a:masterClrMapping/>
+  </p:clrMapOvr>
 </p:sldLayout>
 </file>
 
 <file path=ppt/slideLayouts/slideLayout7.xml><?xml version="1.0" encoding="utf-8"?>
-<p:sldLayout xmlns:a="http://schemas.openxmlformats.org/drawingml/2006/main" xmlns:p="http://schemas.openxmlformats.org/presentationml/2006/main" xmlns:r="http://schemas.openxmlformats.org/officeDocument/2006/relationships" preserve="1" type="twoObjAndObj">
+<p:sldLayout xmlns:a="http://schemas.openxmlformats.org/drawingml/2006/main" xmlns:r="http://schemas.openxmlformats.org/officeDocument/2006/relationships" xmlns:p="http://schemas.openxmlformats.org/presentationml/2006/main" type="twoObjAndObj" preserve="1">
   <p:cSld name="Title, 2 Content and Content">
     <p:spTree>
       <p:nvGrpSpPr>
@@ -4432,7 +5032,8 @@
           </a:prstGeom>
         </p:spPr>
         <p:txBody>
-          <a:bodyPr anchor="ctr" bIns="0" lIns="0" rIns="0" tIns="0" wrap="none"/>
+          <a:bodyPr wrap="none" lIns="0" tIns="0" rIns="0" bIns="0" anchor="ctr"/>
+          <a:lstStyle/>
           <a:p>
             <a:pPr algn="ctr"/>
             <a:endParaRPr/>
@@ -4459,7 +5060,8 @@
           </a:prstGeom>
         </p:spPr>
         <p:txBody>
-          <a:bodyPr bIns="0" lIns="0" rIns="0" tIns="0" wrap="none"/>
+          <a:bodyPr wrap="none" lIns="0" tIns="0" rIns="0" bIns="0"/>
+          <a:lstStyle/>
           <a:p>
             <a:endParaRPr/>
           </a:p>
@@ -4485,7 +5087,8 @@
           </a:prstGeom>
         </p:spPr>
         <p:txBody>
-          <a:bodyPr bIns="0" lIns="0" rIns="0" tIns="0" wrap="none"/>
+          <a:bodyPr wrap="none" lIns="0" tIns="0" rIns="0" bIns="0"/>
+          <a:lstStyle/>
           <a:p>
             <a:endParaRPr/>
           </a:p>
@@ -4511,7 +5114,8 @@
           </a:prstGeom>
         </p:spPr>
         <p:txBody>
-          <a:bodyPr bIns="0" lIns="0" rIns="0" tIns="0" wrap="none"/>
+          <a:bodyPr wrap="none" lIns="0" tIns="0" rIns="0" bIns="0"/>
+          <a:lstStyle/>
           <a:p>
             <a:endParaRPr/>
           </a:p>
@@ -4519,11 +5123,14 @@
       </p:sp>
     </p:spTree>
   </p:cSld>
+  <p:clrMapOvr>
+    <a:masterClrMapping/>
+  </p:clrMapOvr>
 </p:sldLayout>
 </file>
 
 <file path=ppt/slideLayouts/slideLayout8.xml><?xml version="1.0" encoding="utf-8"?>
-<p:sldLayout xmlns:a="http://schemas.openxmlformats.org/drawingml/2006/main" xmlns:p="http://schemas.openxmlformats.org/presentationml/2006/main" xmlns:r="http://schemas.openxmlformats.org/officeDocument/2006/relationships" preserve="1" type="objAndTwoObj">
+<p:sldLayout xmlns:a="http://schemas.openxmlformats.org/drawingml/2006/main" xmlns:r="http://schemas.openxmlformats.org/officeDocument/2006/relationships" xmlns:p="http://schemas.openxmlformats.org/presentationml/2006/main" type="objAndTwoObj" preserve="1">
   <p:cSld name="Title Content and 2 Content">
     <p:spTree>
       <p:nvGrpSpPr>
@@ -4559,7 +5166,8 @@
           </a:prstGeom>
         </p:spPr>
         <p:txBody>
-          <a:bodyPr anchor="ctr" bIns="0" lIns="0" rIns="0" tIns="0" wrap="none"/>
+          <a:bodyPr wrap="none" lIns="0" tIns="0" rIns="0" bIns="0" anchor="ctr"/>
+          <a:lstStyle/>
           <a:p>
             <a:pPr algn="ctr"/>
             <a:endParaRPr/>
@@ -4586,7 +5194,8 @@
           </a:prstGeom>
         </p:spPr>
         <p:txBody>
-          <a:bodyPr bIns="0" lIns="0" rIns="0" tIns="0" wrap="none"/>
+          <a:bodyPr wrap="none" lIns="0" tIns="0" rIns="0" bIns="0"/>
+          <a:lstStyle/>
           <a:p>
             <a:endParaRPr/>
           </a:p>
@@ -4612,7 +5221,8 @@
           </a:prstGeom>
         </p:spPr>
         <p:txBody>
-          <a:bodyPr bIns="0" lIns="0" rIns="0" tIns="0" wrap="none"/>
+          <a:bodyPr wrap="none" lIns="0" tIns="0" rIns="0" bIns="0"/>
+          <a:lstStyle/>
           <a:p>
             <a:endParaRPr/>
           </a:p>
@@ -4638,7 +5248,8 @@
           </a:prstGeom>
         </p:spPr>
         <p:txBody>
-          <a:bodyPr bIns="0" lIns="0" rIns="0" tIns="0" wrap="none"/>
+          <a:bodyPr wrap="none" lIns="0" tIns="0" rIns="0" bIns="0"/>
+          <a:lstStyle/>
           <a:p>
             <a:endParaRPr/>
           </a:p>
@@ -4646,11 +5257,14 @@
       </p:sp>
     </p:spTree>
   </p:cSld>
+  <p:clrMapOvr>
+    <a:masterClrMapping/>
+  </p:clrMapOvr>
 </p:sldLayout>
 </file>
 
 <file path=ppt/slideLayouts/slideLayout9.xml><?xml version="1.0" encoding="utf-8"?>
-<p:sldLayout xmlns:a="http://schemas.openxmlformats.org/drawingml/2006/main" xmlns:p="http://schemas.openxmlformats.org/presentationml/2006/main" xmlns:r="http://schemas.openxmlformats.org/officeDocument/2006/relationships" preserve="1" type="twoObjOverTx">
+<p:sldLayout xmlns:a="http://schemas.openxmlformats.org/drawingml/2006/main" xmlns:r="http://schemas.openxmlformats.org/officeDocument/2006/relationships" xmlns:p="http://schemas.openxmlformats.org/presentationml/2006/main" type="twoObjOverTx" preserve="1">
   <p:cSld name="Title, 2 Content over Content">
     <p:spTree>
       <p:nvGrpSpPr>
@@ -4686,7 +5300,8 @@
           </a:prstGeom>
         </p:spPr>
         <p:txBody>
-          <a:bodyPr anchor="ctr" bIns="0" lIns="0" rIns="0" tIns="0" wrap="none"/>
+          <a:bodyPr wrap="none" lIns="0" tIns="0" rIns="0" bIns="0" anchor="ctr"/>
+          <a:lstStyle/>
           <a:p>
             <a:pPr algn="ctr"/>
             <a:endParaRPr/>
@@ -4713,7 +5328,8 @@
           </a:prstGeom>
         </p:spPr>
         <p:txBody>
-          <a:bodyPr bIns="0" lIns="0" rIns="0" tIns="0" wrap="none"/>
+          <a:bodyPr wrap="none" lIns="0" tIns="0" rIns="0" bIns="0"/>
+          <a:lstStyle/>
           <a:p>
             <a:endParaRPr/>
           </a:p>
@@ -4739,7 +5355,8 @@
           </a:prstGeom>
         </p:spPr>
         <p:txBody>
-          <a:bodyPr bIns="0" lIns="0" rIns="0" tIns="0" wrap="none"/>
+          <a:bodyPr wrap="none" lIns="0" tIns="0" rIns="0" bIns="0"/>
+          <a:lstStyle/>
           <a:p>
             <a:endParaRPr/>
           </a:p>
@@ -4765,7 +5382,8 @@
           </a:prstGeom>
         </p:spPr>
         <p:txBody>
-          <a:bodyPr bIns="0" lIns="0" rIns="0" tIns="0" wrap="none"/>
+          <a:bodyPr wrap="none" lIns="0" tIns="0" rIns="0" bIns="0"/>
+          <a:lstStyle/>
           <a:p>
             <a:endParaRPr/>
           </a:p>
@@ -4773,12 +5391,20 @@
       </p:sp>
     </p:spTree>
   </p:cSld>
+  <p:clrMapOvr>
+    <a:masterClrMapping/>
+  </p:clrMapOvr>
 </p:sldLayout>
 </file>
 
 <file path=ppt/slideMasters/slideMaster1.xml><?xml version="1.0" encoding="utf-8"?>
-<p:sldMaster xmlns:a="http://schemas.openxmlformats.org/drawingml/2006/main" xmlns:p="http://schemas.openxmlformats.org/presentationml/2006/main" xmlns:r="http://schemas.openxmlformats.org/officeDocument/2006/relationships">
+<p:sldMaster xmlns:a="http://schemas.openxmlformats.org/drawingml/2006/main" xmlns:r="http://schemas.openxmlformats.org/officeDocument/2006/relationships" xmlns:p="http://schemas.openxmlformats.org/presentationml/2006/main">
   <p:cSld>
+    <p:bg>
+      <p:bgRef idx="1001">
+        <a:schemeClr val="bg1"/>
+      </p:bgRef>
+    </p:bg>
     <p:spTree>
       <p:nvGrpSpPr>
         <p:cNvPr id="1" name=""/>
@@ -4795,7 +5421,7 @@
       </p:grpSpPr>
       <p:sp>
         <p:nvSpPr>
-          <p:cNvPr id="0" name="PlaceHolder 1"/>
+          <p:cNvPr id="5" name="PlaceHolder 1"/>
           <p:cNvSpPr>
             <a:spLocks noGrp="1"/>
           </p:cNvSpPr>
@@ -4813,7 +5439,8 @@
           </a:prstGeom>
         </p:spPr>
         <p:txBody>
-          <a:bodyPr anchor="ctr" bIns="0" lIns="0" rIns="0" tIns="0" wrap="none"/>
+          <a:bodyPr wrap="none" lIns="0" tIns="0" rIns="0" bIns="0" anchor="ctr"/>
+          <a:lstStyle/>
           <a:p>
             <a:pPr algn="ctr"/>
             <a:r>
@@ -4826,7 +5453,7 @@
       </p:sp>
       <p:sp>
         <p:nvSpPr>
-          <p:cNvPr id="1" name="PlaceHolder 2"/>
+          <p:cNvPr id="6" name="PlaceHolder 2"/>
           <p:cNvSpPr>
             <a:spLocks noGrp="1"/>
           </p:cNvSpPr>
@@ -4844,7 +5471,8 @@
           </a:prstGeom>
         </p:spPr>
         <p:txBody>
-          <a:bodyPr bIns="0" lIns="0" rIns="0" tIns="0" wrap="none"/>
+          <a:bodyPr wrap="none" lIns="0" tIns="0" rIns="0" bIns="0"/>
+          <a:lstStyle/>
           <a:p>
             <a:pPr>
               <a:buSzPct val="45000"/>
@@ -4951,7 +5579,8 @@
           </a:prstGeom>
         </p:spPr>
         <p:txBody>
-          <a:bodyPr bIns="0" lIns="0" rIns="0" tIns="0" wrap="none"/>
+          <a:bodyPr wrap="none" lIns="0" tIns="0" rIns="0" bIns="0"/>
+          <a:lstStyle/>
           <a:p>
             <a:r>
               <a:rPr lang="en-US" sz="1400"/>
@@ -4981,7 +5610,8 @@
           </a:prstGeom>
         </p:spPr>
         <p:txBody>
-          <a:bodyPr bIns="0" lIns="0" rIns="0" tIns="0" wrap="none"/>
+          <a:bodyPr wrap="none" lIns="0" tIns="0" rIns="0" bIns="0"/>
+          <a:lstStyle/>
           <a:p>
             <a:pPr algn="ctr"/>
             <a:r>
@@ -5012,12 +5642,13 @@
           </a:prstGeom>
         </p:spPr>
         <p:txBody>
-          <a:bodyPr bIns="0" lIns="0" rIns="0" tIns="0" wrap="none"/>
+          <a:bodyPr wrap="none" lIns="0" tIns="0" rIns="0" bIns="0"/>
+          <a:lstStyle/>
           <a:p>
             <a:pPr algn="r"/>
             <a:fld id="{7111F151-B191-41D1-9191-F171C1215111}" type="slidenum">
               <a:rPr lang="en-US" sz="1400"/>
-              <a:t>&lt;number&gt;</a:t>
+              <a:t>‹#›</a:t>
             </a:fld>
             <a:endParaRPr/>
           </a:p>
@@ -5025,32 +5656,38 @@
       </p:sp>
     </p:spTree>
   </p:cSld>
-  <p:clrMap accent1="accent1" accent2="accent2" accent3="accent3" accent4="accent4" accent5="accent5" accent6="accent6" bg1="lt1" bg2="lt2" folHlink="folHlink" hlink="hlink" tx1="dk1" tx2="dk2"/>
+  <p:clrMap bg1="lt1" tx1="dk1" bg2="lt2" tx2="dk2" accent1="accent1" accent2="accent2" accent3="accent3" accent4="accent4" accent5="accent5" accent6="accent6" hlink="hlink" folHlink="folHlink"/>
   <p:sldLayoutIdLst>
-    <p:sldLayoutId id="2147483649" r:id="rId2"/>
-    <p:sldLayoutId id="2147483650" r:id="rId3"/>
-    <p:sldLayoutId id="2147483651" r:id="rId4"/>
-    <p:sldLayoutId id="2147483652" r:id="rId5"/>
-    <p:sldLayoutId id="2147483653" r:id="rId6"/>
-    <p:sldLayoutId id="2147483654" r:id="rId7"/>
-    <p:sldLayoutId id="2147483655" r:id="rId8"/>
-    <p:sldLayoutId id="2147483656" r:id="rId9"/>
-    <p:sldLayoutId id="2147483657" r:id="rId10"/>
-    <p:sldLayoutId id="2147483658" r:id="rId11"/>
-    <p:sldLayoutId id="2147483659" r:id="rId12"/>
-    <p:sldLayoutId id="2147483660" r:id="rId13"/>
+    <p:sldLayoutId id="2147483649" r:id="rId1"/>
+    <p:sldLayoutId id="2147483650" r:id="rId2"/>
+    <p:sldLayoutId id="2147483651" r:id="rId3"/>
+    <p:sldLayoutId id="2147483652" r:id="rId4"/>
+    <p:sldLayoutId id="2147483653" r:id="rId5"/>
+    <p:sldLayoutId id="2147483654" r:id="rId6"/>
+    <p:sldLayoutId id="2147483655" r:id="rId7"/>
+    <p:sldLayoutId id="2147483656" r:id="rId8"/>
+    <p:sldLayoutId id="2147483657" r:id="rId9"/>
+    <p:sldLayoutId id="2147483658" r:id="rId10"/>
+    <p:sldLayoutId id="2147483659" r:id="rId11"/>
+    <p:sldLayoutId id="2147483660" r:id="rId12"/>
   </p:sldLayoutIdLst>
+  <p:txStyles>
+    <p:titleStyle/>
+    <p:bodyStyle/>
+    <p:otherStyle/>
+  </p:txStyles>
 </p:sldMaster>
 </file>
 
 <file path=ppt/slideMasters/slideMaster2.xml><?xml version="1.0" encoding="utf-8"?>
-<p:sldMaster xmlns:a="http://schemas.openxmlformats.org/drawingml/2006/main" xmlns:p="http://schemas.openxmlformats.org/presentationml/2006/main" xmlns:r="http://schemas.openxmlformats.org/officeDocument/2006/relationships">
+<p:sldMaster xmlns:a="http://schemas.openxmlformats.org/drawingml/2006/main" xmlns:r="http://schemas.openxmlformats.org/officeDocument/2006/relationships" xmlns:p="http://schemas.openxmlformats.org/presentationml/2006/main">
   <p:cSld>
     <p:bg>
       <p:bgPr>
         <a:blipFill>
-          <a:blip r:embed="rId2"/>
+          <a:blip r:embed="rId14"/>
         </a:blipFill>
+        <a:effectLst/>
       </p:bgPr>
     </p:bg>
     <p:spTree>
@@ -5087,7 +5724,8 @@
           </a:prstGeom>
         </p:spPr>
         <p:txBody>
-          <a:bodyPr bIns="45000" lIns="90000" rIns="90000" tIns="45000"/>
+          <a:bodyPr lIns="90000" tIns="45000" rIns="90000" bIns="45000"/>
+          <a:lstStyle/>
           <a:p>
             <a:endParaRPr/>
           </a:p>
@@ -5113,7 +5751,8 @@
           </a:prstGeom>
         </p:spPr>
         <p:txBody>
-          <a:bodyPr bIns="45000" lIns="90000" rIns="90000" tIns="45000"/>
+          <a:bodyPr lIns="90000" tIns="45000" rIns="90000" bIns="45000"/>
+          <a:lstStyle/>
           <a:p>
             <a:endParaRPr/>
           </a:p>
@@ -5139,7 +5778,8 @@
           </a:prstGeom>
         </p:spPr>
         <p:txBody>
-          <a:bodyPr bIns="45000" lIns="90000" rIns="90000" tIns="45000"/>
+          <a:bodyPr lIns="90000" tIns="45000" rIns="90000" bIns="45000"/>
+          <a:lstStyle/>
           <a:p>
             <a:pPr>
               <a:lnSpc>
@@ -5153,7 +5793,7 @@
                 </a:solidFill>
                 <a:latin typeface="Arial"/>
               </a:rPr>
-              <a:t>&lt;number&gt;</a:t>
+              <a:t>‹#›</a:t>
             </a:fld>
             <a:endParaRPr/>
           </a:p>
@@ -5176,6 +5816,7 @@
         </p:spPr>
         <p:txBody>
           <a:bodyPr/>
+          <a:lstStyle/>
           <a:p>
             <a:pPr>
               <a:lnSpc>
@@ -5189,7 +5830,7 @@
                 </a:solidFill>
                 <a:latin typeface="Arial"/>
               </a:rPr>
-              <a:t>&lt;number&gt;</a:t>
+              <a:t>‹#›</a:t>
             </a:fld>
             <a:endParaRPr/>
           </a:p>
@@ -5211,7 +5852,8 @@
           </a:prstGeom>
         </p:spPr>
         <p:txBody>
-          <a:bodyPr bIns="45000" lIns="90000" rIns="90000" tIns="45000" wrap="none"/>
+          <a:bodyPr wrap="none" lIns="90000" tIns="45000" rIns="90000" bIns="45000"/>
+          <a:lstStyle/>
           <a:p>
             <a:pPr>
               <a:lnSpc>
@@ -5247,7 +5889,8 @@
           </a:prstGeom>
         </p:spPr>
         <p:txBody>
-          <a:bodyPr bIns="45000" lIns="90000" rIns="90000" tIns="45000"/>
+          <a:bodyPr lIns="90000" tIns="45000" rIns="90000" bIns="45000"/>
+          <a:lstStyle/>
           <a:p>
             <a:pPr algn="ctr">
               <a:lnSpc>
@@ -5269,12 +5912,12 @@
       </p:sp>
       <p:pic>
         <p:nvPicPr>
-          <p:cNvPr descr="" id="43" name="Picture 7"/>
+          <p:cNvPr id="43" name="Picture 7"/>
           <p:cNvPicPr/>
           <p:nvPr/>
         </p:nvPicPr>
         <p:blipFill>
-          <a:blip r:embed="rId3"/>
+          <a:blip r:embed="rId15"/>
           <a:stretch>
             <a:fillRect/>
           </a:stretch>
@@ -5309,7 +5952,8 @@
           </a:prstGeom>
         </p:spPr>
         <p:txBody>
-          <a:bodyPr anchor="ctr" bIns="0" lIns="0" rIns="0" tIns="0" wrap="none"/>
+          <a:bodyPr wrap="none" lIns="0" tIns="0" rIns="0" bIns="0" anchor="ctr"/>
+          <a:lstStyle/>
           <a:p>
             <a:r>
               <a:rPr lang="en-US"/>
@@ -5339,7 +5983,8 @@
           </a:prstGeom>
         </p:spPr>
         <p:txBody>
-          <a:bodyPr bIns="0" lIns="0" rIns="0" tIns="0" wrap="none"/>
+          <a:bodyPr wrap="none" lIns="0" tIns="0" rIns="0" bIns="0"/>
+          <a:lstStyle/>
           <a:p>
             <a:pPr>
               <a:buSzPct val="45000"/>
@@ -5428,32 +6073,38 @@
       </p:sp>
     </p:spTree>
   </p:cSld>
-  <p:clrMap accent1="accent1" accent2="accent2" accent3="accent3" accent4="accent4" accent5="accent5" accent6="accent6" bg1="lt1" bg2="lt2" folHlink="folHlink" hlink="hlink" tx1="dk1" tx2="dk2"/>
+  <p:clrMap bg1="lt1" tx1="dk1" bg2="lt2" tx2="dk2" accent1="accent1" accent2="accent2" accent3="accent3" accent4="accent4" accent5="accent5" accent6="accent6" hlink="hlink" folHlink="folHlink"/>
   <p:sldLayoutIdLst>
-    <p:sldLayoutId id="2147483662" r:id="rId4"/>
-    <p:sldLayoutId id="2147483663" r:id="rId5"/>
-    <p:sldLayoutId id="2147483664" r:id="rId6"/>
-    <p:sldLayoutId id="2147483665" r:id="rId7"/>
-    <p:sldLayoutId id="2147483666" r:id="rId8"/>
-    <p:sldLayoutId id="2147483667" r:id="rId9"/>
-    <p:sldLayoutId id="2147483668" r:id="rId10"/>
-    <p:sldLayoutId id="2147483669" r:id="rId11"/>
-    <p:sldLayoutId id="2147483670" r:id="rId12"/>
-    <p:sldLayoutId id="2147483671" r:id="rId13"/>
-    <p:sldLayoutId id="2147483672" r:id="rId14"/>
-    <p:sldLayoutId id="2147483673" r:id="rId15"/>
+    <p:sldLayoutId id="2147483662" r:id="rId1"/>
+    <p:sldLayoutId id="2147483663" r:id="rId2"/>
+    <p:sldLayoutId id="2147483664" r:id="rId3"/>
+    <p:sldLayoutId id="2147483665" r:id="rId4"/>
+    <p:sldLayoutId id="2147483666" r:id="rId5"/>
+    <p:sldLayoutId id="2147483667" r:id="rId6"/>
+    <p:sldLayoutId id="2147483668" r:id="rId7"/>
+    <p:sldLayoutId id="2147483669" r:id="rId8"/>
+    <p:sldLayoutId id="2147483670" r:id="rId9"/>
+    <p:sldLayoutId id="2147483671" r:id="rId10"/>
+    <p:sldLayoutId id="2147483672" r:id="rId11"/>
+    <p:sldLayoutId id="2147483673" r:id="rId12"/>
   </p:sldLayoutIdLst>
+  <p:txStyles>
+    <p:titleStyle/>
+    <p:bodyStyle/>
+    <p:otherStyle/>
+  </p:txStyles>
 </p:sldMaster>
 </file>
 
 <file path=ppt/slideMasters/slideMaster3.xml><?xml version="1.0" encoding="utf-8"?>
-<p:sldMaster xmlns:a="http://schemas.openxmlformats.org/drawingml/2006/main" xmlns:p="http://schemas.openxmlformats.org/presentationml/2006/main" xmlns:r="http://schemas.openxmlformats.org/officeDocument/2006/relationships">
+<p:sldMaster xmlns:a="http://schemas.openxmlformats.org/drawingml/2006/main" xmlns:r="http://schemas.openxmlformats.org/officeDocument/2006/relationships" xmlns:p="http://schemas.openxmlformats.org/presentationml/2006/main">
   <p:cSld>
     <p:bg>
       <p:bgPr>
         <a:blipFill>
-          <a:blip r:embed="rId2"/>
+          <a:blip r:embed="rId14"/>
         </a:blipFill>
+        <a:effectLst/>
       </p:bgPr>
     </p:bg>
     <p:spTree>
@@ -5491,6 +6142,7 @@
         </p:spPr>
         <p:txBody>
           <a:bodyPr anchor="ctr"/>
+          <a:lstStyle/>
           <a:p>
             <a:pPr algn="ctr">
               <a:lnSpc>
@@ -5531,6 +6183,7 @@
         </p:spPr>
         <p:txBody>
           <a:bodyPr/>
+          <a:lstStyle/>
           <a:p>
             <a:pPr>
               <a:buSzPct val="45000"/>
@@ -5741,7 +6394,8 @@
           </a:prstGeom>
         </p:spPr>
         <p:txBody>
-          <a:bodyPr bIns="45000" lIns="90000" rIns="90000" tIns="45000"/>
+          <a:bodyPr lIns="90000" tIns="45000" rIns="90000" bIns="45000"/>
+          <a:lstStyle/>
           <a:p>
             <a:endParaRPr/>
           </a:p>
@@ -5767,7 +6421,8 @@
           </a:prstGeom>
         </p:spPr>
         <p:txBody>
-          <a:bodyPr bIns="45000" lIns="90000" rIns="90000" tIns="45000"/>
+          <a:bodyPr lIns="90000" tIns="45000" rIns="90000" bIns="45000"/>
+          <a:lstStyle/>
           <a:p>
             <a:endParaRPr/>
           </a:p>
@@ -5793,7 +6448,8 @@
           </a:prstGeom>
         </p:spPr>
         <p:txBody>
-          <a:bodyPr bIns="45000" lIns="90000" rIns="90000" tIns="45000"/>
+          <a:bodyPr lIns="90000" tIns="45000" rIns="90000" bIns="45000"/>
+          <a:lstStyle/>
           <a:p>
             <a:pPr>
               <a:lnSpc>
@@ -5807,7 +6463,7 @@
                 </a:solidFill>
                 <a:latin typeface="Arial"/>
               </a:rPr>
-              <a:t>&lt;number&gt;</a:t>
+              <a:t>‹#›</a:t>
             </a:fld>
             <a:endParaRPr/>
           </a:p>
@@ -5833,7 +6489,8 @@
           </a:prstGeom>
         </p:spPr>
         <p:txBody>
-          <a:bodyPr bIns="45000" lIns="90000" rIns="90000" tIns="45000"/>
+          <a:bodyPr lIns="90000" tIns="45000" rIns="90000" bIns="45000"/>
+          <a:lstStyle/>
           <a:p>
             <a:pPr>
               <a:buSzPct val="45000"/>
@@ -5952,12 +6609,12 @@
       </p:sp>
       <p:pic>
         <p:nvPicPr>
-          <p:cNvPr descr="" id="84" name="Picture 7"/>
+          <p:cNvPr id="84" name="Picture 7"/>
           <p:cNvPicPr/>
           <p:nvPr/>
         </p:nvPicPr>
         <p:blipFill>
-          <a:blip r:embed="rId3"/>
+          <a:blip r:embed="rId15"/>
           <a:stretch>
             <a:fillRect/>
           </a:stretch>
@@ -5974,32 +6631,38 @@
       </p:pic>
     </p:spTree>
   </p:cSld>
-  <p:clrMap accent1="accent1" accent2="accent2" accent3="accent3" accent4="accent4" accent5="accent5" accent6="accent6" bg1="lt1" bg2="lt2" folHlink="folHlink" hlink="hlink" tx1="dk1" tx2="dk2"/>
+  <p:clrMap bg1="lt1" tx1="dk1" bg2="lt2" tx2="dk2" accent1="accent1" accent2="accent2" accent3="accent3" accent4="accent4" accent5="accent5" accent6="accent6" hlink="hlink" folHlink="folHlink"/>
   <p:sldLayoutIdLst>
-    <p:sldLayoutId id="2147483675" r:id="rId4"/>
-    <p:sldLayoutId id="2147483676" r:id="rId5"/>
-    <p:sldLayoutId id="2147483677" r:id="rId6"/>
-    <p:sldLayoutId id="2147483678" r:id="rId7"/>
-    <p:sldLayoutId id="2147483679" r:id="rId8"/>
-    <p:sldLayoutId id="2147483680" r:id="rId9"/>
-    <p:sldLayoutId id="2147483681" r:id="rId10"/>
-    <p:sldLayoutId id="2147483682" r:id="rId11"/>
-    <p:sldLayoutId id="2147483683" r:id="rId12"/>
-    <p:sldLayoutId id="2147483684" r:id="rId13"/>
-    <p:sldLayoutId id="2147483685" r:id="rId14"/>
-    <p:sldLayoutId id="2147483686" r:id="rId15"/>
+    <p:sldLayoutId id="2147483675" r:id="rId1"/>
+    <p:sldLayoutId id="2147483676" r:id="rId2"/>
+    <p:sldLayoutId id="2147483677" r:id="rId3"/>
+    <p:sldLayoutId id="2147483678" r:id="rId4"/>
+    <p:sldLayoutId id="2147483679" r:id="rId5"/>
+    <p:sldLayoutId id="2147483680" r:id="rId6"/>
+    <p:sldLayoutId id="2147483681" r:id="rId7"/>
+    <p:sldLayoutId id="2147483682" r:id="rId8"/>
+    <p:sldLayoutId id="2147483683" r:id="rId9"/>
+    <p:sldLayoutId id="2147483684" r:id="rId10"/>
+    <p:sldLayoutId id="2147483685" r:id="rId11"/>
+    <p:sldLayoutId id="2147483686" r:id="rId12"/>
   </p:sldLayoutIdLst>
+  <p:txStyles>
+    <p:titleStyle/>
+    <p:bodyStyle/>
+    <p:otherStyle/>
+  </p:txStyles>
 </p:sldMaster>
 </file>
 
 <file path=ppt/slideMasters/slideMaster4.xml><?xml version="1.0" encoding="utf-8"?>
-<p:sldMaster xmlns:a="http://schemas.openxmlformats.org/drawingml/2006/main" xmlns:p="http://schemas.openxmlformats.org/presentationml/2006/main" xmlns:r="http://schemas.openxmlformats.org/officeDocument/2006/relationships">
+<p:sldMaster xmlns:a="http://schemas.openxmlformats.org/drawingml/2006/main" xmlns:r="http://schemas.openxmlformats.org/officeDocument/2006/relationships" xmlns:p="http://schemas.openxmlformats.org/presentationml/2006/main">
   <p:cSld>
     <p:bg>
       <p:bgPr>
         <a:blipFill>
-          <a:blip r:embed="rId2"/>
+          <a:blip r:embed="rId14"/>
         </a:blipFill>
+        <a:effectLst/>
       </p:bgPr>
     </p:bg>
     <p:spTree>
@@ -6037,6 +6700,7 @@
         </p:spPr>
         <p:txBody>
           <a:bodyPr anchor="ctr"/>
+          <a:lstStyle/>
           <a:p>
             <a:pPr algn="ctr">
               <a:lnSpc>
@@ -6077,6 +6741,7 @@
         </p:spPr>
         <p:txBody>
           <a:bodyPr/>
+          <a:lstStyle/>
           <a:p>
             <a:pPr>
               <a:buSzPct val="45000"/>
@@ -6288,6 +6953,7 @@
         </p:spPr>
         <p:txBody>
           <a:bodyPr/>
+          <a:lstStyle/>
           <a:p>
             <a:pPr>
               <a:buSzPct val="45000"/>
@@ -6498,7 +7164,8 @@
           </a:prstGeom>
         </p:spPr>
         <p:txBody>
-          <a:bodyPr bIns="45000" lIns="90000" rIns="90000" tIns="45000"/>
+          <a:bodyPr lIns="90000" tIns="45000" rIns="90000" bIns="45000"/>
+          <a:lstStyle/>
           <a:p>
             <a:endParaRPr/>
           </a:p>
@@ -6524,7 +7191,8 @@
           </a:prstGeom>
         </p:spPr>
         <p:txBody>
-          <a:bodyPr bIns="45000" lIns="90000" rIns="90000" tIns="45000"/>
+          <a:bodyPr lIns="90000" tIns="45000" rIns="90000" bIns="45000"/>
+          <a:lstStyle/>
           <a:p>
             <a:endParaRPr/>
           </a:p>
@@ -6550,7 +7218,8 @@
           </a:prstGeom>
         </p:spPr>
         <p:txBody>
-          <a:bodyPr bIns="45000" lIns="90000" rIns="90000" tIns="45000"/>
+          <a:bodyPr lIns="90000" tIns="45000" rIns="90000" bIns="45000"/>
+          <a:lstStyle/>
           <a:p>
             <a:pPr>
               <a:lnSpc>
@@ -6564,7 +7233,7 @@
                 </a:solidFill>
                 <a:latin typeface="Arial"/>
               </a:rPr>
-              <a:t>&lt;number&gt;</a:t>
+              <a:t>‹#›</a:t>
             </a:fld>
             <a:endParaRPr/>
           </a:p>
@@ -6572,12 +7241,12 @@
       </p:sp>
       <p:pic>
         <p:nvPicPr>
-          <p:cNvPr descr="" id="123" name="Picture 7"/>
+          <p:cNvPr id="123" name="Picture 7"/>
           <p:cNvPicPr/>
           <p:nvPr/>
         </p:nvPicPr>
         <p:blipFill>
-          <a:blip r:embed="rId3"/>
+          <a:blip r:embed="rId15"/>
           <a:stretch>
             <a:fillRect/>
           </a:stretch>
@@ -6594,26 +7263,31 @@
       </p:pic>
     </p:spTree>
   </p:cSld>
-  <p:clrMap accent1="accent1" accent2="accent2" accent3="accent3" accent4="accent4" accent5="accent5" accent6="accent6" bg1="lt1" bg2="lt2" folHlink="folHlink" hlink="hlink" tx1="dk1" tx2="dk2"/>
+  <p:clrMap bg1="lt1" tx1="dk1" bg2="lt2" tx2="dk2" accent1="accent1" accent2="accent2" accent3="accent3" accent4="accent4" accent5="accent5" accent6="accent6" hlink="hlink" folHlink="folHlink"/>
   <p:sldLayoutIdLst>
-    <p:sldLayoutId id="2147483688" r:id="rId4"/>
-    <p:sldLayoutId id="2147483689" r:id="rId5"/>
-    <p:sldLayoutId id="2147483690" r:id="rId6"/>
-    <p:sldLayoutId id="2147483691" r:id="rId7"/>
-    <p:sldLayoutId id="2147483692" r:id="rId8"/>
-    <p:sldLayoutId id="2147483693" r:id="rId9"/>
-    <p:sldLayoutId id="2147483694" r:id="rId10"/>
-    <p:sldLayoutId id="2147483695" r:id="rId11"/>
-    <p:sldLayoutId id="2147483696" r:id="rId12"/>
-    <p:sldLayoutId id="2147483697" r:id="rId13"/>
-    <p:sldLayoutId id="2147483698" r:id="rId14"/>
-    <p:sldLayoutId id="2147483699" r:id="rId15"/>
+    <p:sldLayoutId id="2147483688" r:id="rId1"/>
+    <p:sldLayoutId id="2147483689" r:id="rId2"/>
+    <p:sldLayoutId id="2147483690" r:id="rId3"/>
+    <p:sldLayoutId id="2147483691" r:id="rId4"/>
+    <p:sldLayoutId id="2147483692" r:id="rId5"/>
+    <p:sldLayoutId id="2147483693" r:id="rId6"/>
+    <p:sldLayoutId id="2147483694" r:id="rId7"/>
+    <p:sldLayoutId id="2147483695" r:id="rId8"/>
+    <p:sldLayoutId id="2147483696" r:id="rId9"/>
+    <p:sldLayoutId id="2147483697" r:id="rId10"/>
+    <p:sldLayoutId id="2147483698" r:id="rId11"/>
+    <p:sldLayoutId id="2147483699" r:id="rId12"/>
   </p:sldLayoutIdLst>
+  <p:txStyles>
+    <p:titleStyle/>
+    <p:bodyStyle/>
+    <p:otherStyle/>
+  </p:txStyles>
 </p:sldMaster>
 </file>
 
 <file path=ppt/slides/slide1.xml><?xml version="1.0" encoding="utf-8"?>
-<p:sld xmlns:a="http://schemas.openxmlformats.org/drawingml/2006/main" xmlns:p="http://schemas.openxmlformats.org/presentationml/2006/main" xmlns:r="http://schemas.openxmlformats.org/officeDocument/2006/relationships">
+<p:sld xmlns:a="http://schemas.openxmlformats.org/drawingml/2006/main" xmlns:r="http://schemas.openxmlformats.org/officeDocument/2006/relationships" xmlns:p="http://schemas.openxmlformats.org/presentationml/2006/main">
   <p:cSld>
     <p:spTree>
       <p:nvGrpSpPr>
@@ -6637,15 +7311,16 @@
         </p:nvSpPr>
         <p:spPr>
           <a:xfrm>
-            <a:off x="1512360" y="1343880"/>
-            <a:ext cx="5711400" cy="1711440"/>
-          </a:xfrm>
-          <a:prstGeom prst="rect">
-            <a:avLst/>
-          </a:prstGeom>
-        </p:spPr>
-        <p:txBody>
-          <a:bodyPr bIns="45000" lIns="90000" rIns="90000" tIns="45000"/>
+            <a:off x="1523244" y="960437"/>
+            <a:ext cx="7033152" cy="1711440"/>
+          </a:xfrm>
+          <a:prstGeom prst="rect">
+            <a:avLst/>
+          </a:prstGeom>
+        </p:spPr>
+        <p:txBody>
+          <a:bodyPr lIns="90000" tIns="45000" rIns="90000" bIns="45000"/>
+          <a:lstStyle/>
           <a:p>
             <a:pPr>
               <a:lnSpc>
@@ -6653,47 +7328,206 @@
               </a:lnSpc>
             </a:pPr>
             <a:r>
-              <a:rPr lang="en-US" sz="3200">
+              <a:rPr lang="en-US" sz="3200" dirty="0" smtClean="0">
                 <a:solidFill>
-                  <a:srgbClr val="f4702f"/>
+                  <a:srgbClr val="F4702F"/>
                 </a:solidFill>
                 <a:latin typeface="Verdana"/>
               </a:rPr>
-              <a:t>Introduction to Data Visualization on the Web using D3.js</a:t>
-            </a:r>
-            <a:endParaRPr/>
-          </a:p>
-        </p:txBody>
-      </p:sp>
-      <p:pic>
-        <p:nvPicPr>
-          <p:cNvPr descr="" id="162" name="Picture 2"/>
-          <p:cNvPicPr/>
+              <a:t>Required Workshop Content</a:t>
+            </a:r>
+            <a:endParaRPr dirty="0"/>
+          </a:p>
+        </p:txBody>
+      </p:sp>
+      <p:sp>
+        <p:nvSpPr>
+          <p:cNvPr id="2" name="TextBox 1"/>
+          <p:cNvSpPr txBox="1"/>
           <p:nvPr/>
-        </p:nvPicPr>
-        <p:blipFill>
-          <a:blip r:embed="rId1"/>
-          <a:stretch>
-            <a:fillRect/>
-          </a:stretch>
-        </p:blipFill>
-        <p:spPr>
-          <a:xfrm>
-            <a:off x="83880" y="3123360"/>
-            <a:ext cx="9911880" cy="2084040"/>
-          </a:xfrm>
-          <a:prstGeom prst="rect">
-            <a:avLst/>
-          </a:prstGeom>
-        </p:spPr>
-      </p:pic>
+        </p:nvSpPr>
+        <p:spPr>
+          <a:xfrm>
+            <a:off x="620712" y="2179637"/>
+            <a:ext cx="8991600" cy="1815882"/>
+          </a:xfrm>
+          <a:prstGeom prst="rect">
+            <a:avLst/>
+          </a:prstGeom>
+          <a:noFill/>
+        </p:spPr>
+        <p:txBody>
+          <a:bodyPr wrap="square" rtlCol="0">
+            <a:spAutoFit/>
+          </a:bodyPr>
+          <a:lstStyle/>
+          <a:p>
+            <a:endParaRPr lang="en-US" dirty="0">
+              <a:hlinkClick r:id="rId2"/>
+            </a:endParaRPr>
+          </a:p>
+          <a:p>
+            <a:r>
+              <a:rPr lang="en-US" sz="2800" dirty="0" smtClean="0">
+                <a:hlinkClick r:id="rId2"/>
+              </a:rPr>
+              <a:t>http://www.github.com/ChristianWeeks/d3-LessonPlan</a:t>
+            </a:r>
+            <a:endParaRPr lang="en-US" sz="2800" dirty="0" smtClean="0"/>
+          </a:p>
+          <a:p>
+            <a:endParaRPr lang="en-US" dirty="0" smtClean="0"/>
+          </a:p>
+          <a:p>
+            <a:r>
+              <a:rPr lang="en-US" sz="2400" dirty="0"/>
+              <a:t>a</a:t>
+            </a:r>
+            <a:r>
+              <a:rPr lang="en-US" sz="2400" dirty="0" smtClean="0"/>
+              <a:t>nd download the files by clicking </a:t>
+            </a:r>
+            <a:r>
+              <a:rPr lang="en-US" sz="2400" b="1" dirty="0" smtClean="0"/>
+              <a:t>Download ZIP</a:t>
+            </a:r>
+            <a:r>
+              <a:rPr lang="en-US" sz="2400" dirty="0" smtClean="0"/>
+              <a:t> on the right hand side.  </a:t>
+            </a:r>
+            <a:r>
+              <a:rPr lang="en-US" sz="2400" b="1" dirty="0" smtClean="0"/>
+              <a:t>Extract</a:t>
+            </a:r>
+            <a:r>
+              <a:rPr lang="en-US" sz="2400" dirty="0" smtClean="0"/>
+              <a:t> them to a folder of your choosing.</a:t>
+            </a:r>
+            <a:endParaRPr lang="en-US" sz="2400" dirty="0"/>
+          </a:p>
+        </p:txBody>
+      </p:sp>
+      <p:sp>
+        <p:nvSpPr>
+          <p:cNvPr id="3" name="TextBox 2"/>
+          <p:cNvSpPr txBox="1"/>
+          <p:nvPr/>
+        </p:nvSpPr>
+        <p:spPr>
+          <a:xfrm>
+            <a:off x="620712" y="4694237"/>
+            <a:ext cx="8839200" cy="2062103"/>
+          </a:xfrm>
+          <a:prstGeom prst="rect">
+            <a:avLst/>
+          </a:prstGeom>
+          <a:noFill/>
+        </p:spPr>
+        <p:txBody>
+          <a:bodyPr wrap="square" rtlCol="0">
+            <a:spAutoFit/>
+          </a:bodyPr>
+          <a:lstStyle/>
+          <a:p>
+            <a:r>
+              <a:rPr lang="en-US" sz="2400" dirty="0" smtClean="0"/>
+              <a:t>If you are familiar with </a:t>
+            </a:r>
+            <a:r>
+              <a:rPr lang="en-US" sz="2400" b="1" dirty="0" err="1" smtClean="0"/>
+              <a:t>git</a:t>
+            </a:r>
+            <a:r>
+              <a:rPr lang="en-US" sz="2400" dirty="0" smtClean="0"/>
+              <a:t>, you may also clone the repository using the command</a:t>
+            </a:r>
+          </a:p>
+          <a:p>
+            <a:endParaRPr lang="en-US" sz="2400" dirty="0"/>
+          </a:p>
+          <a:p>
+            <a:r>
+              <a:rPr lang="en-US" sz="2800" i="1" dirty="0" err="1" smtClean="0"/>
+              <a:t>git</a:t>
+            </a:r>
+            <a:r>
+              <a:rPr lang="en-US" sz="2800" i="1" dirty="0" smtClean="0"/>
+              <a:t> clone https://github.com/ChristianWeeks/d3-LessonPlan.git</a:t>
+            </a:r>
+            <a:endParaRPr lang="en-US" sz="2800" i="1" dirty="0"/>
+          </a:p>
+        </p:txBody>
+      </p:sp>
+      <p:sp>
+        <p:nvSpPr>
+          <p:cNvPr id="4" name="TextBox 3"/>
+          <p:cNvSpPr txBox="1"/>
+          <p:nvPr/>
+        </p:nvSpPr>
+        <p:spPr>
+          <a:xfrm>
+            <a:off x="620712" y="1810305"/>
+            <a:ext cx="4130874" cy="461665"/>
+          </a:xfrm>
+          <a:prstGeom prst="rect">
+            <a:avLst/>
+          </a:prstGeom>
+          <a:noFill/>
+        </p:spPr>
+        <p:txBody>
+          <a:bodyPr wrap="none" rtlCol="0">
+            <a:spAutoFit/>
+          </a:bodyPr>
+          <a:lstStyle/>
+          <a:p>
+            <a:r>
+              <a:rPr lang="en-US" sz="2400" dirty="0" smtClean="0"/>
+              <a:t>If you have not already, go to</a:t>
+            </a:r>
+            <a:endParaRPr lang="en-US" sz="2400" dirty="0"/>
+          </a:p>
+        </p:txBody>
+      </p:sp>
+      <p:cxnSp>
+        <p:nvCxnSpPr>
+          <p:cNvPr id="7" name="Straight Connector 6"/>
+          <p:cNvCxnSpPr/>
+          <p:nvPr/>
+        </p:nvCxnSpPr>
+        <p:spPr>
+          <a:xfrm>
+            <a:off x="544512" y="4541837"/>
+            <a:ext cx="9067800" cy="0"/>
+          </a:xfrm>
+          <a:prstGeom prst="line">
+            <a:avLst/>
+          </a:prstGeom>
+        </p:spPr>
+        <p:style>
+          <a:lnRef idx="3">
+            <a:schemeClr val="accent1"/>
+          </a:lnRef>
+          <a:fillRef idx="0">
+            <a:schemeClr val="accent1"/>
+          </a:fillRef>
+          <a:effectRef idx="2">
+            <a:schemeClr val="accent1"/>
+          </a:effectRef>
+          <a:fontRef idx="minor">
+            <a:schemeClr val="tx1"/>
+          </a:fontRef>
+        </p:style>
+      </p:cxnSp>
     </p:spTree>
   </p:cSld>
+  <p:clrMapOvr>
+    <a:masterClrMapping/>
+  </p:clrMapOvr>
 </p:sld>
 </file>
 
 <file path=ppt/slides/slide10.xml><?xml version="1.0" encoding="utf-8"?>
-<p:sld xmlns:a="http://schemas.openxmlformats.org/drawingml/2006/main" xmlns:p="http://schemas.openxmlformats.org/presentationml/2006/main" xmlns:r="http://schemas.openxmlformats.org/officeDocument/2006/relationships">
+<p:sld xmlns:a="http://schemas.openxmlformats.org/drawingml/2006/main" xmlns:r="http://schemas.openxmlformats.org/officeDocument/2006/relationships" xmlns:p="http://schemas.openxmlformats.org/presentationml/2006/main">
   <p:cSld>
     <p:spTree>
       <p:nvGrpSpPr>
@@ -6711,13 +7545,13 @@
       </p:grpSpPr>
       <p:sp>
         <p:nvSpPr>
-          <p:cNvPr id="201" name="TextShape 1"/>
+          <p:cNvPr id="186" name="TextShape 1"/>
           <p:cNvSpPr txBox="1"/>
           <p:nvPr/>
         </p:nvSpPr>
         <p:spPr>
           <a:xfrm>
-            <a:off x="457200" y="1026360"/>
+            <a:off x="329580" y="188925"/>
             <a:ext cx="9071640" cy="1259640"/>
           </a:xfrm>
           <a:prstGeom prst="rect">
@@ -6725,169 +7559,300 @@
           </a:prstGeom>
         </p:spPr>
         <p:txBody>
-          <a:bodyPr anchor="ctr" bIns="0" lIns="0" rIns="0" tIns="0" wrap="none"/>
+          <a:bodyPr wrap="none" lIns="0" tIns="0" rIns="0" bIns="0" anchor="ctr"/>
+          <a:lstStyle/>
           <a:p>
             <a:pPr algn="ctr"/>
             <a:r>
               <a:rPr lang="en-US" sz="3200">
                 <a:solidFill>
-                  <a:srgbClr val="eb613d"/>
+                  <a:srgbClr val="EB613D"/>
                 </a:solidFill>
               </a:rPr>
-              <a:t>Javascript Syntax Briefer (cont'd)</a:t>
-            </a:r>
-            <a:endParaRPr/>
-          </a:p>
-        </p:txBody>
-      </p:sp>
-      <p:sp>
-        <p:nvSpPr>
-          <p:cNvPr id="202" name="TextShape 2"/>
+              <a:t>Developer Tools (cont'd)</a:t>
+            </a:r>
+            <a:endParaRPr/>
+          </a:p>
+        </p:txBody>
+      </p:sp>
+      <p:sp>
+        <p:nvSpPr>
+          <p:cNvPr id="187" name="TextShape 2"/>
           <p:cNvSpPr txBox="1"/>
           <p:nvPr/>
         </p:nvSpPr>
         <p:spPr>
           <a:xfrm>
-            <a:off x="457200" y="2011680"/>
-            <a:ext cx="8961120" cy="1449720"/>
-          </a:xfrm>
-          <a:prstGeom prst="rect">
-            <a:avLst/>
-          </a:prstGeom>
-        </p:spPr>
-        <p:txBody>
-          <a:bodyPr bIns="45000" lIns="90000" rIns="90000" tIns="45000" wrap="none"/>
-          <a:p>
-            <a:r>
-              <a:rPr lang="en-US" sz="2400"/>
-              <a:t>Javascript is a weakly typed language, meaning variable types are mutable and syntax errors are sometimes forgivable</a:t>
-            </a:r>
-            <a:endParaRPr/>
-          </a:p>
-          <a:p>
-            <a:r>
-              <a:rPr lang="en-US" sz="2400"/>
-              <a:t>
-</a:t>
-            </a:r>
-            <a:r>
-              <a:rPr i="1" lang="en-US" sz="2400"/>
-              <a:t>Don't forget your semicolons!</a:t>
-            </a:r>
-            <a:endParaRPr/>
-          </a:p>
-        </p:txBody>
-      </p:sp>
-      <p:sp>
-        <p:nvSpPr>
-          <p:cNvPr id="203" name="TextShape 3"/>
+            <a:off x="238140" y="1174965"/>
+            <a:ext cx="9526572" cy="1690472"/>
+          </a:xfrm>
+          <a:prstGeom prst="rect">
+            <a:avLst/>
+          </a:prstGeom>
+        </p:spPr>
+        <p:txBody>
+          <a:bodyPr wrap="none" lIns="90000" tIns="45000" rIns="90000" bIns="45000"/>
+          <a:lstStyle/>
+          <a:p>
+            <a:pPr>
+              <a:buSzPct val="45000"/>
+            </a:pPr>
+            <a:r>
+              <a:rPr lang="en-US" sz="2800" dirty="0"/>
+              <a:t>Two main tabs we will work with:</a:t>
+            </a:r>
+            <a:endParaRPr dirty="0"/>
+          </a:p>
+          <a:p>
+            <a:pPr marL="342900" indent="-342900">
+              <a:buSzPct val="45000"/>
+              <a:buFont typeface="Arial" pitchFamily="34" charset="0"/>
+              <a:buChar char="•"/>
+            </a:pPr>
+            <a:r>
+              <a:rPr lang="en-US" sz="2400" b="1" dirty="0"/>
+              <a:t>Elements / Inspector</a:t>
+            </a:r>
+            <a:r>
+              <a:rPr lang="en-US" sz="2400" dirty="0"/>
+              <a:t>– displays raw, up to date html </a:t>
+            </a:r>
+            <a:endParaRPr dirty="0"/>
+          </a:p>
+          <a:p>
+            <a:pPr marL="342900" indent="-342900">
+              <a:buSzPct val="45000"/>
+              <a:buFont typeface="Arial" pitchFamily="34" charset="0"/>
+              <a:buChar char="•"/>
+            </a:pPr>
+            <a:r>
+              <a:rPr lang="en-US" sz="2400" b="1" dirty="0"/>
+              <a:t>Console</a:t>
+            </a:r>
+            <a:r>
+              <a:rPr lang="en-US" sz="2400" dirty="0"/>
+              <a:t> – </a:t>
+            </a:r>
+            <a:r>
+              <a:rPr lang="en-US" sz="2400" dirty="0" smtClean="0"/>
+              <a:t>Acts similar to a terminal – errors and print statements are</a:t>
+            </a:r>
+          </a:p>
+          <a:p>
+            <a:pPr lvl="1">
+              <a:buSzPct val="45000"/>
+            </a:pPr>
+            <a:r>
+              <a:rPr lang="en-US" sz="2400" dirty="0"/>
+              <a:t>w</a:t>
+            </a:r>
+            <a:r>
+              <a:rPr lang="en-US" sz="2400" dirty="0" smtClean="0"/>
+              <a:t>ritten here. Allows </a:t>
+            </a:r>
+            <a:r>
+              <a:rPr lang="en-US" sz="2400" dirty="0"/>
+              <a:t>scripts to be written directly in web browser</a:t>
+            </a:r>
+            <a:endParaRPr dirty="0"/>
+          </a:p>
+          <a:p>
+            <a:pPr>
+              <a:buSzPct val="45000"/>
+              <a:buFont typeface="StarSymbol"/>
+              <a:buChar char=""/>
+            </a:pPr>
+            <a:endParaRPr dirty="0"/>
+          </a:p>
+          <a:p>
+            <a:endParaRPr dirty="0"/>
+          </a:p>
+          <a:p>
+            <a:endParaRPr dirty="0"/>
+          </a:p>
+        </p:txBody>
+      </p:sp>
+      <p:pic>
+        <p:nvPicPr>
+          <p:cNvPr id="188" name="Picture 187"/>
+          <p:cNvPicPr/>
+          <p:nvPr/>
+        </p:nvPicPr>
+        <p:blipFill>
+          <a:blip r:embed="rId2"/>
+          <a:stretch>
+            <a:fillRect/>
+          </a:stretch>
+        </p:blipFill>
+        <p:spPr>
+          <a:xfrm>
+            <a:off x="1885898" y="3019049"/>
+            <a:ext cx="6933960" cy="1883880"/>
+          </a:xfrm>
+          <a:prstGeom prst="rect">
+            <a:avLst/>
+          </a:prstGeom>
+        </p:spPr>
+      </p:pic>
+      <p:pic>
+        <p:nvPicPr>
+          <p:cNvPr id="189" name="Picture 188"/>
+          <p:cNvPicPr/>
+          <p:nvPr/>
+        </p:nvPicPr>
+        <p:blipFill>
+          <a:blip r:embed="rId3"/>
+          <a:stretch>
+            <a:fillRect/>
+          </a:stretch>
+        </p:blipFill>
+        <p:spPr>
+          <a:xfrm>
+            <a:off x="1885898" y="5023169"/>
+            <a:ext cx="7684920" cy="1617120"/>
+          </a:xfrm>
+          <a:prstGeom prst="rect">
+            <a:avLst/>
+          </a:prstGeom>
+        </p:spPr>
+      </p:pic>
+      <p:sp>
+        <p:nvSpPr>
+          <p:cNvPr id="190" name="CustomShape 3"/>
+          <p:cNvSpPr/>
+          <p:nvPr/>
+        </p:nvSpPr>
+        <p:spPr>
+          <a:xfrm>
+            <a:off x="6728258" y="5013449"/>
+            <a:ext cx="822960" cy="274320"/>
+          </a:xfrm>
+          <a:prstGeom prst="rect">
+            <a:avLst/>
+          </a:prstGeom>
+          <a:ln w="36720">
+            <a:solidFill>
+              <a:srgbClr val="FF0000"/>
+            </a:solidFill>
+            <a:round/>
+          </a:ln>
+        </p:spPr>
+      </p:sp>
+      <p:sp>
+        <p:nvSpPr>
+          <p:cNvPr id="191" name="CustomShape 4"/>
+          <p:cNvSpPr/>
+          <p:nvPr/>
+        </p:nvSpPr>
+        <p:spPr>
+          <a:xfrm>
+            <a:off x="2160218" y="5004809"/>
+            <a:ext cx="822960" cy="274320"/>
+          </a:xfrm>
+          <a:prstGeom prst="rect">
+            <a:avLst/>
+          </a:prstGeom>
+          <a:ln w="36720">
+            <a:solidFill>
+              <a:srgbClr val="FF0000"/>
+            </a:solidFill>
+            <a:round/>
+          </a:ln>
+        </p:spPr>
+      </p:sp>
+      <p:sp>
+        <p:nvSpPr>
+          <p:cNvPr id="192" name="CustomShape 5"/>
+          <p:cNvSpPr/>
+          <p:nvPr/>
+        </p:nvSpPr>
+        <p:spPr>
+          <a:xfrm>
+            <a:off x="2983178" y="2982689"/>
+            <a:ext cx="822960" cy="274320"/>
+          </a:xfrm>
+          <a:prstGeom prst="rect">
+            <a:avLst/>
+          </a:prstGeom>
+          <a:ln w="36720">
+            <a:solidFill>
+              <a:srgbClr val="FF0000"/>
+            </a:solidFill>
+            <a:round/>
+          </a:ln>
+        </p:spPr>
+      </p:sp>
+      <p:sp>
+        <p:nvSpPr>
+          <p:cNvPr id="193" name="CustomShape 6"/>
+          <p:cNvSpPr/>
+          <p:nvPr/>
+        </p:nvSpPr>
+        <p:spPr>
+          <a:xfrm>
+            <a:off x="2160218" y="2982689"/>
+            <a:ext cx="822960" cy="274320"/>
+          </a:xfrm>
+          <a:prstGeom prst="rect">
+            <a:avLst/>
+          </a:prstGeom>
+          <a:ln w="36720">
+            <a:solidFill>
+              <a:srgbClr val="FF0000"/>
+            </a:solidFill>
+            <a:round/>
+          </a:ln>
+        </p:spPr>
+      </p:sp>
+      <p:sp>
+        <p:nvSpPr>
+          <p:cNvPr id="194" name="TextShape 7"/>
           <p:cNvSpPr txBox="1"/>
           <p:nvPr/>
         </p:nvSpPr>
         <p:spPr>
           <a:xfrm>
-            <a:off x="462960" y="3657600"/>
-            <a:ext cx="5120640" cy="3291840"/>
-          </a:xfrm>
-          <a:prstGeom prst="rect">
-            <a:avLst/>
-          </a:prstGeom>
-        </p:spPr>
-        <p:txBody>
-          <a:bodyPr bIns="45000" lIns="90000" rIns="90000" tIns="45000" wrap="none"/>
-          <a:p>
-            <a:r>
-              <a:rPr lang="en-US" sz="2800"/>
-              <a:t>Variable Declaration and Types</a:t>
-            </a:r>
-            <a:endParaRPr/>
-          </a:p>
-          <a:p>
-            <a:endParaRPr/>
-          </a:p>
-          <a:p>
-            <a:r>
-              <a:rPr lang="en-US"/>
-              <a:t>var a;</a:t>
-            </a:r>
-            <a:r>
-              <a:rPr lang="en-US"/>
-              <a:t>	</a:t>
-            </a:r>
-            <a:r>
-              <a:rPr lang="en-US"/>
-              <a:t>	</a:t>
-            </a:r>
-            <a:r>
-              <a:rPr lang="en-US"/>
-              <a:t>//undefined</a:t>
-            </a:r>
-            <a:endParaRPr/>
-          </a:p>
-          <a:p>
-            <a:r>
-              <a:rPr lang="en-US"/>
-              <a:t>var b = 5;</a:t>
-            </a:r>
-            <a:r>
-              <a:rPr lang="en-US"/>
-              <a:t>	</a:t>
-            </a:r>
-            <a:r>
-              <a:rPr lang="en-US"/>
-              <a:t>//number</a:t>
-            </a:r>
-            <a:endParaRPr/>
-          </a:p>
-          <a:p>
-            <a:r>
-              <a:rPr lang="en-US"/>
-              <a:t>var c = true;</a:t>
-            </a:r>
-            <a:r>
-              <a:rPr lang="en-US"/>
-              <a:t>	</a:t>
-            </a:r>
-            <a:r>
-              <a:rPr lang="en-US"/>
-              <a:t>//boolean</a:t>
-            </a:r>
-            <a:endParaRPr/>
-          </a:p>
-          <a:p>
-            <a:r>
-              <a:rPr lang="en-US"/>
-              <a:t>var d = “Hello!”</a:t>
-            </a:r>
-            <a:r>
-              <a:rPr lang="en-US"/>
-              <a:t>	</a:t>
-            </a:r>
-            <a:r>
-              <a:rPr lang="en-US"/>
-              <a:t>//string</a:t>
-            </a:r>
-            <a:endParaRPr/>
-          </a:p>
-          <a:p>
-            <a:endParaRPr/>
-          </a:p>
-          <a:p>
-            <a:r>
-              <a:rPr lang="en-US"/>
-              <a:t>b = d;</a:t>
-            </a:r>
-            <a:r>
-              <a:rPr lang="en-US"/>
-              <a:t>	</a:t>
-            </a:r>
-            <a:r>
-              <a:rPr lang="en-US"/>
-              <a:t>	</a:t>
-            </a:r>
-            <a:r>
-              <a:rPr lang="en-US"/>
-              <a:t>//No error! b is now a string</a:t>
+            <a:off x="331418" y="3714209"/>
+            <a:ext cx="1035720" cy="402840"/>
+          </a:xfrm>
+          <a:prstGeom prst="rect">
+            <a:avLst/>
+          </a:prstGeom>
+        </p:spPr>
+        <p:txBody>
+          <a:bodyPr wrap="none" lIns="90000" tIns="45000" rIns="90000" bIns="45000"/>
+          <a:lstStyle/>
+          <a:p>
+            <a:r>
+              <a:rPr lang="en-US" sz="2200"/>
+              <a:t>Firefox</a:t>
+            </a:r>
+            <a:endParaRPr/>
+          </a:p>
+        </p:txBody>
+      </p:sp>
+      <p:sp>
+        <p:nvSpPr>
+          <p:cNvPr id="195" name="TextShape 8"/>
+          <p:cNvSpPr txBox="1"/>
+          <p:nvPr/>
+        </p:nvSpPr>
+        <p:spPr>
+          <a:xfrm>
+            <a:off x="345818" y="5451569"/>
+            <a:ext cx="1172880" cy="402840"/>
+          </a:xfrm>
+          <a:prstGeom prst="rect">
+            <a:avLst/>
+          </a:prstGeom>
+        </p:spPr>
+        <p:txBody>
+          <a:bodyPr wrap="none" lIns="90000" tIns="45000" rIns="90000" bIns="45000"/>
+          <a:lstStyle/>
+          <a:p>
+            <a:r>
+              <a:rPr lang="en-US" sz="2200"/>
+              <a:t>Chrome</a:t>
             </a:r>
             <a:endParaRPr/>
           </a:p>
@@ -6895,11 +7860,14 @@
       </p:sp>
     </p:spTree>
   </p:cSld>
+  <p:clrMapOvr>
+    <a:masterClrMapping/>
+  </p:clrMapOvr>
 </p:sld>
 </file>
 
 <file path=ppt/slides/slide11.xml><?xml version="1.0" encoding="utf-8"?>
-<p:sld xmlns:a="http://schemas.openxmlformats.org/drawingml/2006/main" xmlns:p="http://schemas.openxmlformats.org/presentationml/2006/main" xmlns:r="http://schemas.openxmlformats.org/officeDocument/2006/relationships">
+<p:sld xmlns:a="http://schemas.openxmlformats.org/drawingml/2006/main" xmlns:r="http://schemas.openxmlformats.org/officeDocument/2006/relationships" xmlns:p="http://schemas.openxmlformats.org/presentationml/2006/main">
   <p:cSld>
     <p:spTree>
       <p:nvGrpSpPr>
@@ -6917,13 +7885,13 @@
       </p:grpSpPr>
       <p:sp>
         <p:nvSpPr>
-          <p:cNvPr id="204" name="TextShape 1"/>
+          <p:cNvPr id="196" name="TextShape 1"/>
           <p:cNvSpPr txBox="1"/>
           <p:nvPr/>
         </p:nvSpPr>
         <p:spPr>
           <a:xfrm>
-            <a:off x="457200" y="1026360"/>
+            <a:off x="457200" y="274637"/>
             <a:ext cx="9071640" cy="1259640"/>
           </a:xfrm>
           <a:prstGeom prst="rect">
@@ -6931,181 +7899,182 @@
           </a:prstGeom>
         </p:spPr>
         <p:txBody>
-          <a:bodyPr anchor="ctr" bIns="0" lIns="0" rIns="0" tIns="0" wrap="none"/>
+          <a:bodyPr wrap="none" lIns="0" tIns="0" rIns="0" bIns="0" anchor="ctr"/>
+          <a:lstStyle/>
           <a:p>
             <a:pPr algn="ctr"/>
             <a:r>
-              <a:rPr lang="en-US" sz="3200">
+              <a:rPr lang="en-US" sz="3200" dirty="0" err="1">
                 <a:solidFill>
-                  <a:srgbClr val="eb613d"/>
+                  <a:srgbClr val="EB613D"/>
                 </a:solidFill>
               </a:rPr>
-              <a:t>Javascript Syntax Briefer (cont'd)</a:t>
-            </a:r>
-            <a:endParaRPr/>
-          </a:p>
-        </p:txBody>
-      </p:sp>
-      <p:sp>
-        <p:nvSpPr>
-          <p:cNvPr id="205" name="TextShape 2"/>
+              <a:t>Javascript</a:t>
+            </a:r>
+            <a:r>
+              <a:rPr lang="en-US" sz="3200" dirty="0">
+                <a:solidFill>
+                  <a:srgbClr val="EB613D"/>
+                </a:solidFill>
+              </a:rPr>
+              <a:t> </a:t>
+            </a:r>
+            <a:r>
+              <a:rPr lang="en-US" sz="3200" dirty="0" smtClean="0">
+                <a:solidFill>
+                  <a:srgbClr val="EB613D"/>
+                </a:solidFill>
+              </a:rPr>
+              <a:t>Resources</a:t>
+            </a:r>
+            <a:endParaRPr dirty="0"/>
+          </a:p>
+        </p:txBody>
+      </p:sp>
+      <p:sp>
+        <p:nvSpPr>
+          <p:cNvPr id="2" name="TextBox 1"/>
           <p:cNvSpPr txBox="1"/>
           <p:nvPr/>
         </p:nvSpPr>
         <p:spPr>
           <a:xfrm>
-            <a:off x="457200" y="2011680"/>
-            <a:ext cx="8961120" cy="1449720"/>
-          </a:xfrm>
-          <a:prstGeom prst="rect">
-            <a:avLst/>
-          </a:prstGeom>
-        </p:spPr>
-        <p:txBody>
-          <a:bodyPr bIns="45000" lIns="90000" rIns="90000" tIns="45000" wrap="none"/>
-          <a:p>
-            <a:r>
-              <a:rPr lang="en-US" sz="2400"/>
-              <a:t>Javascript is a weakly typed language, meaning variable types are mutable and syntax errors are sometimes forgivable</a:t>
-            </a:r>
-            <a:endParaRPr/>
-          </a:p>
-          <a:p>
-            <a:r>
-              <a:rPr lang="en-US" sz="2400"/>
-              <a:t>
-</a:t>
-            </a:r>
-            <a:r>
-              <a:rPr i="1" lang="en-US" sz="2400"/>
-              <a:t>Don't forget your semicolons!</a:t>
-            </a:r>
-            <a:endParaRPr/>
-          </a:p>
-        </p:txBody>
-      </p:sp>
-      <p:sp>
-        <p:nvSpPr>
-          <p:cNvPr id="206" name="TextShape 3"/>
-          <p:cNvSpPr txBox="1"/>
-          <p:nvPr/>
-        </p:nvSpPr>
-        <p:spPr>
-          <a:xfrm>
-            <a:off x="462960" y="3657600"/>
-            <a:ext cx="5120640" cy="3291840"/>
-          </a:xfrm>
-          <a:prstGeom prst="rect">
-            <a:avLst/>
-          </a:prstGeom>
-        </p:spPr>
-        <p:txBody>
-          <a:bodyPr bIns="45000" lIns="90000" rIns="90000" tIns="45000" wrap="none"/>
-          <a:p>
-            <a:r>
-              <a:rPr lang="en-US" sz="2800"/>
-              <a:t>Variable Declaration and Types</a:t>
-            </a:r>
-            <a:endParaRPr/>
-          </a:p>
-          <a:p>
-            <a:endParaRPr/>
-          </a:p>
-          <a:p>
-            <a:r>
-              <a:rPr lang="en-US"/>
-              <a:t>var a;</a:t>
-            </a:r>
-            <a:r>
-              <a:rPr lang="en-US"/>
-              <a:t>	</a:t>
-            </a:r>
-            <a:r>
-              <a:rPr lang="en-US"/>
-              <a:t>	</a:t>
-            </a:r>
-            <a:r>
-              <a:rPr lang="en-US"/>
-              <a:t>//undefined</a:t>
-            </a:r>
-            <a:endParaRPr/>
-          </a:p>
-          <a:p>
-            <a:r>
-              <a:rPr lang="en-US"/>
-              <a:t>var b = 5;</a:t>
-            </a:r>
-            <a:r>
-              <a:rPr lang="en-US"/>
-              <a:t>	</a:t>
-            </a:r>
-            <a:r>
-              <a:rPr lang="en-US"/>
-              <a:t>//number</a:t>
-            </a:r>
-            <a:endParaRPr/>
-          </a:p>
-          <a:p>
-            <a:r>
-              <a:rPr lang="en-US"/>
-              <a:t>var c = true;</a:t>
-            </a:r>
-            <a:r>
-              <a:rPr lang="en-US"/>
-              <a:t>	</a:t>
-            </a:r>
-            <a:r>
-              <a:rPr lang="en-US"/>
-              <a:t>//boolean</a:t>
-            </a:r>
-            <a:endParaRPr/>
-          </a:p>
-          <a:p>
-            <a:r>
-              <a:rPr lang="en-US"/>
-              <a:t>var d = “Hello!”</a:t>
-            </a:r>
-            <a:r>
-              <a:rPr lang="en-US"/>
-              <a:t>	</a:t>
-            </a:r>
-            <a:r>
-              <a:rPr lang="en-US"/>
-              <a:t>//string</a:t>
-            </a:r>
-            <a:endParaRPr/>
-          </a:p>
-          <a:p>
-            <a:endParaRPr/>
-          </a:p>
-          <a:p>
-            <a:r>
-              <a:rPr lang="en-US"/>
-              <a:t>b = d;</a:t>
-            </a:r>
-            <a:r>
-              <a:rPr lang="en-US"/>
-              <a:t>	</a:t>
-            </a:r>
-            <a:r>
-              <a:rPr lang="en-US"/>
-              <a:t>	</a:t>
-            </a:r>
-            <a:r>
-              <a:rPr lang="en-US"/>
-              <a:t>//No error! b is now a string</a:t>
-            </a:r>
-            <a:endParaRPr/>
+            <a:off x="761290" y="1798637"/>
+            <a:ext cx="8915400" cy="3108543"/>
+          </a:xfrm>
+          <a:prstGeom prst="rect">
+            <a:avLst/>
+          </a:prstGeom>
+          <a:noFill/>
+        </p:spPr>
+        <p:txBody>
+          <a:bodyPr wrap="square" rtlCol="0">
+            <a:spAutoFit/>
+          </a:bodyPr>
+          <a:lstStyle/>
+          <a:p>
+            <a:pPr marL="342900" indent="-342900">
+              <a:buFont typeface="Arial" pitchFamily="34" charset="0"/>
+              <a:buChar char="•"/>
+            </a:pPr>
+            <a:r>
+              <a:rPr lang="en-US" sz="2800" dirty="0" err="1" smtClean="0">
+                <a:hlinkClick r:id="rId2"/>
+              </a:rPr>
+              <a:t>CodeAcademy</a:t>
+            </a:r>
+            <a:r>
+              <a:rPr lang="en-US" sz="2800" dirty="0" smtClean="0">
+                <a:hlinkClick r:id="rId2"/>
+              </a:rPr>
+              <a:t> Tutorial</a:t>
+            </a:r>
+            <a:r>
+              <a:rPr lang="en-US" sz="2800" dirty="0" smtClean="0"/>
+              <a:t/>
+            </a:r>
+            <a:br>
+              <a:rPr lang="en-US" sz="2800" dirty="0" smtClean="0"/>
+            </a:br>
+            <a:endParaRPr lang="en-US" sz="2800" dirty="0" smtClean="0"/>
+          </a:p>
+          <a:p>
+            <a:pPr marL="342900" indent="-342900">
+              <a:buFont typeface="Arial" pitchFamily="34" charset="0"/>
+              <a:buChar char="•"/>
+            </a:pPr>
+            <a:r>
+              <a:rPr lang="en-US" sz="2800" dirty="0" smtClean="0">
+                <a:hlinkClick r:id="rId3"/>
+              </a:rPr>
+              <a:t>HTML Dog Tutorial</a:t>
+            </a:r>
+            <a:r>
+              <a:rPr lang="en-US" sz="2800" dirty="0" smtClean="0"/>
+              <a:t/>
+            </a:r>
+            <a:br>
+              <a:rPr lang="en-US" sz="2800" dirty="0" smtClean="0"/>
+            </a:br>
+            <a:endParaRPr lang="en-US" sz="2800" dirty="0" smtClean="0"/>
+          </a:p>
+          <a:p>
+            <a:pPr marL="342900" indent="-342900">
+              <a:buFont typeface="Arial" pitchFamily="34" charset="0"/>
+              <a:buChar char="•"/>
+            </a:pPr>
+            <a:r>
+              <a:rPr lang="da-DK" sz="2800" dirty="0" smtClean="0">
+                <a:hlinkClick r:id="rId4"/>
+              </a:rPr>
+              <a:t>General Javascript, HTML, DOM Reference</a:t>
+            </a:r>
+            <a:r>
+              <a:rPr lang="da-DK" sz="2800" dirty="0" smtClean="0"/>
+              <a:t/>
+            </a:r>
+            <a:br>
+              <a:rPr lang="da-DK" sz="2800" dirty="0" smtClean="0"/>
+            </a:br>
+            <a:endParaRPr lang="da-DK" sz="2800" dirty="0" smtClean="0"/>
+          </a:p>
+          <a:p>
+            <a:pPr marL="342900" indent="-342900">
+              <a:buFont typeface="Arial" pitchFamily="34" charset="0"/>
+              <a:buChar char="•"/>
+            </a:pPr>
+            <a:r>
+              <a:rPr lang="en-US" sz="2800" dirty="0" smtClean="0">
+                <a:hlinkClick r:id="rId5"/>
+              </a:rPr>
+              <a:t>Mozilla </a:t>
+            </a:r>
+            <a:r>
+              <a:rPr lang="en-US" sz="2800" dirty="0" err="1" smtClean="0">
+                <a:hlinkClick r:id="rId5"/>
+              </a:rPr>
+              <a:t>Javascript</a:t>
+            </a:r>
+            <a:r>
+              <a:rPr lang="en-US" sz="2800" dirty="0" smtClean="0">
+                <a:hlinkClick r:id="rId5"/>
+              </a:rPr>
+              <a:t> Reference</a:t>
+            </a:r>
+            <a:endParaRPr lang="en-US" sz="2800" dirty="0"/>
           </a:p>
         </p:txBody>
       </p:sp>
     </p:spTree>
+    <p:extLst>
+      <p:ext uri="{BB962C8B-B14F-4D97-AF65-F5344CB8AC3E}">
+        <p14:creationId xmlns:p14="http://schemas.microsoft.com/office/powerpoint/2010/main" val="2796780419"/>
+      </p:ext>
+    </p:extLst>
   </p:cSld>
+  <p:clrMapOvr>
+    <a:masterClrMapping/>
+  </p:clrMapOvr>
+  <mc:AlternateContent xmlns:mc="http://schemas.openxmlformats.org/markup-compatibility/2006" xmlns:p14="http://schemas.microsoft.com/office/powerpoint/2010/main">
+    <mc:Choice Requires="p14">
+      <p:transition spd="slow" p14:dur="2000"/>
+    </mc:Choice>
+    <mc:Fallback xmlns="">
+      <p:transition spd="slow"/>
+    </mc:Fallback>
+  </mc:AlternateContent>
+  <p:timing>
+    <p:tnLst>
+      <p:par>
+        <p:cTn id="1" dur="indefinite" restart="never" nodeType="tmRoot"/>
+      </p:par>
+    </p:tnLst>
+  </p:timing>
 </p:sld>
 </file>
 
-<file path=ppt/slides/slide12.xml><?xml version="1.0" encoding="utf-8"?>
-<p:sld xmlns:a="http://schemas.openxmlformats.org/drawingml/2006/main" xmlns:p="http://schemas.openxmlformats.org/presentationml/2006/main" xmlns:r="http://schemas.openxmlformats.org/officeDocument/2006/relationships">
+<file path=ppt/slides/slide2.xml><?xml version="1.0" encoding="utf-8"?>
+<p:sld xmlns:a="http://schemas.openxmlformats.org/drawingml/2006/main" xmlns:r="http://schemas.openxmlformats.org/officeDocument/2006/relationships" xmlns:p="http://schemas.openxmlformats.org/presentationml/2006/main">
   <p:cSld>
     <p:spTree>
       <p:nvGrpSpPr>
@@ -7123,200 +8092,78 @@
       </p:grpSpPr>
       <p:sp>
         <p:nvSpPr>
-          <p:cNvPr id="207" name="TextShape 1"/>
-          <p:cNvSpPr txBox="1"/>
+          <p:cNvPr id="161" name="CustomShape 1"/>
+          <p:cNvSpPr/>
           <p:nvPr/>
         </p:nvSpPr>
         <p:spPr>
           <a:xfrm>
-            <a:off x="457200" y="1026360"/>
-            <a:ext cx="9071640" cy="1259640"/>
-          </a:xfrm>
-          <a:prstGeom prst="rect">
-            <a:avLst/>
-          </a:prstGeom>
-        </p:spPr>
-        <p:txBody>
-          <a:bodyPr anchor="ctr" bIns="0" lIns="0" rIns="0" tIns="0" wrap="none"/>
-          <a:p>
-            <a:pPr algn="ctr"/>
+            <a:off x="1512360" y="1343880"/>
+            <a:ext cx="5711400" cy="1711440"/>
+          </a:xfrm>
+          <a:prstGeom prst="rect">
+            <a:avLst/>
+          </a:prstGeom>
+        </p:spPr>
+        <p:txBody>
+          <a:bodyPr lIns="90000" tIns="45000" rIns="90000" bIns="45000"/>
+          <a:lstStyle/>
+          <a:p>
+            <a:pPr>
+              <a:lnSpc>
+                <a:spcPct val="100000"/>
+              </a:lnSpc>
+            </a:pPr>
             <a:r>
               <a:rPr lang="en-US" sz="3200">
                 <a:solidFill>
-                  <a:srgbClr val="eb613d"/>
+                  <a:srgbClr val="F4702F"/>
                 </a:solidFill>
+                <a:latin typeface="Verdana"/>
               </a:rPr>
-              <a:t>Javascript Syntax Briefer (cont'd)</a:t>
-            </a:r>
-            <a:endParaRPr/>
-          </a:p>
-        </p:txBody>
-      </p:sp>
-      <p:sp>
-        <p:nvSpPr>
-          <p:cNvPr id="208" name="TextShape 2"/>
-          <p:cNvSpPr txBox="1"/>
+              <a:t>Introduction to Data Visualization on the Web using D3.js</a:t>
+            </a:r>
+            <a:endParaRPr/>
+          </a:p>
+        </p:txBody>
+      </p:sp>
+      <p:pic>
+        <p:nvPicPr>
+          <p:cNvPr id="162" name="Picture 2"/>
+          <p:cNvPicPr/>
           <p:nvPr/>
-        </p:nvSpPr>
-        <p:spPr>
-          <a:xfrm>
-            <a:off x="365760" y="2103120"/>
-            <a:ext cx="9321120" cy="3528000"/>
-          </a:xfrm>
-          <a:prstGeom prst="rect">
-            <a:avLst/>
-          </a:prstGeom>
-        </p:spPr>
-        <p:txBody>
-          <a:bodyPr bIns="45000" lIns="90000" rIns="90000" tIns="45000" wrap="none"/>
-          <a:p>
-            <a:r>
-              <a:rPr lang="en-US" sz="2800"/>
-              <a:t>Declaring Arrays</a:t>
-            </a:r>
-            <a:endParaRPr/>
-          </a:p>
-          <a:p>
-            <a:endParaRPr/>
-          </a:p>
-          <a:p>
-            <a:r>
-              <a:rPr lang="en-US"/>
-              <a:t>var empty = new Array(); </a:t>
-            </a:r>
-            <a:r>
-              <a:rPr lang="en-US"/>
-              <a:t>	</a:t>
-            </a:r>
-            <a:r>
-              <a:rPr lang="en-US"/>
-              <a:t>	</a:t>
-            </a:r>
-            <a:r>
-              <a:rPr lang="en-US"/>
-              <a:t>//creates an array of size 0</a:t>
-            </a:r>
-            <a:endParaRPr/>
-          </a:p>
-          <a:p>
-            <a:r>
-              <a:rPr lang="en-US"/>
-              <a:t>var empty2 = [];</a:t>
-            </a:r>
-            <a:endParaRPr/>
-          </a:p>
-          <a:p>
-            <a:endParaRPr/>
-          </a:p>
-          <a:p>
-            <a:r>
-              <a:rPr lang="en-US"/>
-              <a:t>var empty3 = new Array(5);</a:t>
-            </a:r>
-            <a:r>
-              <a:rPr lang="en-US"/>
-              <a:t>	</a:t>
-            </a:r>
-            <a:r>
-              <a:rPr lang="en-US"/>
-              <a:t>//creates an empty array of size 5 (values are undefined)</a:t>
-            </a:r>
-            <a:endParaRPr/>
-          </a:p>
-          <a:p>
-            <a:r>
-              <a:rPr lang="en-US"/>
-              <a:t>var notEmpty = [5];</a:t>
-            </a:r>
-            <a:r>
-              <a:rPr lang="en-US"/>
-              <a:t>	</a:t>
-            </a:r>
-            <a:r>
-              <a:rPr lang="en-US"/>
-              <a:t>	</a:t>
-            </a:r>
-            <a:r>
-              <a:rPr lang="en-US"/>
-              <a:t>	</a:t>
-            </a:r>
-            <a:r>
-              <a:rPr lang="en-US"/>
-              <a:t>//creates an array of size 1 with a value of 5</a:t>
-            </a:r>
-            <a:endParaRPr/>
-          </a:p>
-          <a:p>
-            <a:endParaRPr/>
-          </a:p>
-          <a:p>
-            <a:r>
-              <a:rPr lang="en-US"/>
-              <a:t>var notEmpty2 = [1, 2, 3, 4, 5];</a:t>
-            </a:r>
-            <a:r>
-              <a:rPr lang="en-US"/>
-              <a:t>	</a:t>
-            </a:r>
-            <a:r>
-              <a:rPr lang="en-US"/>
-              <a:t>//array of size 5 with initialized values</a:t>
-            </a:r>
-            <a:endParaRPr/>
-          </a:p>
-          <a:p>
-            <a:endParaRPr/>
-          </a:p>
-          <a:p>
-            <a:r>
-              <a:rPr lang="en-US"/>
-              <a:t>console.log(notEmpty[0]);</a:t>
-            </a:r>
-            <a:r>
-              <a:rPr lang="en-US"/>
-              <a:t>	</a:t>
-            </a:r>
-            <a:r>
-              <a:rPr lang="en-US"/>
-              <a:t>	</a:t>
-            </a:r>
-            <a:r>
-              <a:rPr lang="en-US"/>
-              <a:t>//5</a:t>
-            </a:r>
-            <a:endParaRPr/>
-          </a:p>
-          <a:p>
-            <a:r>
-              <a:rPr lang="en-US"/>
-              <a:t>console.log(notEmpty2[3]);</a:t>
-            </a:r>
-            <a:r>
-              <a:rPr lang="en-US"/>
-              <a:t>	</a:t>
-            </a:r>
-            <a:r>
-              <a:rPr lang="en-US"/>
-              <a:t>	</a:t>
-            </a:r>
-            <a:r>
-              <a:rPr lang="en-US"/>
-              <a:t>//4</a:t>
-            </a:r>
-            <a:endParaRPr/>
-          </a:p>
-          <a:p>
-            <a:endParaRPr/>
-          </a:p>
-        </p:txBody>
-      </p:sp>
+        </p:nvPicPr>
+        <p:blipFill>
+          <a:blip r:embed="rId2"/>
+          <a:stretch>
+            <a:fillRect/>
+          </a:stretch>
+        </p:blipFill>
+        <p:spPr>
+          <a:xfrm>
+            <a:off x="83880" y="3123360"/>
+            <a:ext cx="9911880" cy="2084040"/>
+          </a:xfrm>
+          <a:prstGeom prst="rect">
+            <a:avLst/>
+          </a:prstGeom>
+        </p:spPr>
+      </p:pic>
     </p:spTree>
+    <p:extLst>
+      <p:ext uri="{BB962C8B-B14F-4D97-AF65-F5344CB8AC3E}">
+        <p14:creationId xmlns:p14="http://schemas.microsoft.com/office/powerpoint/2010/main" val="282111013"/>
+      </p:ext>
+    </p:extLst>
   </p:cSld>
+  <p:clrMapOvr>
+    <a:masterClrMapping/>
+  </p:clrMapOvr>
 </p:sld>
 </file>
 
-<file path=ppt/slides/slide13.xml><?xml version="1.0" encoding="utf-8"?>
-<p:sld xmlns:a="http://schemas.openxmlformats.org/drawingml/2006/main" xmlns:p="http://schemas.openxmlformats.org/presentationml/2006/main" xmlns:r="http://schemas.openxmlformats.org/officeDocument/2006/relationships">
+<file path=ppt/slides/slide3.xml><?xml version="1.0" encoding="utf-8"?>
+<p:sld xmlns:a="http://schemas.openxmlformats.org/drawingml/2006/main" xmlns:r="http://schemas.openxmlformats.org/officeDocument/2006/relationships" xmlns:p="http://schemas.openxmlformats.org/presentationml/2006/main">
   <p:cSld>
     <p:spTree>
       <p:nvGrpSpPr>
@@ -7334,13 +8181,13 @@
       </p:grpSpPr>
       <p:sp>
         <p:nvSpPr>
-          <p:cNvPr id="209" name="TextShape 1"/>
+          <p:cNvPr id="163" name="TextShape 1"/>
           <p:cNvSpPr txBox="1"/>
           <p:nvPr/>
         </p:nvSpPr>
         <p:spPr>
           <a:xfrm>
-            <a:off x="457200" y="1026360"/>
+            <a:off x="504000" y="504000"/>
             <a:ext cx="9071640" cy="1259640"/>
           </a:xfrm>
           <a:prstGeom prst="rect">
@@ -7348,202 +8195,138 @@
           </a:prstGeom>
         </p:spPr>
         <p:txBody>
-          <a:bodyPr anchor="ctr" bIns="0" lIns="0" rIns="0" tIns="0" wrap="none"/>
-          <a:p>
-            <a:pPr algn="ctr"/>
-            <a:r>
-              <a:rPr lang="en-US" sz="3200">
+          <a:bodyPr anchor="ctr"/>
+          <a:lstStyle/>
+          <a:p>
+            <a:pPr algn="ctr">
+              <a:lnSpc>
+                <a:spcPct val="100000"/>
+              </a:lnSpc>
+            </a:pPr>
+            <a:r>
+              <a:rPr lang="en-US" sz="4400" dirty="0" smtClean="0">
                 <a:solidFill>
-                  <a:srgbClr val="eb613d"/>
+                  <a:srgbClr val="000000"/>
                 </a:solidFill>
+                <a:latin typeface="Arial"/>
               </a:rPr>
-              <a:t>Javascript Syntax Briefer (cont'd)</a:t>
-            </a:r>
-            <a:endParaRPr/>
-          </a:p>
-        </p:txBody>
-      </p:sp>
-      <p:sp>
-        <p:nvSpPr>
-          <p:cNvPr id="210" name="TextShape 2"/>
+              <a:t>Building Blocks</a:t>
+            </a:r>
+            <a:endParaRPr dirty="0"/>
+          </a:p>
+        </p:txBody>
+      </p:sp>
+      <p:sp>
+        <p:nvSpPr>
+          <p:cNvPr id="164" name="TextShape 2"/>
           <p:cNvSpPr txBox="1"/>
           <p:nvPr/>
         </p:nvSpPr>
         <p:spPr>
           <a:xfrm>
-            <a:off x="365760" y="2103120"/>
-            <a:ext cx="6529320" cy="3528000"/>
-          </a:xfrm>
-          <a:prstGeom prst="rect">
-            <a:avLst/>
-          </a:prstGeom>
-        </p:spPr>
-        <p:txBody>
-          <a:bodyPr bIns="45000" lIns="90000" rIns="90000" tIns="45000" wrap="none"/>
-          <a:p>
-            <a:r>
-              <a:rPr lang="en-US" sz="2800"/>
-              <a:t>Declaring Objects</a:t>
-            </a:r>
-            <a:endParaRPr/>
-          </a:p>
-          <a:p>
-            <a:endParaRPr/>
-          </a:p>
-          <a:p>
-            <a:r>
-              <a:rPr lang="en-US"/>
-              <a:t>var empty = {}; </a:t>
-            </a:r>
-            <a:r>
-              <a:rPr lang="en-US"/>
-              <a:t>	</a:t>
-            </a:r>
-            <a:r>
-              <a:rPr lang="en-US"/>
-              <a:t>	</a:t>
-            </a:r>
-            <a:r>
-              <a:rPr lang="en-US"/>
-              <a:t>	</a:t>
-            </a:r>
-            <a:r>
-              <a:rPr lang="en-US"/>
-              <a:t>	</a:t>
-            </a:r>
-            <a:r>
-              <a:rPr lang="en-US"/>
-              <a:t>//creates a new empty object</a:t>
-            </a:r>
-            <a:endParaRPr/>
-          </a:p>
-          <a:p>
-            <a:r>
-              <a:rPr lang="en-US"/>
-              <a:t>var empty2 = new Object();</a:t>
-            </a:r>
-            <a:r>
-              <a:rPr lang="en-US"/>
-              <a:t>	</a:t>
-            </a:r>
-            <a:r>
-              <a:rPr lang="en-US"/>
-              <a:t>//same as above</a:t>
-            </a:r>
-            <a:endParaRPr/>
-          </a:p>
-          <a:p>
-            <a:endParaRPr/>
-          </a:p>
-          <a:p>
-            <a:r>
-              <a:rPr lang="en-US"/>
-              <a:t>Var car = {};</a:t>
-            </a:r>
-            <a:endParaRPr/>
-          </a:p>
-          <a:p>
-            <a:r>
-              <a:rPr lang="en-US"/>
-              <a:t>car.make = “Nissan”;</a:t>
-            </a:r>
-            <a:r>
-              <a:rPr lang="en-US"/>
-              <a:t>	</a:t>
-            </a:r>
-            <a:r>
-              <a:rPr lang="en-US"/>
-              <a:t>	</a:t>
-            </a:r>
-            <a:r>
-              <a:rPr lang="en-US"/>
-              <a:t>	</a:t>
-            </a:r>
-            <a:r>
-              <a:rPr lang="en-US"/>
-              <a:t>//adding attributes</a:t>
-            </a:r>
-            <a:endParaRPr/>
-          </a:p>
-          <a:p>
-            <a:r>
-              <a:rPr lang="en-US"/>
-              <a:t>car.model = “Maxima;</a:t>
-            </a:r>
-            <a:endParaRPr/>
-          </a:p>
-          <a:p>
-            <a:r>
-              <a:rPr lang="en-US"/>
-              <a:t>car.year = “1998”;</a:t>
-            </a:r>
-            <a:endParaRPr/>
-          </a:p>
-          <a:p>
-            <a:endParaRPr/>
-          </a:p>
-          <a:p>
-            <a:r>
-              <a:rPr lang="en-US"/>
-              <a:t>Var car = {</a:t>
-            </a:r>
-            <a:r>
-              <a:rPr lang="en-US"/>
-              <a:t>	</a:t>
-            </a:r>
-            <a:r>
-              <a:rPr lang="en-US"/>
-              <a:t>make: “Nissan”,</a:t>
-            </a:r>
-            <a:endParaRPr/>
-          </a:p>
-          <a:p>
-            <a:r>
-              <a:rPr lang="en-US"/>
-              <a:t>	</a:t>
-            </a:r>
-            <a:r>
-              <a:rPr lang="en-US"/>
-              <a:t>	</a:t>
-            </a:r>
-            <a:r>
-              <a:rPr lang="en-US"/>
-              <a:t>	</a:t>
-            </a:r>
-            <a:r>
-              <a:rPr lang="en-US"/>
-              <a:t>model: “Maxima”,</a:t>
-            </a:r>
-            <a:endParaRPr/>
-          </a:p>
-          <a:p>
-            <a:r>
-              <a:rPr lang="en-US"/>
-              <a:t>	</a:t>
-            </a:r>
-            <a:r>
-              <a:rPr lang="en-US"/>
-              <a:t>	</a:t>
-            </a:r>
-            <a:r>
-              <a:rPr lang="en-US"/>
-              <a:t>	</a:t>
-            </a:r>
-            <a:r>
-              <a:rPr lang="en-US"/>
-              <a:t>year: “1998”};</a:t>
-            </a:r>
-            <a:endParaRPr/>
-          </a:p>
-        </p:txBody>
-      </p:sp>
+            <a:off x="504000" y="1764000"/>
+            <a:ext cx="4451400" cy="4988880"/>
+          </a:xfrm>
+          <a:prstGeom prst="rect">
+            <a:avLst/>
+          </a:prstGeom>
+        </p:spPr>
+        <p:txBody>
+          <a:bodyPr/>
+          <a:lstStyle/>
+          <a:p>
+            <a:pPr>
+              <a:lnSpc>
+                <a:spcPct val="100000"/>
+              </a:lnSpc>
+              <a:buFont typeface="StarSymbol"/>
+              <a:buChar char=""/>
+            </a:pPr>
+            <a:r>
+              <a:rPr lang="en-US" sz="2800" dirty="0" smtClean="0">
+                <a:solidFill>
+                  <a:srgbClr val="000000"/>
+                </a:solidFill>
+                <a:latin typeface="Arial"/>
+              </a:rPr>
+              <a:t>Familiarity </a:t>
+            </a:r>
+            <a:r>
+              <a:rPr lang="en-US" sz="2800" dirty="0">
+                <a:solidFill>
+                  <a:srgbClr val="000000"/>
+                </a:solidFill>
+                <a:latin typeface="Arial"/>
+              </a:rPr>
+              <a:t>with HTML, the DOM, and CSS</a:t>
+            </a:r>
+            <a:endParaRPr dirty="0"/>
+          </a:p>
+          <a:p>
+            <a:pPr>
+              <a:lnSpc>
+                <a:spcPct val="100000"/>
+              </a:lnSpc>
+            </a:pPr>
+            <a:endParaRPr dirty="0"/>
+          </a:p>
+        </p:txBody>
+      </p:sp>
+      <p:sp>
+        <p:nvSpPr>
+          <p:cNvPr id="165" name="TextShape 3"/>
+          <p:cNvSpPr txBox="1"/>
+          <p:nvPr/>
+        </p:nvSpPr>
+        <p:spPr>
+          <a:xfrm>
+            <a:off x="5123880" y="1764000"/>
+            <a:ext cx="4451400" cy="4988880"/>
+          </a:xfrm>
+          <a:prstGeom prst="rect">
+            <a:avLst/>
+          </a:prstGeom>
+        </p:spPr>
+        <p:txBody>
+          <a:bodyPr/>
+          <a:lstStyle/>
+          <a:p>
+            <a:endParaRPr/>
+          </a:p>
+        </p:txBody>
+      </p:sp>
+      <p:pic>
+        <p:nvPicPr>
+          <p:cNvPr id="166" name="Picture 2"/>
+          <p:cNvPicPr/>
+          <p:nvPr/>
+        </p:nvPicPr>
+        <p:blipFill>
+          <a:blip r:embed="rId2"/>
+          <a:stretch>
+            <a:fillRect/>
+          </a:stretch>
+        </p:blipFill>
+        <p:spPr>
+          <a:xfrm>
+            <a:off x="3359880" y="2351880"/>
+            <a:ext cx="6299640" cy="4031640"/>
+          </a:xfrm>
+          <a:prstGeom prst="rect">
+            <a:avLst/>
+          </a:prstGeom>
+        </p:spPr>
+      </p:pic>
     </p:spTree>
   </p:cSld>
+  <p:clrMapOvr>
+    <a:masterClrMapping/>
+  </p:clrMapOvr>
 </p:sld>
 </file>
 
-<file path=ppt/slides/slide2.xml><?xml version="1.0" encoding="utf-8"?>
-<p:sld xmlns:a="http://schemas.openxmlformats.org/drawingml/2006/main" xmlns:p="http://schemas.openxmlformats.org/presentationml/2006/main" xmlns:r="http://schemas.openxmlformats.org/officeDocument/2006/relationships">
+<file path=ppt/slides/slide4.xml><?xml version="1.0" encoding="utf-8"?>
+<p:sld xmlns:a="http://schemas.openxmlformats.org/drawingml/2006/main" xmlns:r="http://schemas.openxmlformats.org/officeDocument/2006/relationships" xmlns:p="http://schemas.openxmlformats.org/presentationml/2006/main">
   <p:cSld>
     <p:spTree>
       <p:nvGrpSpPr>
@@ -7561,7 +8344,7 @@
       </p:grpSpPr>
       <p:sp>
         <p:nvSpPr>
-          <p:cNvPr id="163" name="TextShape 1"/>
+          <p:cNvPr id="167" name="TextShape 1"/>
           <p:cNvSpPr txBox="1"/>
           <p:nvPr/>
         </p:nvSpPr>
@@ -7576,6 +8359,7 @@
         </p:spPr>
         <p:txBody>
           <a:bodyPr anchor="ctr"/>
+          <a:lstStyle/>
           <a:p>
             <a:pPr algn="ctr">
               <a:lnSpc>
@@ -7583,21 +8367,21 @@
               </a:lnSpc>
             </a:pPr>
             <a:r>
-              <a:rPr lang="en-US" sz="4400">
+              <a:rPr lang="en-US" sz="4400" dirty="0" smtClean="0">
                 <a:solidFill>
                   <a:srgbClr val="000000"/>
                 </a:solidFill>
                 <a:latin typeface="Arial"/>
               </a:rPr>
-              <a:t>Assumption #1</a:t>
-            </a:r>
-            <a:endParaRPr/>
-          </a:p>
-        </p:txBody>
-      </p:sp>
-      <p:sp>
-        <p:nvSpPr>
-          <p:cNvPr id="164" name="TextShape 2"/>
+              <a:t>Building Blocks (cont’d)</a:t>
+            </a:r>
+            <a:endParaRPr dirty="0"/>
+          </a:p>
+        </p:txBody>
+      </p:sp>
+      <p:sp>
+        <p:nvSpPr>
+          <p:cNvPr id="168" name="TextShape 2"/>
           <p:cNvSpPr txBox="1"/>
           <p:nvPr/>
         </p:nvSpPr>
@@ -7612,6 +8396,7 @@
         </p:spPr>
         <p:txBody>
           <a:bodyPr/>
+          <a:lstStyle/>
           <a:p>
             <a:pPr>
               <a:lnSpc>
@@ -7621,15 +8406,34 @@
               <a:buChar char=""/>
             </a:pPr>
             <a:r>
-              <a:rPr lang="en-US" sz="2800">
+              <a:rPr lang="en-US" sz="2800" dirty="0">
+                <a:solidFill>
+                  <a:srgbClr val="BFBFBF"/>
+                </a:solidFill>
+                <a:latin typeface="Arial"/>
+              </a:rPr>
+              <a:t>Familiar with HTML, the DOM, and CSS</a:t>
+            </a:r>
+            <a:endParaRPr dirty="0"/>
+          </a:p>
+          <a:p>
+            <a:pPr>
+              <a:lnSpc>
+                <a:spcPct val="100000"/>
+              </a:lnSpc>
+              <a:buFont typeface="StarSymbol"/>
+              <a:buChar char=""/>
+            </a:pPr>
+            <a:r>
+              <a:rPr lang="en-US" sz="2800" dirty="0" smtClean="0">
                 <a:solidFill>
                   <a:srgbClr val="000000"/>
                 </a:solidFill>
                 <a:latin typeface="Arial"/>
               </a:rPr>
-              <a:t>Familiar with HTML, the DOM, and CSS</a:t>
-            </a:r>
-            <a:endParaRPr/>
+              <a:t>Minor Programming Experience</a:t>
+            </a:r>
+            <a:endParaRPr dirty="0"/>
           </a:p>
           <a:p>
             <a:pPr>
@@ -7637,13 +8441,13 @@
                 <a:spcPct val="100000"/>
               </a:lnSpc>
             </a:pPr>
-            <a:endParaRPr/>
-          </a:p>
-        </p:txBody>
-      </p:sp>
-      <p:sp>
-        <p:nvSpPr>
-          <p:cNvPr id="165" name="TextShape 3"/>
+            <a:endParaRPr dirty="0"/>
+          </a:p>
+        </p:txBody>
+      </p:sp>
+      <p:sp>
+        <p:nvSpPr>
+          <p:cNvPr id="169" name="TextShape 3"/>
           <p:cNvSpPr txBox="1"/>
           <p:nvPr/>
         </p:nvSpPr>
@@ -7658,40 +8462,180 @@
         </p:spPr>
         <p:txBody>
           <a:bodyPr/>
-          <a:p>
-            <a:endParaRPr/>
-          </a:p>
-        </p:txBody>
-      </p:sp>
-      <p:pic>
-        <p:nvPicPr>
-          <p:cNvPr descr="" id="166" name="Picture 2"/>
-          <p:cNvPicPr/>
-          <p:nvPr/>
-        </p:nvPicPr>
-        <p:blipFill>
-          <a:blip r:embed="rId1"/>
-          <a:stretch>
-            <a:fillRect/>
-          </a:stretch>
-        </p:blipFill>
-        <p:spPr>
-          <a:xfrm>
-            <a:off x="3359880" y="2351880"/>
-            <a:ext cx="6299640" cy="4031640"/>
-          </a:xfrm>
-          <a:prstGeom prst="rect">
-            <a:avLst/>
-          </a:prstGeom>
-        </p:spPr>
-      </p:pic>
+          <a:lstStyle/>
+          <a:p>
+            <a:pPr>
+              <a:lnSpc>
+                <a:spcPct val="100000"/>
+              </a:lnSpc>
+            </a:pPr>
+            <a:r>
+              <a:rPr lang="en-US">
+                <a:solidFill>
+                  <a:srgbClr val="000000"/>
+                </a:solidFill>
+                <a:latin typeface="Courier10 BT"/>
+              </a:rPr>
+              <a:t>&lt;html&gt;</a:t>
+            </a:r>
+            <a:endParaRPr/>
+          </a:p>
+          <a:p>
+            <a:pPr>
+              <a:lnSpc>
+                <a:spcPct val="100000"/>
+              </a:lnSpc>
+            </a:pPr>
+            <a:r>
+              <a:rPr lang="en-US">
+                <a:solidFill>
+                  <a:srgbClr val="000000"/>
+                </a:solidFill>
+                <a:latin typeface="Courier10 BT"/>
+              </a:rPr>
+              <a:t>    &lt;head&gt;</a:t>
+            </a:r>
+            <a:endParaRPr/>
+          </a:p>
+          <a:p>
+            <a:pPr>
+              <a:lnSpc>
+                <a:spcPct val="100000"/>
+              </a:lnSpc>
+            </a:pPr>
+            <a:r>
+              <a:rPr lang="en-US">
+                <a:solidFill>
+                  <a:srgbClr val="000000"/>
+                </a:solidFill>
+                <a:latin typeface="Courier10 BT"/>
+              </a:rPr>
+              <a:t>	&lt;title&gt;My title&lt;/title&gt;</a:t>
+            </a:r>
+            <a:endParaRPr/>
+          </a:p>
+          <a:p>
+            <a:pPr>
+              <a:lnSpc>
+                <a:spcPct val="100000"/>
+              </a:lnSpc>
+            </a:pPr>
+            <a:r>
+              <a:rPr lang="en-US">
+                <a:solidFill>
+                  <a:srgbClr val="000000"/>
+                </a:solidFill>
+                <a:latin typeface="Courier10 BT"/>
+              </a:rPr>
+              <a:t>    &lt;/head&gt;</a:t>
+            </a:r>
+            <a:endParaRPr/>
+          </a:p>
+          <a:p>
+            <a:pPr>
+              <a:lnSpc>
+                <a:spcPct val="100000"/>
+              </a:lnSpc>
+            </a:pPr>
+            <a:r>
+              <a:rPr lang="en-US">
+                <a:solidFill>
+                  <a:srgbClr val="000000"/>
+                </a:solidFill>
+                <a:latin typeface="Courier10 BT"/>
+              </a:rPr>
+              <a:t>    &lt;body&gt;</a:t>
+            </a:r>
+            <a:endParaRPr/>
+          </a:p>
+          <a:p>
+            <a:pPr>
+              <a:lnSpc>
+                <a:spcPct val="100000"/>
+              </a:lnSpc>
+            </a:pPr>
+            <a:r>
+              <a:rPr lang="en-US">
+                <a:solidFill>
+                  <a:srgbClr val="000000"/>
+                </a:solidFill>
+                <a:latin typeface="Courier10 BT"/>
+              </a:rPr>
+              <a:t>        &lt;h1&gt;My header&lt;/h1&gt;</a:t>
+            </a:r>
+            <a:endParaRPr/>
+          </a:p>
+          <a:p>
+            <a:pPr>
+              <a:lnSpc>
+                <a:spcPct val="100000"/>
+              </a:lnSpc>
+            </a:pPr>
+            <a:r>
+              <a:rPr lang="en-US">
+                <a:solidFill>
+                  <a:srgbClr val="000000"/>
+                </a:solidFill>
+                <a:latin typeface="Courier10 BT"/>
+              </a:rPr>
+              <a:t>        &lt;p&gt;Hello World!&lt;/p&gt;</a:t>
+            </a:r>
+            <a:endParaRPr/>
+          </a:p>
+          <a:p>
+            <a:pPr>
+              <a:lnSpc>
+                <a:spcPct val="100000"/>
+              </a:lnSpc>
+            </a:pPr>
+            <a:r>
+              <a:rPr lang="en-US">
+                <a:solidFill>
+                  <a:srgbClr val="000000"/>
+                </a:solidFill>
+                <a:latin typeface="Courier10 BT"/>
+              </a:rPr>
+              <a:t>    &lt;/body&gt;</a:t>
+            </a:r>
+            <a:endParaRPr/>
+          </a:p>
+          <a:p>
+            <a:pPr>
+              <a:lnSpc>
+                <a:spcPct val="100000"/>
+              </a:lnSpc>
+            </a:pPr>
+            <a:r>
+              <a:rPr lang="en-US">
+                <a:solidFill>
+                  <a:srgbClr val="000000"/>
+                </a:solidFill>
+                <a:latin typeface="Courier10 BT"/>
+              </a:rPr>
+              <a:t>&lt;/html&gt;</a:t>
+            </a:r>
+            <a:endParaRPr/>
+          </a:p>
+          <a:p>
+            <a:pPr>
+              <a:lnSpc>
+                <a:spcPct val="100000"/>
+              </a:lnSpc>
+            </a:pPr>
+            <a:endParaRPr/>
+          </a:p>
+        </p:txBody>
+      </p:sp>
     </p:spTree>
   </p:cSld>
+  <p:clrMapOvr>
+    <a:masterClrMapping/>
+  </p:clrMapOvr>
 </p:sld>
 </file>
 
-<file path=ppt/slides/slide3.xml><?xml version="1.0" encoding="utf-8"?>
-<p:sld xmlns:a="http://schemas.openxmlformats.org/drawingml/2006/main" xmlns:p="http://schemas.openxmlformats.org/presentationml/2006/main" xmlns:r="http://schemas.openxmlformats.org/officeDocument/2006/relationships">
+<file path=ppt/slides/slide5.xml><?xml version="1.0" encoding="utf-8"?>
+<p:sld xmlns:a="http://schemas.openxmlformats.org/drawingml/2006/main" xmlns:r="http://schemas.openxmlformats.org/officeDocument/2006/relationships" xmlns:p="http://schemas.openxmlformats.org/presentationml/2006/main">
   <p:cSld>
     <p:spTree>
       <p:nvGrpSpPr>
@@ -7709,7 +8653,7 @@
       </p:grpSpPr>
       <p:sp>
         <p:nvSpPr>
-          <p:cNvPr id="167" name="TextShape 1"/>
+          <p:cNvPr id="170" name="TextShape 1"/>
           <p:cNvSpPr txBox="1"/>
           <p:nvPr/>
         </p:nvSpPr>
@@ -7724,6 +8668,7 @@
         </p:spPr>
         <p:txBody>
           <a:bodyPr anchor="ctr"/>
+          <a:lstStyle/>
           <a:p>
             <a:pPr algn="ctr">
               <a:lnSpc>
@@ -7731,21 +8676,21 @@
               </a:lnSpc>
             </a:pPr>
             <a:r>
-              <a:rPr lang="en-US" sz="4400">
+              <a:rPr lang="en-US" sz="4400" dirty="0" smtClean="0">
                 <a:solidFill>
                   <a:srgbClr val="000000"/>
                 </a:solidFill>
                 <a:latin typeface="Arial"/>
               </a:rPr>
-              <a:t>Assumption #2</a:t>
-            </a:r>
-            <a:endParaRPr/>
-          </a:p>
-        </p:txBody>
-      </p:sp>
-      <p:sp>
-        <p:nvSpPr>
-          <p:cNvPr id="168" name="TextShape 2"/>
+              <a:t>Building Blocks (cont’d)</a:t>
+            </a:r>
+            <a:endParaRPr dirty="0"/>
+          </a:p>
+        </p:txBody>
+      </p:sp>
+      <p:sp>
+        <p:nvSpPr>
+          <p:cNvPr id="171" name="TextShape 2"/>
           <p:cNvSpPr txBox="1"/>
           <p:nvPr/>
         </p:nvSpPr>
@@ -7760,6 +8705,7 @@
         </p:spPr>
         <p:txBody>
           <a:bodyPr/>
+          <a:lstStyle/>
           <a:p>
             <a:pPr>
               <a:lnSpc>
@@ -7769,15 +8715,15 @@
               <a:buChar char=""/>
             </a:pPr>
             <a:r>
-              <a:rPr lang="en-US" sz="2800">
+              <a:rPr lang="en-US" sz="2800" dirty="0">
                 <a:solidFill>
-                  <a:srgbClr val="bfbfbf"/>
+                  <a:srgbClr val="BFBFBF"/>
                 </a:solidFill>
                 <a:latin typeface="Arial"/>
               </a:rPr>
               <a:t>Familiar with HTML, the DOM, and CSS</a:t>
             </a:r>
-            <a:endParaRPr/>
+            <a:endParaRPr dirty="0"/>
           </a:p>
           <a:p>
             <a:pPr>
@@ -7788,15 +8734,52 @@
               <a:buChar char=""/>
             </a:pPr>
             <a:r>
-              <a:rPr lang="en-US" sz="2800">
+              <a:rPr lang="en-US" sz="2800" dirty="0">
+                <a:solidFill>
+                  <a:srgbClr val="BFBFBF"/>
+                </a:solidFill>
+                <a:latin typeface="Arial"/>
+              </a:rPr>
+              <a:t>Have a little programming experience already</a:t>
+            </a:r>
+            <a:endParaRPr dirty="0"/>
+          </a:p>
+          <a:p>
+            <a:pPr>
+              <a:lnSpc>
+                <a:spcPct val="100000"/>
+              </a:lnSpc>
+              <a:buFont typeface="StarSymbol"/>
+              <a:buChar char=""/>
+            </a:pPr>
+            <a:r>
+              <a:rPr lang="en-US" sz="2800" dirty="0">
                 <a:solidFill>
                   <a:srgbClr val="000000"/>
                 </a:solidFill>
                 <a:latin typeface="Arial"/>
               </a:rPr>
-              <a:t>Have a little programming experience already</a:t>
-            </a:r>
-            <a:endParaRPr/>
+              <a:t>Have </a:t>
+            </a:r>
+            <a:r>
+              <a:rPr lang="en-US" sz="2800" dirty="0" smtClean="0">
+                <a:solidFill>
+                  <a:srgbClr val="000000"/>
+                </a:solidFill>
+                <a:latin typeface="Arial"/>
+              </a:rPr>
+              <a:t>written in </a:t>
+            </a:r>
+            <a:r>
+              <a:rPr lang="en-US" sz="2800" dirty="0">
+                <a:solidFill>
+                  <a:srgbClr val="000000"/>
+                </a:solidFill>
+                <a:latin typeface="Arial"/>
+              </a:rPr>
+              <a:t>JavaScript before</a:t>
+            </a:r>
+            <a:endParaRPr dirty="0"/>
           </a:p>
           <a:p>
             <a:pPr>
@@ -7804,20 +8787,20 @@
                 <a:spcPct val="100000"/>
               </a:lnSpc>
             </a:pPr>
-            <a:endParaRPr/>
-          </a:p>
-        </p:txBody>
-      </p:sp>
-      <p:sp>
-        <p:nvSpPr>
-          <p:cNvPr id="169" name="TextShape 3"/>
+            <a:endParaRPr dirty="0"/>
+          </a:p>
+        </p:txBody>
+      </p:sp>
+      <p:sp>
+        <p:nvSpPr>
+          <p:cNvPr id="172" name="TextShape 3"/>
           <p:cNvSpPr txBox="1"/>
           <p:nvPr/>
         </p:nvSpPr>
         <p:spPr>
           <a:xfrm>
             <a:off x="5123880" y="1764000"/>
-            <a:ext cx="4451400" cy="4988880"/>
+            <a:ext cx="4451400" cy="4485600"/>
           </a:xfrm>
           <a:prstGeom prst="rect">
             <a:avLst/>
@@ -7825,6 +8808,7 @@
         </p:spPr>
         <p:txBody>
           <a:bodyPr/>
+          <a:lstStyle/>
           <a:p>
             <a:pPr>
               <a:lnSpc>
@@ -7832,13 +8816,13 @@
               </a:lnSpc>
             </a:pPr>
             <a:r>
-              <a:rPr lang="en-US">
+              <a:rPr lang="en-US" sz="2000">
                 <a:solidFill>
                   <a:srgbClr val="000000"/>
                 </a:solidFill>
                 <a:latin typeface="Courier10 BT"/>
               </a:rPr>
-              <a:t>&lt;html&gt;</a:t>
+              <a:t>&lt;script </a:t>
             </a:r>
             <a:endParaRPr/>
           </a:p>
@@ -7849,215 +8833,45 @@
               </a:lnSpc>
             </a:pPr>
             <a:r>
-              <a:rPr lang="en-US">
+              <a:rPr lang="en-US" sz="2000">
                 <a:solidFill>
                   <a:srgbClr val="000000"/>
                 </a:solidFill>
                 <a:latin typeface="Courier10 BT"/>
               </a:rPr>
-              <a:t>    </a:t>
-            </a:r>
-            <a:r>
-              <a:rPr lang="en-US">
+              <a:t>type="text/javascript"&gt;</a:t>
+            </a:r>
+            <a:endParaRPr/>
+          </a:p>
+          <a:p>
+            <a:pPr>
+              <a:lnSpc>
+                <a:spcPct val="100000"/>
+              </a:lnSpc>
+            </a:pPr>
+            <a:r>
+              <a:rPr lang="en-US" sz="2000">
                 <a:solidFill>
                   <a:srgbClr val="000000"/>
                 </a:solidFill>
                 <a:latin typeface="Courier10 BT"/>
               </a:rPr>
-              <a:t>&lt;head&gt;</a:t>
-            </a:r>
-            <a:endParaRPr/>
-          </a:p>
-          <a:p>
-            <a:pPr>
-              <a:lnSpc>
-                <a:spcPct val="100000"/>
-              </a:lnSpc>
-            </a:pPr>
-            <a:r>
-              <a:rPr lang="en-US">
-                <a:solidFill>
-                  <a:srgbClr val="000000"/>
-                </a:solidFill>
-                <a:latin typeface="Courier10 BT"/>
-              </a:rPr>
-              <a:t>	</a:t>
-            </a:r>
-            <a:r>
-              <a:rPr lang="en-US">
-                <a:solidFill>
-                  <a:srgbClr val="000000"/>
-                </a:solidFill>
-                <a:latin typeface="Courier10 BT"/>
-              </a:rPr>
-              <a:t>&lt;title&gt;My title&lt;/title&gt;</a:t>
-            </a:r>
-            <a:endParaRPr/>
-          </a:p>
-          <a:p>
-            <a:pPr>
-              <a:lnSpc>
-                <a:spcPct val="100000"/>
-              </a:lnSpc>
-            </a:pPr>
-            <a:r>
-              <a:rPr lang="en-US">
-                <a:solidFill>
-                  <a:srgbClr val="000000"/>
-                </a:solidFill>
-                <a:latin typeface="Courier10 BT"/>
-              </a:rPr>
-              <a:t>    </a:t>
-            </a:r>
-            <a:r>
-              <a:rPr lang="en-US">
-                <a:solidFill>
-                  <a:srgbClr val="000000"/>
-                </a:solidFill>
-                <a:latin typeface="Courier10 BT"/>
-              </a:rPr>
-              <a:t>&lt;/head&gt;</a:t>
-            </a:r>
-            <a:endParaRPr/>
-          </a:p>
-          <a:p>
-            <a:pPr>
-              <a:lnSpc>
-                <a:spcPct val="100000"/>
-              </a:lnSpc>
-            </a:pPr>
-            <a:r>
-              <a:rPr lang="en-US">
-                <a:solidFill>
-                  <a:srgbClr val="000000"/>
-                </a:solidFill>
-                <a:latin typeface="Courier10 BT"/>
-              </a:rPr>
-              <a:t>    </a:t>
-            </a:r>
-            <a:r>
-              <a:rPr lang="en-US">
-                <a:solidFill>
-                  <a:srgbClr val="000000"/>
-                </a:solidFill>
-                <a:latin typeface="Courier10 BT"/>
-              </a:rPr>
-              <a:t>&lt;body&gt;</a:t>
-            </a:r>
-            <a:endParaRPr/>
-          </a:p>
-          <a:p>
-            <a:pPr>
-              <a:lnSpc>
-                <a:spcPct val="100000"/>
-              </a:lnSpc>
-            </a:pPr>
-            <a:r>
-              <a:rPr lang="en-US">
-                <a:solidFill>
-                  <a:srgbClr val="000000"/>
-                </a:solidFill>
-                <a:latin typeface="Courier10 BT"/>
-              </a:rPr>
-              <a:t>        </a:t>
-            </a:r>
-            <a:r>
-              <a:rPr lang="en-US">
-                <a:solidFill>
-                  <a:srgbClr val="000000"/>
-                </a:solidFill>
-                <a:latin typeface="Courier10 BT"/>
-              </a:rPr>
-              <a:t>&lt;h1&gt;My header&lt;/h1&gt;</a:t>
-            </a:r>
-            <a:endParaRPr/>
-          </a:p>
-          <a:p>
-            <a:pPr>
-              <a:lnSpc>
-                <a:spcPct val="100000"/>
-              </a:lnSpc>
-            </a:pPr>
-            <a:r>
-              <a:rPr lang="en-US">
-                <a:solidFill>
-                  <a:srgbClr val="000000"/>
-                </a:solidFill>
-                <a:latin typeface="Courier10 BT"/>
-              </a:rPr>
-              <a:t>        </a:t>
-            </a:r>
-            <a:r>
-              <a:rPr lang="en-US">
-                <a:solidFill>
-                  <a:srgbClr val="000000"/>
-                </a:solidFill>
-                <a:latin typeface="Courier10 BT"/>
-              </a:rPr>
-              <a:t>&lt;p&gt;Hello World!&lt;/p&gt;</a:t>
-            </a:r>
-            <a:endParaRPr/>
-          </a:p>
-          <a:p>
-            <a:pPr>
-              <a:lnSpc>
-                <a:spcPct val="100000"/>
-              </a:lnSpc>
-            </a:pPr>
-            <a:r>
-              <a:rPr lang="en-US">
-                <a:solidFill>
-                  <a:srgbClr val="000000"/>
-                </a:solidFill>
-                <a:latin typeface="Courier10 BT"/>
-              </a:rPr>
-              <a:t>    </a:t>
-            </a:r>
-            <a:r>
-              <a:rPr lang="en-US">
-                <a:solidFill>
-                  <a:srgbClr val="000000"/>
-                </a:solidFill>
-                <a:latin typeface="Courier10 BT"/>
-              </a:rPr>
-              <a:t>&lt;/body&gt;</a:t>
-            </a:r>
-            <a:endParaRPr/>
-          </a:p>
-          <a:p>
-            <a:pPr>
-              <a:lnSpc>
-                <a:spcPct val="100000"/>
-              </a:lnSpc>
-            </a:pPr>
-            <a:r>
-              <a:rPr lang="en-US">
-                <a:solidFill>
-                  <a:srgbClr val="000000"/>
-                </a:solidFill>
-                <a:latin typeface="Courier10 BT"/>
-              </a:rPr>
-              <a:t>&lt;/html&gt;</a:t>
-            </a:r>
-            <a:endParaRPr/>
-          </a:p>
-          <a:p>
-            <a:pPr>
-              <a:lnSpc>
-                <a:spcPct val="100000"/>
-              </a:lnSpc>
-            </a:pPr>
+              <a:t>&lt;/script&gt;</a:t>
+            </a:r>
             <a:endParaRPr/>
           </a:p>
         </p:txBody>
       </p:sp>
     </p:spTree>
   </p:cSld>
+  <p:clrMapOvr>
+    <a:masterClrMapping/>
+  </p:clrMapOvr>
 </p:sld>
 </file>
 
-<file path=ppt/slides/slide4.xml><?xml version="1.0" encoding="utf-8"?>
-<p:sld xmlns:a="http://schemas.openxmlformats.org/drawingml/2006/main" xmlns:p="http://schemas.openxmlformats.org/presentationml/2006/main" xmlns:r="http://schemas.openxmlformats.org/officeDocument/2006/relationships">
+<file path=ppt/slides/slide6.xml><?xml version="1.0" encoding="utf-8"?>
+<p:sld xmlns:a="http://schemas.openxmlformats.org/drawingml/2006/main" xmlns:r="http://schemas.openxmlformats.org/officeDocument/2006/relationships" xmlns:p="http://schemas.openxmlformats.org/presentationml/2006/main">
   <p:cSld>
     <p:spTree>
       <p:nvGrpSpPr>
@@ -8075,7 +8889,7 @@
       </p:grpSpPr>
       <p:sp>
         <p:nvSpPr>
-          <p:cNvPr id="170" name="TextShape 1"/>
+          <p:cNvPr id="173" name="TextShape 1"/>
           <p:cNvSpPr txBox="1"/>
           <p:nvPr/>
         </p:nvSpPr>
@@ -8090,6 +8904,7 @@
         </p:spPr>
         <p:txBody>
           <a:bodyPr anchor="ctr"/>
+          <a:lstStyle/>
           <a:p>
             <a:pPr algn="ctr">
               <a:lnSpc>
@@ -8103,22 +8918,22 @@
                 </a:solidFill>
                 <a:latin typeface="Arial"/>
               </a:rPr>
-              <a:t>Assumption #3</a:t>
-            </a:r>
-            <a:endParaRPr/>
-          </a:p>
-        </p:txBody>
-      </p:sp>
-      <p:sp>
-        <p:nvSpPr>
-          <p:cNvPr id="171" name="TextShape 2"/>
+              <a:t>About D3.js</a:t>
+            </a:r>
+            <a:endParaRPr/>
+          </a:p>
+        </p:txBody>
+      </p:sp>
+      <p:sp>
+        <p:nvSpPr>
+          <p:cNvPr id="174" name="TextShape 2"/>
           <p:cNvSpPr txBox="1"/>
           <p:nvPr/>
         </p:nvSpPr>
         <p:spPr>
           <a:xfrm>
             <a:off x="504000" y="1764000"/>
-            <a:ext cx="4451400" cy="4988880"/>
+            <a:ext cx="9071640" cy="4988880"/>
           </a:xfrm>
           <a:prstGeom prst="rect">
             <a:avLst/>
@@ -8126,62 +8941,111 @@
         </p:spPr>
         <p:txBody>
           <a:bodyPr/>
-          <a:p>
-            <a:pPr>
+          <a:lstStyle/>
+          <a:p>
+            <a:pPr marL="457200" indent="-457200">
               <a:lnSpc>
                 <a:spcPct val="100000"/>
               </a:lnSpc>
-              <a:buFont typeface="StarSymbol"/>
-              <a:buChar char=""/>
-            </a:pPr>
-            <a:r>
-              <a:rPr lang="en-US" sz="2800">
-                <a:solidFill>
-                  <a:srgbClr val="bfbfbf"/>
-                </a:solidFill>
-                <a:latin typeface="Arial"/>
-              </a:rPr>
-              <a:t>Familiar with HTML, the DOM, and CSS</a:t>
-            </a:r>
-            <a:endParaRPr/>
-          </a:p>
-          <a:p>
-            <a:pPr>
-              <a:lnSpc>
-                <a:spcPct val="100000"/>
-              </a:lnSpc>
-              <a:buFont typeface="StarSymbol"/>
-              <a:buChar char=""/>
-            </a:pPr>
-            <a:r>
-              <a:rPr lang="en-US" sz="2800">
-                <a:solidFill>
-                  <a:srgbClr val="bfbfbf"/>
-                </a:solidFill>
-                <a:latin typeface="Arial"/>
-              </a:rPr>
-              <a:t>Have a little programming experience already</a:t>
-            </a:r>
-            <a:endParaRPr/>
-          </a:p>
-          <a:p>
-            <a:pPr>
-              <a:lnSpc>
-                <a:spcPct val="100000"/>
-              </a:lnSpc>
-              <a:buFont typeface="StarSymbol"/>
-              <a:buChar char=""/>
-            </a:pPr>
-            <a:r>
-              <a:rPr lang="en-US" sz="2800">
+              <a:buFont typeface="Arial" pitchFamily="34" charset="0"/>
+              <a:buChar char="•"/>
+            </a:pPr>
+            <a:r>
+              <a:rPr lang="en-US" sz="3200" dirty="0">
                 <a:solidFill>
                   <a:srgbClr val="000000"/>
                 </a:solidFill>
                 <a:latin typeface="Arial"/>
               </a:rPr>
-              <a:t>Have heard of jQuery or written some JavaScript before</a:t>
-            </a:r>
-            <a:endParaRPr/>
+              <a:t>Data Driven Documents</a:t>
+            </a:r>
+            <a:endParaRPr dirty="0"/>
+          </a:p>
+          <a:p>
+            <a:pPr marL="457200" indent="-457200">
+              <a:lnSpc>
+                <a:spcPct val="100000"/>
+              </a:lnSpc>
+              <a:buFont typeface="Arial" pitchFamily="34" charset="0"/>
+              <a:buChar char="•"/>
+            </a:pPr>
+            <a:r>
+              <a:rPr lang="en-US" sz="3200" b="1" dirty="0">
+                <a:solidFill>
+                  <a:srgbClr val="000000"/>
+                </a:solidFill>
+                <a:latin typeface="Arial"/>
+              </a:rPr>
+              <a:t>D3.js</a:t>
+            </a:r>
+            <a:r>
+              <a:rPr lang="en-US" sz="3200" dirty="0">
+                <a:solidFill>
+                  <a:srgbClr val="000000"/>
+                </a:solidFill>
+                <a:latin typeface="Arial"/>
+              </a:rPr>
+              <a:t> is a JavaScript library for visualizing documents based on data. </a:t>
+            </a:r>
+            <a:endParaRPr dirty="0"/>
+          </a:p>
+          <a:p>
+            <a:pPr marL="457200" indent="-457200">
+              <a:lnSpc>
+                <a:spcPct val="100000"/>
+              </a:lnSpc>
+              <a:buFont typeface="Arial" pitchFamily="34" charset="0"/>
+              <a:buChar char="•"/>
+            </a:pPr>
+            <a:r>
+              <a:rPr lang="en-US" sz="3200" dirty="0">
+                <a:solidFill>
+                  <a:srgbClr val="000000"/>
+                </a:solidFill>
+                <a:latin typeface="Arial"/>
+              </a:rPr>
+              <a:t>Is just one option for information visualization in the browser</a:t>
+            </a:r>
+            <a:endParaRPr dirty="0"/>
+          </a:p>
+          <a:p>
+            <a:pPr marL="457200" indent="-457200">
+              <a:lnSpc>
+                <a:spcPct val="100000"/>
+              </a:lnSpc>
+              <a:buFont typeface="Arial" pitchFamily="34" charset="0"/>
+              <a:buChar char="•"/>
+            </a:pPr>
+            <a:r>
+              <a:rPr lang="en-US" sz="3200" dirty="0">
+                <a:solidFill>
+                  <a:srgbClr val="000000"/>
+                </a:solidFill>
+                <a:latin typeface="Arial"/>
+              </a:rPr>
+              <a:t>Can be used for any form of visualization, but most often used with Info Vis</a:t>
+            </a:r>
+            <a:endParaRPr dirty="0"/>
+          </a:p>
+          <a:p>
+            <a:pPr marL="457200" indent="-457200">
+              <a:lnSpc>
+                <a:spcPct val="100000"/>
+              </a:lnSpc>
+              <a:buFont typeface="Arial" pitchFamily="34" charset="0"/>
+              <a:buChar char="•"/>
+            </a:pPr>
+            <a:r>
+              <a:rPr lang="en-US" sz="3200" u="sng" dirty="0">
+                <a:solidFill>
+                  <a:srgbClr val="009999"/>
+                </a:solidFill>
+                <a:latin typeface="Arial"/>
+                <a:hlinkClick r:id="rId3"/>
+              </a:rPr>
+              <a:t>http://d3js.org/</a:t>
+            </a:r>
+            <a:endParaRPr dirty="0"/>
           </a:p>
           <a:p>
             <a:pPr>
@@ -8189,87 +9053,71 @@
                 <a:spcPct val="100000"/>
               </a:lnSpc>
             </a:pPr>
-            <a:endParaRPr/>
-          </a:p>
-        </p:txBody>
-      </p:sp>
-      <p:sp>
-        <p:nvSpPr>
-          <p:cNvPr id="172" name="TextShape 3"/>
+            <a:endParaRPr dirty="0"/>
+          </a:p>
+        </p:txBody>
+      </p:sp>
+      <p:sp>
+        <p:nvSpPr>
+          <p:cNvPr id="175" name="TextShape 3"/>
           <p:cNvSpPr txBox="1"/>
           <p:nvPr/>
         </p:nvSpPr>
         <p:spPr>
           <a:xfrm>
-            <a:off x="5123880" y="1764000"/>
-            <a:ext cx="4451400" cy="4485600"/>
-          </a:xfrm>
-          <a:prstGeom prst="rect">
-            <a:avLst/>
-          </a:prstGeom>
-        </p:spPr>
-        <p:txBody>
-          <a:bodyPr/>
+            <a:off x="0" y="0"/>
+            <a:ext cx="360" cy="360"/>
+          </a:xfrm>
+          <a:prstGeom prst="rect">
+            <a:avLst/>
+          </a:prstGeom>
+        </p:spPr>
+        <p:txBody>
+          <a:bodyPr lIns="90000" tIns="45000" rIns="90000" bIns="45000"/>
+          <a:lstStyle/>
           <a:p>
             <a:pPr>
               <a:lnSpc>
                 <a:spcPct val="100000"/>
               </a:lnSpc>
             </a:pPr>
-            <a:r>
-              <a:rPr lang="en-US" sz="2000">
-                <a:solidFill>
-                  <a:srgbClr val="000000"/>
-                </a:solidFill>
-                <a:latin typeface="Courier10 BT"/>
-              </a:rPr>
-              <a:t>&lt;script </a:t>
-            </a:r>
-            <a:endParaRPr/>
-          </a:p>
-          <a:p>
-            <a:pPr>
-              <a:lnSpc>
-                <a:spcPct val="100000"/>
-              </a:lnSpc>
-            </a:pPr>
-            <a:r>
-              <a:rPr lang="en-US" sz="2000">
-                <a:solidFill>
-                  <a:srgbClr val="000000"/>
-                </a:solidFill>
-                <a:latin typeface="Courier10 BT"/>
-              </a:rPr>
-              <a:t>type="text/javascript"&gt;</a:t>
-            </a:r>
-            <a:endParaRPr/>
-          </a:p>
-          <a:p>
-            <a:pPr>
-              <a:lnSpc>
-                <a:spcPct val="100000"/>
-              </a:lnSpc>
-            </a:pPr>
-            <a:r>
-              <a:rPr lang="en-US" sz="2000">
-                <a:solidFill>
-                  <a:srgbClr val="000000"/>
-                </a:solidFill>
-                <a:latin typeface="Courier10 BT"/>
-              </a:rPr>
-              <a:t>&lt;/script&gt;</a:t>
-            </a:r>
+            <a:endParaRPr dirty="0"/>
+          </a:p>
+        </p:txBody>
+      </p:sp>
+      <p:sp>
+        <p:nvSpPr>
+          <p:cNvPr id="176" name="TextShape 4"/>
+          <p:cNvSpPr txBox="1"/>
+          <p:nvPr/>
+        </p:nvSpPr>
+        <p:spPr>
+          <a:xfrm>
+            <a:off x="83880" y="83880"/>
+            <a:ext cx="2939400" cy="487080"/>
+          </a:xfrm>
+          <a:prstGeom prst="rect">
+            <a:avLst/>
+          </a:prstGeom>
+        </p:spPr>
+        <p:txBody>
+          <a:bodyPr lIns="90000" tIns="45000" rIns="90000" bIns="45000"/>
+          <a:lstStyle/>
+          <a:p>
             <a:endParaRPr/>
           </a:p>
         </p:txBody>
       </p:sp>
     </p:spTree>
   </p:cSld>
+  <p:clrMapOvr>
+    <a:masterClrMapping/>
+  </p:clrMapOvr>
 </p:sld>
 </file>
 
-<file path=ppt/slides/slide5.xml><?xml version="1.0" encoding="utf-8"?>
-<p:sld xmlns:a="http://schemas.openxmlformats.org/drawingml/2006/main" xmlns:p="http://schemas.openxmlformats.org/presentationml/2006/main" xmlns:r="http://schemas.openxmlformats.org/officeDocument/2006/relationships">
+<file path=ppt/slides/slide7.xml><?xml version="1.0" encoding="utf-8"?>
+<p:sld xmlns:a="http://schemas.openxmlformats.org/drawingml/2006/main" xmlns:r="http://schemas.openxmlformats.org/officeDocument/2006/relationships" xmlns:p="http://schemas.openxmlformats.org/presentationml/2006/main">
   <p:cSld>
     <p:spTree>
       <p:nvGrpSpPr>
@@ -8302,6 +9150,7 @@
         </p:spPr>
         <p:txBody>
           <a:bodyPr anchor="ctr"/>
+          <a:lstStyle/>
           <a:p>
             <a:pPr algn="ctr">
               <a:lnSpc>
@@ -8309,7 +9158,7 @@
               </a:lnSpc>
             </a:pPr>
             <a:r>
-              <a:rPr lang="en-US" sz="4400">
+              <a:rPr lang="en-US" sz="4400" dirty="0">
                 <a:solidFill>
                   <a:srgbClr val="000000"/>
                 </a:solidFill>
@@ -8317,207 +9166,596 @@
               </a:rPr>
               <a:t>About D3.js</a:t>
             </a:r>
-            <a:endParaRPr/>
-          </a:p>
-        </p:txBody>
-      </p:sp>
-      <p:sp>
-        <p:nvSpPr>
-          <p:cNvPr id="174" name="TextShape 2"/>
+            <a:endParaRPr dirty="0"/>
+          </a:p>
+        </p:txBody>
+      </p:sp>
+      <p:sp>
+        <p:nvSpPr>
+          <p:cNvPr id="175" name="TextShape 3"/>
           <p:cNvSpPr txBox="1"/>
           <p:nvPr/>
         </p:nvSpPr>
         <p:spPr>
           <a:xfrm>
-            <a:off x="504000" y="1764000"/>
-            <a:ext cx="9071640" cy="4988880"/>
-          </a:xfrm>
-          <a:prstGeom prst="rect">
-            <a:avLst/>
-          </a:prstGeom>
-        </p:spPr>
-        <p:txBody>
-          <a:bodyPr/>
+            <a:off x="0" y="0"/>
+            <a:ext cx="360" cy="360"/>
+          </a:xfrm>
+          <a:prstGeom prst="rect">
+            <a:avLst/>
+          </a:prstGeom>
+        </p:spPr>
+        <p:txBody>
+          <a:bodyPr lIns="90000" tIns="45000" rIns="90000" bIns="45000"/>
+          <a:lstStyle/>
           <a:p>
             <a:pPr>
               <a:lnSpc>
                 <a:spcPct val="100000"/>
               </a:lnSpc>
-              <a:buFont typeface="StarSymbol"/>
-              <a:buChar char=""/>
-            </a:pPr>
-            <a:r>
-              <a:rPr lang="en-US" sz="3200">
-                <a:solidFill>
-                  <a:srgbClr val="000000"/>
-                </a:solidFill>
-                <a:latin typeface="Arial"/>
-              </a:rPr>
-              <a:t>Data Driven Documents</a:t>
-            </a:r>
-            <a:endParaRPr/>
-          </a:p>
-          <a:p>
-            <a:pPr>
-              <a:lnSpc>
-                <a:spcPct val="100000"/>
-              </a:lnSpc>
-              <a:buFont typeface="StarSymbol"/>
-              <a:buChar char=""/>
-            </a:pPr>
-            <a:r>
-              <a:rPr b="1" lang="en-US" sz="3200">
-                <a:solidFill>
-                  <a:srgbClr val="000000"/>
-                </a:solidFill>
-                <a:latin typeface="Arial"/>
-              </a:rPr>
-              <a:t>D3.js</a:t>
-            </a:r>
-            <a:r>
-              <a:rPr lang="en-US" sz="3200">
-                <a:solidFill>
-                  <a:srgbClr val="000000"/>
-                </a:solidFill>
-                <a:latin typeface="Arial"/>
-              </a:rPr>
-              <a:t> is a JavaScript library for visualizing documents based on data. </a:t>
-            </a:r>
-            <a:endParaRPr/>
-          </a:p>
-          <a:p>
-            <a:pPr>
-              <a:lnSpc>
-                <a:spcPct val="100000"/>
-              </a:lnSpc>
-              <a:buFont typeface="StarSymbol"/>
-              <a:buChar char=""/>
-            </a:pPr>
-            <a:r>
-              <a:rPr lang="en-US" sz="3200">
-                <a:solidFill>
-                  <a:srgbClr val="000000"/>
-                </a:solidFill>
-                <a:latin typeface="Arial"/>
-              </a:rPr>
-              <a:t>Is just one option for information visualization in the browser</a:t>
-            </a:r>
-            <a:endParaRPr/>
-          </a:p>
-          <a:p>
-            <a:pPr>
-              <a:lnSpc>
-                <a:spcPct val="100000"/>
-              </a:lnSpc>
-              <a:buFont typeface="StarSymbol"/>
-              <a:buChar char=""/>
-            </a:pPr>
-            <a:r>
-              <a:rPr lang="en-US" sz="3200">
-                <a:solidFill>
-                  <a:srgbClr val="000000"/>
-                </a:solidFill>
-                <a:latin typeface="Arial"/>
-              </a:rPr>
-              <a:t>Can be used for any form of visualization, but most often used with Info Vis</a:t>
-            </a:r>
-            <a:endParaRPr/>
-          </a:p>
-          <a:p>
-            <a:pPr>
-              <a:lnSpc>
-                <a:spcPct val="100000"/>
-              </a:lnSpc>
-              <a:buFont typeface="StarSymbol"/>
-              <a:buChar char=""/>
-            </a:pPr>
-            <a:r>
-              <a:rPr lang="en-US" sz="3200" u="sng">
-                <a:solidFill>
-                  <a:srgbClr val="009999"/>
-                </a:solidFill>
-                <a:latin typeface="Arial"/>
-                <a:hlinkClick r:id="rId1"/>
-              </a:rPr>
-              <a:t>http://d3js.org/</a:t>
-            </a:r>
-            <a:endParaRPr/>
-          </a:p>
-          <a:p>
-            <a:pPr>
-              <a:lnSpc>
-                <a:spcPct val="100000"/>
-              </a:lnSpc>
-            </a:pPr>
-            <a:endParaRPr/>
-          </a:p>
-        </p:txBody>
-      </p:sp>
-      <p:sp>
-        <p:nvSpPr>
-          <p:cNvPr id="175" name="TextShape 3"/>
+            </a:pPr>
+            <a:endParaRPr dirty="0"/>
+          </a:p>
+        </p:txBody>
+      </p:sp>
+      <p:graphicFrame>
+        <p:nvGraphicFramePr>
+          <p:cNvPr id="6" name="Table 5"/>
+          <p:cNvGraphicFramePr>
+            <a:graphicFrameLocks noGrp="1"/>
+          </p:cNvGraphicFramePr>
+          <p:nvPr>
+            <p:extLst>
+              <p:ext uri="{D42A27DB-BD31-4B8C-83A1-F6EECF244321}">
+                <p14:modId xmlns:p14="http://schemas.microsoft.com/office/powerpoint/2010/main" val="3104433401"/>
+              </p:ext>
+            </p:extLst>
+          </p:nvPr>
+        </p:nvGraphicFramePr>
+        <p:xfrm>
+          <a:off x="239712" y="3378725"/>
+          <a:ext cx="2826808" cy="1463040"/>
+        </p:xfrm>
+        <a:graphic>
+          <a:graphicData uri="http://schemas.openxmlformats.org/drawingml/2006/table">
+            <a:tbl>
+              <a:tblPr firstRow="1" bandRow="1">
+                <a:tableStyleId>{5C22544A-7EE6-4342-B048-85BDC9FD1C3A}</a:tableStyleId>
+              </a:tblPr>
+              <a:tblGrid>
+                <a:gridCol w="1760008"/>
+                <a:gridCol w="1066800"/>
+              </a:tblGrid>
+              <a:tr h="293335">
+                <a:tc>
+                  <a:txBody>
+                    <a:bodyPr/>
+                    <a:lstStyle/>
+                    <a:p>
+                      <a:r>
+                        <a:rPr lang="en-US" dirty="0" smtClean="0"/>
+                        <a:t>Data Type</a:t>
+                      </a:r>
+                      <a:endParaRPr lang="en-US" dirty="0"/>
+                    </a:p>
+                  </a:txBody>
+                  <a:tcPr/>
+                </a:tc>
+                <a:tc>
+                  <a:txBody>
+                    <a:bodyPr/>
+                    <a:lstStyle/>
+                    <a:p>
+                      <a:r>
+                        <a:rPr lang="en-US" dirty="0" smtClean="0"/>
+                        <a:t>Value</a:t>
+                      </a:r>
+                      <a:endParaRPr lang="en-US" dirty="0"/>
+                    </a:p>
+                  </a:txBody>
+                  <a:tcPr/>
+                </a:tc>
+              </a:tr>
+              <a:tr h="293335">
+                <a:tc>
+                  <a:txBody>
+                    <a:bodyPr/>
+                    <a:lstStyle/>
+                    <a:p>
+                      <a:r>
+                        <a:rPr lang="en-US" dirty="0" smtClean="0"/>
+                        <a:t>Boring</a:t>
+                      </a:r>
+                      <a:endParaRPr lang="en-US" dirty="0"/>
+                    </a:p>
+                  </a:txBody>
+                  <a:tcPr/>
+                </a:tc>
+                <a:tc>
+                  <a:txBody>
+                    <a:bodyPr/>
+                    <a:lstStyle/>
+                    <a:p>
+                      <a:r>
+                        <a:rPr lang="en-US" dirty="0" smtClean="0"/>
+                        <a:t>…</a:t>
+                      </a:r>
+                      <a:endParaRPr lang="en-US" dirty="0"/>
+                    </a:p>
+                  </a:txBody>
+                  <a:tcPr/>
+                </a:tc>
+              </a:tr>
+              <a:tr h="293335">
+                <a:tc>
+                  <a:txBody>
+                    <a:bodyPr/>
+                    <a:lstStyle/>
+                    <a:p>
+                      <a:r>
+                        <a:rPr lang="en-US" dirty="0" smtClean="0"/>
+                        <a:t>Boring</a:t>
+                      </a:r>
+                      <a:endParaRPr lang="en-US" dirty="0"/>
+                    </a:p>
+                  </a:txBody>
+                  <a:tcPr/>
+                </a:tc>
+                <a:tc>
+                  <a:txBody>
+                    <a:bodyPr/>
+                    <a:lstStyle/>
+                    <a:p>
+                      <a:r>
+                        <a:rPr lang="en-US" dirty="0" smtClean="0"/>
+                        <a:t>…</a:t>
+                      </a:r>
+                      <a:endParaRPr lang="en-US" dirty="0"/>
+                    </a:p>
+                  </a:txBody>
+                  <a:tcPr/>
+                </a:tc>
+              </a:tr>
+              <a:tr h="293335">
+                <a:tc>
+                  <a:txBody>
+                    <a:bodyPr/>
+                    <a:lstStyle/>
+                    <a:p>
+                      <a:r>
+                        <a:rPr lang="en-US" dirty="0" smtClean="0"/>
+                        <a:t>Boring</a:t>
+                      </a:r>
+                      <a:endParaRPr lang="en-US" dirty="0"/>
+                    </a:p>
+                  </a:txBody>
+                  <a:tcPr/>
+                </a:tc>
+                <a:tc>
+                  <a:txBody>
+                    <a:bodyPr/>
+                    <a:lstStyle/>
+                    <a:p>
+                      <a:r>
+                        <a:rPr lang="en-US" dirty="0" smtClean="0"/>
+                        <a:t>…</a:t>
+                      </a:r>
+                      <a:endParaRPr lang="en-US" dirty="0"/>
+                    </a:p>
+                  </a:txBody>
+                  <a:tcPr/>
+                </a:tc>
+              </a:tr>
+            </a:tbl>
+          </a:graphicData>
+        </a:graphic>
+      </p:graphicFrame>
+      <p:sp>
+        <p:nvSpPr>
+          <p:cNvPr id="7" name="Rectangle 6"/>
+          <p:cNvSpPr/>
+          <p:nvPr/>
+        </p:nvSpPr>
+        <p:spPr>
+          <a:xfrm>
+            <a:off x="5268912" y="2103437"/>
+            <a:ext cx="4038600" cy="4267200"/>
+          </a:xfrm>
+          <a:prstGeom prst="rect">
+            <a:avLst/>
+          </a:prstGeom>
+          <a:solidFill>
+            <a:schemeClr val="bg1"/>
+          </a:solidFill>
+        </p:spPr>
+        <p:style>
+          <a:lnRef idx="2">
+            <a:schemeClr val="accent1">
+              <a:shade val="50000"/>
+            </a:schemeClr>
+          </a:lnRef>
+          <a:fillRef idx="1">
+            <a:schemeClr val="accent1"/>
+          </a:fillRef>
+          <a:effectRef idx="0">
+            <a:schemeClr val="accent1"/>
+          </a:effectRef>
+          <a:fontRef idx="minor">
+            <a:schemeClr val="lt1"/>
+          </a:fontRef>
+        </p:style>
+        <p:txBody>
+          <a:bodyPr rtlCol="0" anchor="ctr"/>
+          <a:lstStyle/>
+          <a:p>
+            <a:pPr algn="ctr"/>
+            <a:endParaRPr lang="en-US"/>
+          </a:p>
+        </p:txBody>
+      </p:sp>
+      <p:sp>
+        <p:nvSpPr>
+          <p:cNvPr id="8" name="TextBox 7"/>
           <p:cNvSpPr txBox="1"/>
           <p:nvPr/>
         </p:nvSpPr>
         <p:spPr>
           <a:xfrm>
-            <a:off x="0" y="0"/>
-            <a:ext cx="360" cy="360"/>
-          </a:xfrm>
-          <a:prstGeom prst="rect">
-            <a:avLst/>
-          </a:prstGeom>
-        </p:spPr>
-        <p:txBody>
-          <a:bodyPr bIns="45000" lIns="90000" rIns="90000" tIns="45000"/>
-          <a:p>
-            <a:pPr>
-              <a:lnSpc>
-                <a:spcPct val="100000"/>
-              </a:lnSpc>
-            </a:pPr>
-            <a:fld id="{A1614161-5101-4191-91A1-E13101B17131}" type="slidenum">
-              <a:rPr lang="en-US">
-                <a:solidFill>
-                  <a:srgbClr val="000000"/>
-                </a:solidFill>
-                <a:latin typeface="Arial"/>
-              </a:rPr>
-              <a:t>&lt;number&gt;</a:t>
-            </a:fld>
-            <a:endParaRPr/>
-          </a:p>
-        </p:txBody>
-      </p:sp>
-      <p:sp>
-        <p:nvSpPr>
-          <p:cNvPr id="176" name="TextShape 4"/>
+            <a:off x="4964112" y="1641772"/>
+            <a:ext cx="4877489" cy="461665"/>
+          </a:xfrm>
+          <a:prstGeom prst="rect">
+            <a:avLst/>
+          </a:prstGeom>
+          <a:noFill/>
+        </p:spPr>
+        <p:txBody>
+          <a:bodyPr wrap="none" rtlCol="0">
+            <a:spAutoFit/>
+          </a:bodyPr>
+          <a:lstStyle/>
+          <a:p>
+            <a:r>
+              <a:rPr lang="en-US" sz="2400" b="1" dirty="0" smtClean="0"/>
+              <a:t>Insightful Visual Representation</a:t>
+            </a:r>
+            <a:endParaRPr lang="en-US" sz="2400" b="1" dirty="0"/>
+          </a:p>
+        </p:txBody>
+      </p:sp>
+      <p:cxnSp>
+        <p:nvCxnSpPr>
+          <p:cNvPr id="10" name="Straight Arrow Connector 9"/>
+          <p:cNvCxnSpPr/>
+          <p:nvPr/>
+        </p:nvCxnSpPr>
+        <p:spPr>
+          <a:xfrm flipV="1">
+            <a:off x="3135312" y="4279945"/>
+            <a:ext cx="4152900" cy="42910"/>
+          </a:xfrm>
+          <a:prstGeom prst="straightConnector1">
+            <a:avLst/>
+          </a:prstGeom>
+          <a:ln>
+            <a:tailEnd type="arrow"/>
+          </a:ln>
+        </p:spPr>
+        <p:style>
+          <a:lnRef idx="3">
+            <a:schemeClr val="accent1"/>
+          </a:lnRef>
+          <a:fillRef idx="0">
+            <a:schemeClr val="accent1"/>
+          </a:fillRef>
+          <a:effectRef idx="2">
+            <a:schemeClr val="accent1"/>
+          </a:effectRef>
+          <a:fontRef idx="minor">
+            <a:schemeClr val="tx1"/>
+          </a:fontRef>
+        </p:style>
+      </p:cxnSp>
+      <p:cxnSp>
+        <p:nvCxnSpPr>
+          <p:cNvPr id="17" name="Straight Arrow Connector 16"/>
+          <p:cNvCxnSpPr/>
+          <p:nvPr/>
+        </p:nvCxnSpPr>
+        <p:spPr>
+          <a:xfrm flipV="1">
+            <a:off x="3135312" y="3032062"/>
+            <a:ext cx="3370078" cy="914400"/>
+          </a:xfrm>
+          <a:prstGeom prst="straightConnector1">
+            <a:avLst/>
+          </a:prstGeom>
+          <a:ln>
+            <a:tailEnd type="arrow"/>
+          </a:ln>
+        </p:spPr>
+        <p:style>
+          <a:lnRef idx="3">
+            <a:schemeClr val="accent1"/>
+          </a:lnRef>
+          <a:fillRef idx="0">
+            <a:schemeClr val="accent1"/>
+          </a:fillRef>
+          <a:effectRef idx="2">
+            <a:schemeClr val="accent1"/>
+          </a:effectRef>
+          <a:fontRef idx="minor">
+            <a:schemeClr val="tx1"/>
+          </a:fontRef>
+        </p:style>
+      </p:cxnSp>
+      <p:cxnSp>
+        <p:nvCxnSpPr>
+          <p:cNvPr id="18" name="Straight Arrow Connector 17"/>
+          <p:cNvCxnSpPr/>
+          <p:nvPr/>
+        </p:nvCxnSpPr>
+        <p:spPr>
+          <a:xfrm>
+            <a:off x="3135312" y="4694237"/>
+            <a:ext cx="3200400" cy="685800"/>
+          </a:xfrm>
+          <a:prstGeom prst="straightConnector1">
+            <a:avLst/>
+          </a:prstGeom>
+          <a:ln>
+            <a:tailEnd type="arrow"/>
+          </a:ln>
+        </p:spPr>
+        <p:style>
+          <a:lnRef idx="3">
+            <a:schemeClr val="accent1"/>
+          </a:lnRef>
+          <a:fillRef idx="0">
+            <a:schemeClr val="accent1"/>
+          </a:fillRef>
+          <a:effectRef idx="2">
+            <a:schemeClr val="accent1"/>
+          </a:effectRef>
+          <a:fontRef idx="minor">
+            <a:schemeClr val="tx1"/>
+          </a:fontRef>
+        </p:style>
+      </p:cxnSp>
+      <p:sp>
+        <p:nvSpPr>
+          <p:cNvPr id="19" name="Oval 18"/>
+          <p:cNvSpPr/>
+          <p:nvPr/>
+        </p:nvSpPr>
+        <p:spPr>
+          <a:xfrm>
+            <a:off x="7326312" y="3760787"/>
+            <a:ext cx="952500" cy="952500"/>
+          </a:xfrm>
+          <a:prstGeom prst="ellipse">
+            <a:avLst/>
+          </a:prstGeom>
+          <a:solidFill>
+            <a:schemeClr val="accent3">
+              <a:lumMod val="60000"/>
+              <a:lumOff val="40000"/>
+            </a:schemeClr>
+          </a:solidFill>
+          <a:ln>
+            <a:solidFill>
+              <a:schemeClr val="accent3">
+                <a:lumMod val="50000"/>
+              </a:schemeClr>
+            </a:solidFill>
+          </a:ln>
+        </p:spPr>
+        <p:style>
+          <a:lnRef idx="2">
+            <a:schemeClr val="accent1">
+              <a:shade val="50000"/>
+            </a:schemeClr>
+          </a:lnRef>
+          <a:fillRef idx="1">
+            <a:schemeClr val="accent1"/>
+          </a:fillRef>
+          <a:effectRef idx="0">
+            <a:schemeClr val="accent1"/>
+          </a:effectRef>
+          <a:fontRef idx="minor">
+            <a:schemeClr val="lt1"/>
+          </a:fontRef>
+        </p:style>
+        <p:txBody>
+          <a:bodyPr rtlCol="0" anchor="ctr"/>
+          <a:lstStyle/>
+          <a:p>
+            <a:pPr algn="ctr"/>
+            <a:endParaRPr lang="en-US"/>
+          </a:p>
+        </p:txBody>
+      </p:sp>
+      <p:sp>
+        <p:nvSpPr>
+          <p:cNvPr id="20" name="Oval 19"/>
+          <p:cNvSpPr/>
+          <p:nvPr/>
+        </p:nvSpPr>
+        <p:spPr>
+          <a:xfrm>
+            <a:off x="6505390" y="2484437"/>
+            <a:ext cx="733517" cy="733517"/>
+          </a:xfrm>
+          <a:prstGeom prst="ellipse">
+            <a:avLst/>
+          </a:prstGeom>
+          <a:solidFill>
+            <a:schemeClr val="accent2">
+              <a:lumMod val="60000"/>
+              <a:lumOff val="40000"/>
+            </a:schemeClr>
+          </a:solidFill>
+          <a:ln>
+            <a:solidFill>
+              <a:schemeClr val="accent2">
+                <a:lumMod val="50000"/>
+              </a:schemeClr>
+            </a:solidFill>
+          </a:ln>
+        </p:spPr>
+        <p:style>
+          <a:lnRef idx="2">
+            <a:schemeClr val="accent1">
+              <a:shade val="50000"/>
+            </a:schemeClr>
+          </a:lnRef>
+          <a:fillRef idx="1">
+            <a:schemeClr val="accent1"/>
+          </a:fillRef>
+          <a:effectRef idx="0">
+            <a:schemeClr val="accent1"/>
+          </a:effectRef>
+          <a:fontRef idx="minor">
+            <a:schemeClr val="lt1"/>
+          </a:fontRef>
+        </p:style>
+        <p:txBody>
+          <a:bodyPr rtlCol="0" anchor="ctr"/>
+          <a:lstStyle/>
+          <a:p>
+            <a:pPr algn="ctr"/>
+            <a:endParaRPr lang="en-US"/>
+          </a:p>
+        </p:txBody>
+      </p:sp>
+      <p:sp>
+        <p:nvSpPr>
+          <p:cNvPr id="22" name="Oval 21"/>
+          <p:cNvSpPr/>
+          <p:nvPr/>
+        </p:nvSpPr>
+        <p:spPr>
+          <a:xfrm>
+            <a:off x="6411912" y="5075237"/>
+            <a:ext cx="1143000" cy="1143000"/>
+          </a:xfrm>
+          <a:prstGeom prst="ellipse">
+            <a:avLst/>
+          </a:prstGeom>
+          <a:solidFill>
+            <a:schemeClr val="accent4">
+              <a:lumMod val="60000"/>
+              <a:lumOff val="40000"/>
+            </a:schemeClr>
+          </a:solidFill>
+          <a:ln>
+            <a:solidFill>
+              <a:schemeClr val="accent4">
+                <a:lumMod val="50000"/>
+              </a:schemeClr>
+            </a:solidFill>
+          </a:ln>
+        </p:spPr>
+        <p:style>
+          <a:lnRef idx="2">
+            <a:schemeClr val="accent1">
+              <a:shade val="50000"/>
+            </a:schemeClr>
+          </a:lnRef>
+          <a:fillRef idx="1">
+            <a:schemeClr val="accent1"/>
+          </a:fillRef>
+          <a:effectRef idx="0">
+            <a:schemeClr val="accent1"/>
+          </a:effectRef>
+          <a:fontRef idx="minor">
+            <a:schemeClr val="lt1"/>
+          </a:fontRef>
+        </p:style>
+        <p:txBody>
+          <a:bodyPr rtlCol="0" anchor="ctr"/>
+          <a:lstStyle/>
+          <a:p>
+            <a:pPr algn="ctr"/>
+            <a:endParaRPr lang="en-US"/>
+          </a:p>
+        </p:txBody>
+      </p:sp>
+      <p:sp>
+        <p:nvSpPr>
+          <p:cNvPr id="29" name="TextBox 28"/>
           <p:cNvSpPr txBox="1"/>
           <p:nvPr/>
         </p:nvSpPr>
         <p:spPr>
           <a:xfrm>
-            <a:off x="83880" y="83880"/>
-            <a:ext cx="2939400" cy="487080"/>
-          </a:xfrm>
-          <a:prstGeom prst="rect">
-            <a:avLst/>
-          </a:prstGeom>
-        </p:spPr>
-        <p:txBody>
-          <a:bodyPr bIns="45000" lIns="90000" rIns="90000" tIns="45000"/>
-          <a:p>
-            <a:endParaRPr/>
+            <a:off x="3844895" y="3771314"/>
+            <a:ext cx="1164101" cy="584775"/>
+          </a:xfrm>
+          <a:prstGeom prst="rect">
+            <a:avLst/>
+          </a:prstGeom>
+          <a:noFill/>
+        </p:spPr>
+        <p:txBody>
+          <a:bodyPr wrap="none" rtlCol="0">
+            <a:spAutoFit/>
+          </a:bodyPr>
+          <a:lstStyle/>
+          <a:p>
+            <a:r>
+              <a:rPr lang="en-US" sz="3200" b="1" dirty="0" smtClean="0"/>
+              <a:t>D3.js</a:t>
+            </a:r>
+            <a:endParaRPr lang="en-US" sz="3200" b="1" dirty="0"/>
+          </a:p>
+        </p:txBody>
+      </p:sp>
+      <p:sp>
+        <p:nvSpPr>
+          <p:cNvPr id="161" name="TextBox 160"/>
+          <p:cNvSpPr txBox="1"/>
+          <p:nvPr/>
+        </p:nvSpPr>
+        <p:spPr>
+          <a:xfrm>
+            <a:off x="925512" y="2739674"/>
+            <a:ext cx="1072730" cy="584775"/>
+          </a:xfrm>
+          <a:prstGeom prst="rect">
+            <a:avLst/>
+          </a:prstGeom>
+          <a:noFill/>
+        </p:spPr>
+        <p:txBody>
+          <a:bodyPr wrap="none" rtlCol="0">
+            <a:spAutoFit/>
+          </a:bodyPr>
+          <a:lstStyle/>
+          <a:p>
+            <a:r>
+              <a:rPr lang="en-US" sz="3200" b="1" dirty="0" smtClean="0"/>
+              <a:t>Data</a:t>
+            </a:r>
+            <a:endParaRPr lang="en-US" sz="3200" b="1" dirty="0"/>
           </a:p>
         </p:txBody>
       </p:sp>
     </p:spTree>
+    <p:extLst>
+      <p:ext uri="{BB962C8B-B14F-4D97-AF65-F5344CB8AC3E}">
+        <p14:creationId xmlns:p14="http://schemas.microsoft.com/office/powerpoint/2010/main" val="2791592990"/>
+      </p:ext>
+    </p:extLst>
   </p:cSld>
+  <p:clrMapOvr>
+    <a:masterClrMapping/>
+  </p:clrMapOvr>
 </p:sld>
 </file>
 
-<file path=ppt/slides/slide6.xml><?xml version="1.0" encoding="utf-8"?>
-<p:sld xmlns:a="http://schemas.openxmlformats.org/drawingml/2006/main" xmlns:p="http://schemas.openxmlformats.org/presentationml/2006/main" xmlns:r="http://schemas.openxmlformats.org/officeDocument/2006/relationships">
+<file path=ppt/slides/slide8.xml><?xml version="1.0" encoding="utf-8"?>
+<p:sld xmlns:a="http://schemas.openxmlformats.org/drawingml/2006/main" xmlns:r="http://schemas.openxmlformats.org/officeDocument/2006/relationships" xmlns:p="http://schemas.openxmlformats.org/presentationml/2006/main">
   <p:cSld>
     <p:spTree>
       <p:nvGrpSpPr>
@@ -8549,13 +9787,14 @@
           </a:prstGeom>
         </p:spPr>
         <p:txBody>
-          <a:bodyPr anchor="ctr" bIns="0" lIns="0" rIns="0" tIns="0" wrap="none"/>
+          <a:bodyPr wrap="none" lIns="0" tIns="0" rIns="0" bIns="0" anchor="ctr"/>
+          <a:lstStyle/>
           <a:p>
             <a:pPr algn="ctr"/>
             <a:r>
               <a:rPr lang="en-US" sz="3200">
                 <a:solidFill>
-                  <a:srgbClr val="eb613d"/>
+                  <a:srgbClr val="EB613D"/>
                 </a:solidFill>
               </a:rPr>
               <a:t>Examples</a:t>
@@ -8572,95 +9811,147 @@
         </p:nvSpPr>
         <p:spPr>
           <a:xfrm>
-            <a:off x="457200" y="2560320"/>
-            <a:ext cx="7680960" cy="2864880"/>
-          </a:xfrm>
-          <a:prstGeom prst="rect">
-            <a:avLst/>
-          </a:prstGeom>
-        </p:spPr>
-        <p:txBody>
-          <a:bodyPr bIns="45000" lIns="90000" rIns="90000" tIns="45000" wrap="none"/>
-          <a:p>
-            <a:pPr>
+            <a:off x="457200" y="2560319"/>
+            <a:ext cx="7680960" cy="3810317"/>
+          </a:xfrm>
+          <a:prstGeom prst="rect">
+            <a:avLst/>
+          </a:prstGeom>
+        </p:spPr>
+        <p:txBody>
+          <a:bodyPr wrap="none" lIns="90000" tIns="45000" rIns="90000" bIns="45000"/>
+          <a:lstStyle/>
+          <a:p>
+            <a:pPr marL="457200" indent="-457200">
               <a:buSzPct val="45000"/>
-              <a:buFont typeface="StarSymbol"/>
-              <a:buChar char=""/>
-            </a:pPr>
-            <a:r>
-              <a:rPr lang="en-US" sz="2800">
-                <a:hlinkClick r:id="rId1"/>
-              </a:rPr>
-              <a:t>2012 Election County Political Shifts</a:t>
-            </a:r>
-            <a:r>
-              <a:rPr lang="en-US" sz="2800"/>
-              <a:t>
-</a:t>
-            </a:r>
-            <a:endParaRPr/>
-          </a:p>
-          <a:p>
-            <a:pPr>
-              <a:buSzPct val="45000"/>
-              <a:buFont typeface="StarSymbol"/>
-              <a:buChar char=""/>
-            </a:pPr>
-            <a:r>
-              <a:rPr lang="en-US" sz="2800">
+              <a:buFont typeface="Arial" pitchFamily="34" charset="0"/>
+              <a:buChar char="•"/>
+            </a:pPr>
+            <a:r>
+              <a:rPr lang="en-US" sz="2800" dirty="0">
                 <a:hlinkClick r:id="rId2"/>
               </a:rPr>
-              <a:t>Building Hamiltonian Graphs</a:t>
-            </a:r>
-            <a:r>
-              <a:rPr lang="en-US" sz="2800"/>
-              <a:t>
-</a:t>
-            </a:r>
-            <a:endParaRPr/>
-          </a:p>
-          <a:p>
-            <a:pPr>
+              <a:t>2012 Election County Political </a:t>
+            </a:r>
+            <a:r>
+              <a:rPr lang="en-US" sz="2800" dirty="0" smtClean="0">
+                <a:hlinkClick r:id="rId2"/>
+              </a:rPr>
+              <a:t>Shifts</a:t>
+            </a:r>
+            <a:r>
+              <a:rPr lang="en-US" sz="2800" dirty="0"/>
+              <a:t/>
+            </a:r>
+            <a:br>
+              <a:rPr lang="en-US" sz="2800" dirty="0"/>
+            </a:br>
+            <a:endParaRPr lang="en-US" sz="2800" dirty="0" smtClean="0">
+              <a:hlinkClick r:id="rId3"/>
+            </a:endParaRPr>
+          </a:p>
+          <a:p>
+            <a:pPr marL="457200" indent="-457200">
               <a:buSzPct val="45000"/>
-              <a:buFont typeface="StarSymbol"/>
-              <a:buChar char=""/>
-            </a:pPr>
-            <a:r>
-              <a:rPr lang="en-US" sz="2800">
+              <a:buFont typeface="Arial" pitchFamily="34" charset="0"/>
+              <a:buChar char="•"/>
+            </a:pPr>
+            <a:r>
+              <a:rPr lang="en-US" sz="2800" dirty="0" smtClean="0">
                 <a:hlinkClick r:id="rId3"/>
               </a:rPr>
-              <a:t>US Gay Marriage Laws, State by State</a:t>
-            </a:r>
-            <a:r>
-              <a:rPr lang="en-US" sz="2800"/>
-              <a:t>
-</a:t>
-            </a:r>
-            <a:endParaRPr/>
-          </a:p>
-          <a:p>
-            <a:pPr>
+              <a:t>US </a:t>
+            </a:r>
+            <a:r>
+              <a:rPr lang="en-US" sz="2800" dirty="0">
+                <a:hlinkClick r:id="rId3"/>
+              </a:rPr>
+              <a:t>Gay Marriage Laws, State by </a:t>
+            </a:r>
+            <a:r>
+              <a:rPr lang="en-US" sz="2800" dirty="0" smtClean="0">
+                <a:hlinkClick r:id="rId3"/>
+              </a:rPr>
+              <a:t>State</a:t>
+            </a:r>
+            <a:endParaRPr dirty="0"/>
+          </a:p>
+          <a:p>
+            <a:pPr marL="457200" indent="-457200">
               <a:buSzPct val="45000"/>
-              <a:buFont typeface="StarSymbol"/>
-              <a:buChar char=""/>
-            </a:pPr>
-            <a:r>
-              <a:rPr lang="en-US" sz="2800">
+              <a:buFont typeface="Arial" pitchFamily="34" charset="0"/>
+              <a:buChar char="•"/>
+            </a:pPr>
+            <a:endParaRPr lang="en-US" sz="2800" dirty="0" smtClean="0">
+              <a:hlinkClick r:id="rId4"/>
+            </a:endParaRPr>
+          </a:p>
+          <a:p>
+            <a:pPr marL="457200" indent="-457200">
+              <a:buSzPct val="45000"/>
+              <a:buFont typeface="Arial" pitchFamily="34" charset="0"/>
+              <a:buChar char="•"/>
+            </a:pPr>
+            <a:r>
+              <a:rPr lang="en-US" sz="2800" dirty="0" smtClean="0">
                 <a:hlinkClick r:id="rId4"/>
               </a:rPr>
-              <a:t>2012 Paths to the Presidency</a:t>
-            </a:r>
-            <a:endParaRPr/>
+              <a:t>2012 </a:t>
+            </a:r>
+            <a:r>
+              <a:rPr lang="en-US" sz="2800" dirty="0">
+                <a:hlinkClick r:id="rId4"/>
+              </a:rPr>
+              <a:t>Paths to the </a:t>
+            </a:r>
+            <a:r>
+              <a:rPr lang="en-US" sz="2800" dirty="0" smtClean="0">
+                <a:hlinkClick r:id="rId4"/>
+              </a:rPr>
+              <a:t>Presidency</a:t>
+            </a:r>
+            <a:endParaRPr lang="en-US" sz="2800" dirty="0" smtClean="0"/>
+          </a:p>
+          <a:p>
+            <a:pPr marL="457200" indent="-457200">
+              <a:buSzPct val="45000"/>
+              <a:buFont typeface="Arial" pitchFamily="34" charset="0"/>
+              <a:buChar char="•"/>
+            </a:pPr>
+            <a:endParaRPr lang="en-US" sz="2800" dirty="0"/>
+          </a:p>
+          <a:p>
+            <a:pPr marL="457200" indent="-457200">
+              <a:buSzPct val="45000"/>
+              <a:buFont typeface="Arial" pitchFamily="34" charset="0"/>
+              <a:buChar char="•"/>
+            </a:pPr>
+            <a:r>
+              <a:rPr lang="en-US" sz="2800" dirty="0" smtClean="0">
+                <a:hlinkClick r:id="rId5"/>
+              </a:rPr>
+              <a:t>Live Global </a:t>
+            </a:r>
+            <a:r>
+              <a:rPr lang="en-US" sz="2800" dirty="0" err="1" smtClean="0">
+                <a:hlinkClick r:id="rId5"/>
+              </a:rPr>
+              <a:t>CyberAttacks</a:t>
+            </a:r>
+            <a:endParaRPr lang="en-US" sz="2800" dirty="0" smtClean="0"/>
           </a:p>
         </p:txBody>
       </p:sp>
     </p:spTree>
   </p:cSld>
+  <p:clrMapOvr>
+    <a:masterClrMapping/>
+  </p:clrMapOvr>
 </p:sld>
 </file>
 
-<file path=ppt/slides/slide7.xml><?xml version="1.0" encoding="utf-8"?>
-<p:sld xmlns:a="http://schemas.openxmlformats.org/drawingml/2006/main" xmlns:p="http://schemas.openxmlformats.org/presentationml/2006/main" xmlns:r="http://schemas.openxmlformats.org/officeDocument/2006/relationships">
+<file path=ppt/slides/slide9.xml><?xml version="1.0" encoding="utf-8"?>
+<p:sld xmlns:a="http://schemas.openxmlformats.org/drawingml/2006/main" xmlns:r="http://schemas.openxmlformats.org/officeDocument/2006/relationships" xmlns:p="http://schemas.openxmlformats.org/presentationml/2006/main">
   <p:cSld>
     <p:spTree>
       <p:nvGrpSpPr>
@@ -8684,7 +9975,7 @@
         </p:nvSpPr>
         <p:spPr>
           <a:xfrm>
-            <a:off x="365760" y="1209240"/>
+            <a:off x="365760" y="198437"/>
             <a:ext cx="9071640" cy="1259640"/>
           </a:xfrm>
           <a:prstGeom prst="rect">
@@ -8692,82 +9983,19 @@
           </a:prstGeom>
         </p:spPr>
         <p:txBody>
-          <a:bodyPr anchor="ctr" bIns="0" lIns="0" rIns="0" tIns="0" wrap="none"/>
+          <a:bodyPr wrap="none" lIns="0" tIns="0" rIns="0" bIns="0" anchor="ctr"/>
+          <a:lstStyle/>
           <a:p>
             <a:pPr algn="ctr"/>
             <a:r>
-              <a:rPr lang="en-US" sz="3200">
+              <a:rPr lang="en-US" sz="3200" dirty="0">
                 <a:solidFill>
-                  <a:srgbClr val="eb613d"/>
+                  <a:srgbClr val="EB613D"/>
                 </a:solidFill>
               </a:rPr>
               <a:t>Developer Tools</a:t>
             </a:r>
-            <a:endParaRPr/>
-          </a:p>
-        </p:txBody>
-      </p:sp>
-      <p:sp>
-        <p:nvSpPr>
-          <p:cNvPr id="180" name="TextShape 2"/>
-          <p:cNvSpPr txBox="1"/>
-          <p:nvPr/>
-        </p:nvSpPr>
-        <p:spPr>
-          <a:xfrm>
-            <a:off x="274320" y="2195280"/>
-            <a:ext cx="9326880" cy="2864880"/>
-          </a:xfrm>
-          <a:prstGeom prst="rect">
-            <a:avLst/>
-          </a:prstGeom>
-        </p:spPr>
-        <p:txBody>
-          <a:bodyPr bIns="45000" lIns="90000" rIns="90000" tIns="45000" wrap="none"/>
-          <a:p>
-            <a:pPr>
-              <a:buSzPct val="45000"/>
-              <a:buFont typeface="StarSymbol"/>
-              <a:buChar char=""/>
-            </a:pPr>
-            <a:r>
-              <a:rPr lang="en-US" sz="2800"/>
-              <a:t>Developer Tools are essential for analyzing and debugging code in web development.</a:t>
-            </a:r>
-            <a:endParaRPr/>
-          </a:p>
-          <a:p>
-            <a:pPr>
-              <a:buSzPct val="45000"/>
-              <a:buFont typeface="StarSymbol"/>
-              <a:buChar char=""/>
-            </a:pPr>
-            <a:r>
-              <a:rPr lang="en-US" sz="2800"/>
-              <a:t>Built into all major web browsers</a:t>
-            </a:r>
-            <a:endParaRPr/>
-          </a:p>
-          <a:p>
-            <a:pPr>
-              <a:buSzPct val="45000"/>
-              <a:buFont typeface="StarSymbol"/>
-              <a:buChar char=""/>
-            </a:pPr>
-            <a:r>
-              <a:rPr lang="en-US" sz="2800"/>
-              <a:t>To access:</a:t>
-            </a:r>
-            <a:endParaRPr/>
-          </a:p>
-          <a:p>
-            <a:endParaRPr/>
-          </a:p>
-          <a:p>
-            <a:endParaRPr/>
-          </a:p>
-          <a:p>
-            <a:endParaRPr/>
+            <a:endParaRPr dirty="0"/>
           </a:p>
         </p:txBody>
       </p:sp>
@@ -8787,41 +10015,53 @@
           </a:prstGeom>
         </p:spPr>
         <p:txBody>
-          <a:bodyPr bIns="45000" lIns="90000" rIns="90000" tIns="45000" wrap="none"/>
-          <a:p>
-            <a:r>
-              <a:rPr lang="en-US" sz="2800"/>
+          <a:bodyPr wrap="none" lIns="90000" tIns="45000" rIns="90000" bIns="45000"/>
+          <a:lstStyle/>
+          <a:p>
+            <a:r>
+              <a:rPr lang="en-US" sz="2800" dirty="0"/>
               <a:t>Chrome:</a:t>
             </a:r>
-            <a:endParaRPr/>
-          </a:p>
-          <a:p>
-            <a:r>
-              <a:rPr i="1" lang="en-US"/>
-              <a:t>Chrome Menu     → Tools → Developer Console</a:t>
-            </a:r>
-            <a:endParaRPr/>
-          </a:p>
-          <a:p>
-            <a:r>
-              <a:rPr lang="en-US"/>
+            <a:endParaRPr dirty="0"/>
+          </a:p>
+          <a:p>
+            <a:r>
+              <a:rPr lang="en-US" i="1" dirty="0"/>
+              <a:t>Chrome Menu     → Tools </a:t>
+            </a:r>
+            <a:endParaRPr lang="en-US" i="1" dirty="0" smtClean="0"/>
+          </a:p>
+          <a:p>
+            <a:r>
+              <a:rPr lang="en-US" i="1" dirty="0" smtClean="0"/>
+              <a:t>→ </a:t>
+            </a:r>
+            <a:r>
+              <a:rPr lang="en-US" i="1" dirty="0"/>
+              <a:t>Developer Console</a:t>
+            </a:r>
+            <a:endParaRPr dirty="0"/>
+          </a:p>
+          <a:p>
+            <a:r>
+              <a:rPr lang="en-US" dirty="0"/>
               <a:t>Or:</a:t>
             </a:r>
-            <a:endParaRPr/>
-          </a:p>
-          <a:p>
-            <a:r>
-              <a:rPr lang="en-US"/>
+            <a:endParaRPr dirty="0"/>
+          </a:p>
+          <a:p>
+            <a:r>
+              <a:rPr lang="en-US" dirty="0"/>
               <a:t>(CTRL + Shift + I)</a:t>
             </a:r>
-            <a:endParaRPr/>
-          </a:p>
-          <a:p>
-            <a:r>
-              <a:rPr lang="en-US"/>
+            <a:endParaRPr dirty="0"/>
+          </a:p>
+          <a:p>
+            <a:r>
+              <a:rPr lang="en-US" dirty="0"/>
               <a:t>(CTRL + Shift + J)    </a:t>
             </a:r>
-            <a:endParaRPr/>
+            <a:endParaRPr dirty="0"/>
           </a:p>
         </p:txBody>
       </p:sp>
@@ -8841,34 +10081,50 @@
           </a:prstGeom>
         </p:spPr>
         <p:txBody>
-          <a:bodyPr bIns="45000" lIns="90000" rIns="90000" tIns="45000" wrap="none"/>
-          <a:p>
-            <a:r>
-              <a:rPr lang="en-US" sz="2800"/>
-              <a:t>FireFox:</a:t>
-            </a:r>
-            <a:endParaRPr/>
-          </a:p>
-          <a:p>
-            <a:r>
-              <a:rPr i="1" lang="en-US"/>
-              <a:t>Menu     → Tools → Developer → Web Console</a:t>
-            </a:r>
-            <a:endParaRPr/>
-          </a:p>
-          <a:p>
-            <a:r>
-              <a:rPr lang="en-US"/>
+          <a:bodyPr wrap="none" lIns="90000" tIns="45000" rIns="90000" bIns="45000"/>
+          <a:lstStyle/>
+          <a:p>
+            <a:r>
+              <a:rPr lang="en-US" sz="2800" dirty="0" err="1"/>
+              <a:t>FireFox</a:t>
+            </a:r>
+            <a:r>
+              <a:rPr lang="en-US" sz="2800" dirty="0"/>
+              <a:t>:</a:t>
+            </a:r>
+            <a:endParaRPr dirty="0"/>
+          </a:p>
+          <a:p>
+            <a:r>
+              <a:rPr lang="en-US" i="1" dirty="0"/>
+              <a:t>Menu     → Tools </a:t>
+            </a:r>
+            <a:endParaRPr lang="en-US" i="1" dirty="0" smtClean="0"/>
+          </a:p>
+          <a:p>
+            <a:r>
+              <a:rPr lang="en-US" i="1" dirty="0" smtClean="0"/>
+              <a:t>→ </a:t>
+            </a:r>
+            <a:r>
+              <a:rPr lang="en-US" i="1" dirty="0"/>
+              <a:t>Developer → Web Console</a:t>
+            </a:r>
+            <a:endParaRPr dirty="0"/>
+          </a:p>
+          <a:p>
+            <a:r>
+              <a:rPr lang="en-US" dirty="0"/>
               <a:t>Or:</a:t>
             </a:r>
-            <a:endParaRPr/>
-          </a:p>
-          <a:p>
-            <a:r>
-              <a:rPr lang="en-US"/>
+            <a:endParaRPr dirty="0"/>
+          </a:p>
+          <a:p>
+            <a:r>
+              <a:rPr lang="en-US" dirty="0"/>
               <a:t>(CTRL + Shift + K)</a:t>
             </a:r>
-            <a:endParaRPr/>
+            <a:endParaRPr dirty="0"/>
           </a:p>
         </p:txBody>
       </p:sp>
@@ -8880,56 +10136,66 @@
         </p:nvSpPr>
         <p:spPr>
           <a:xfrm>
-            <a:off x="6858000" y="4317480"/>
-            <a:ext cx="3200400" cy="742680"/>
-          </a:xfrm>
-          <a:prstGeom prst="rect">
-            <a:avLst/>
-          </a:prstGeom>
-        </p:spPr>
-        <p:txBody>
-          <a:bodyPr bIns="45000" lIns="90000" rIns="90000" tIns="45000" wrap="none"/>
-          <a:p>
-            <a:r>
-              <a:rPr lang="en-US" sz="2800"/>
-              <a:t>IE:</a:t>
-            </a:r>
-            <a:endParaRPr/>
-          </a:p>
-          <a:p>
-            <a:r>
-              <a:rPr lang="en-US"/>
-              <a:t>(F12)</a:t>
-            </a:r>
-            <a:endParaRPr/>
+            <a:off x="6858000" y="4317479"/>
+            <a:ext cx="3200400" cy="1291157"/>
+          </a:xfrm>
+          <a:prstGeom prst="rect">
+            <a:avLst/>
+          </a:prstGeom>
+        </p:spPr>
+        <p:txBody>
+          <a:bodyPr wrap="none" lIns="90000" tIns="45000" rIns="90000" bIns="45000"/>
+          <a:lstStyle/>
+          <a:p>
+            <a:r>
+              <a:rPr lang="en-US" sz="2800" dirty="0"/>
+              <a:t>IE</a:t>
+            </a:r>
+            <a:r>
+              <a:rPr lang="en-US" sz="2800" dirty="0" smtClean="0"/>
+              <a:t>:</a:t>
+            </a:r>
+          </a:p>
+          <a:p>
+            <a:r>
+              <a:rPr lang="en-US" dirty="0" smtClean="0"/>
+              <a:t>(</a:t>
+            </a:r>
+            <a:r>
+              <a:rPr lang="en-US" dirty="0"/>
+              <a:t>F12</a:t>
+            </a:r>
+            <a:r>
+              <a:rPr lang="en-US" dirty="0" smtClean="0"/>
+              <a:t>)</a:t>
+            </a:r>
+          </a:p>
+          <a:p>
+            <a:r>
+              <a:rPr lang="en-US" dirty="0" smtClean="0"/>
+              <a:t>(Don’t use IE over </a:t>
+            </a:r>
+            <a:r>
+              <a:rPr lang="en-US" dirty="0" err="1" smtClean="0"/>
+              <a:t>FireFox</a:t>
+            </a:r>
+            <a:r>
+              <a:rPr lang="en-US" dirty="0" smtClean="0"/>
+              <a:t> or </a:t>
+            </a:r>
+          </a:p>
+          <a:p>
+            <a:r>
+              <a:rPr lang="en-US" dirty="0" smtClean="0"/>
+              <a:t>Chrome)</a:t>
+            </a:r>
+            <a:endParaRPr dirty="0"/>
           </a:p>
         </p:txBody>
       </p:sp>
       <p:pic>
         <p:nvPicPr>
-          <p:cNvPr descr="" id="184" name=""/>
-          <p:cNvPicPr/>
-          <p:nvPr/>
-        </p:nvPicPr>
-        <p:blipFill>
-          <a:blip r:embed="rId1"/>
-          <a:stretch>
-            <a:fillRect/>
-          </a:stretch>
-        </p:blipFill>
-        <p:spPr>
-          <a:xfrm>
-            <a:off x="2103120" y="4812840"/>
-            <a:ext cx="266400" cy="247320"/>
-          </a:xfrm>
-          <a:prstGeom prst="rect">
-            <a:avLst/>
-          </a:prstGeom>
-        </p:spPr>
-      </p:pic>
-      <p:pic>
-        <p:nvPicPr>
-          <p:cNvPr descr="" id="185" name=""/>
+          <p:cNvPr id="184" name="Picture 183"/>
           <p:cNvPicPr/>
           <p:nvPr/>
         </p:nvPicPr>
@@ -8941,160 +10207,8 @@
         </p:blipFill>
         <p:spPr>
           <a:xfrm>
-            <a:off x="4297680" y="4812840"/>
+            <a:off x="2029471" y="4839397"/>
             <a:ext cx="266400" cy="247320"/>
-          </a:xfrm>
-          <a:prstGeom prst="rect">
-            <a:avLst/>
-          </a:prstGeom>
-        </p:spPr>
-      </p:pic>
-    </p:spTree>
-  </p:cSld>
-</p:sld>
-</file>
-
-<file path=ppt/slides/slide8.xml><?xml version="1.0" encoding="utf-8"?>
-<p:sld xmlns:a="http://schemas.openxmlformats.org/drawingml/2006/main" xmlns:p="http://schemas.openxmlformats.org/presentationml/2006/main" xmlns:r="http://schemas.openxmlformats.org/officeDocument/2006/relationships">
-  <p:cSld>
-    <p:spTree>
-      <p:nvGrpSpPr>
-        <p:cNvPr id="1" name=""/>
-        <p:cNvGrpSpPr/>
-        <p:nvPr/>
-      </p:nvGrpSpPr>
-      <p:grpSpPr>
-        <a:xfrm>
-          <a:off x="0" y="0"/>
-          <a:ext cx="0" cy="0"/>
-          <a:chOff x="0" y="0"/>
-          <a:chExt cx="0" cy="0"/>
-        </a:xfrm>
-      </p:grpSpPr>
-      <p:sp>
-        <p:nvSpPr>
-          <p:cNvPr id="186" name="TextShape 1"/>
-          <p:cNvSpPr txBox="1"/>
-          <p:nvPr/>
-        </p:nvSpPr>
-        <p:spPr>
-          <a:xfrm>
-            <a:off x="365760" y="1209240"/>
-            <a:ext cx="9071640" cy="1259640"/>
-          </a:xfrm>
-          <a:prstGeom prst="rect">
-            <a:avLst/>
-          </a:prstGeom>
-        </p:spPr>
-        <p:txBody>
-          <a:bodyPr anchor="ctr" bIns="0" lIns="0" rIns="0" tIns="0" wrap="none"/>
-          <a:p>
-            <a:pPr algn="ctr"/>
-            <a:r>
-              <a:rPr lang="en-US" sz="3200">
-                <a:solidFill>
-                  <a:srgbClr val="eb613d"/>
-                </a:solidFill>
-              </a:rPr>
-              <a:t>Developer Tools (cont'd)</a:t>
-            </a:r>
-            <a:endParaRPr/>
-          </a:p>
-        </p:txBody>
-      </p:sp>
-      <p:sp>
-        <p:nvSpPr>
-          <p:cNvPr id="187" name="TextShape 2"/>
-          <p:cNvSpPr txBox="1"/>
-          <p:nvPr/>
-        </p:nvSpPr>
-        <p:spPr>
-          <a:xfrm>
-            <a:off x="274320" y="2195280"/>
-            <a:ext cx="9326880" cy="2355480"/>
-          </a:xfrm>
-          <a:prstGeom prst="rect">
-            <a:avLst/>
-          </a:prstGeom>
-        </p:spPr>
-        <p:txBody>
-          <a:bodyPr bIns="45000" lIns="90000" rIns="90000" tIns="45000" wrap="none"/>
-          <a:p>
-            <a:pPr>
-              <a:buSzPct val="45000"/>
-              <a:buFont typeface="StarSymbol"/>
-              <a:buChar char=""/>
-            </a:pPr>
-            <a:r>
-              <a:rPr lang="en-US" sz="2800"/>
-              <a:t>Two main tabs we will work with:</a:t>
-            </a:r>
-            <a:endParaRPr/>
-          </a:p>
-          <a:p>
-            <a:pPr>
-              <a:buSzPct val="45000"/>
-              <a:buFont typeface="StarSymbol"/>
-              <a:buChar char=""/>
-            </a:pPr>
-            <a:r>
-              <a:rPr b="1" lang="en-US" sz="2400"/>
-              <a:t>Elements / Inspector</a:t>
-            </a:r>
-            <a:r>
-              <a:rPr lang="en-US" sz="2400"/>
-              <a:t>– displays raw, up to date html </a:t>
-            </a:r>
-            <a:endParaRPr/>
-          </a:p>
-          <a:p>
-            <a:pPr>
-              <a:buSzPct val="45000"/>
-              <a:buFont typeface="StarSymbol"/>
-              <a:buChar char=""/>
-            </a:pPr>
-            <a:r>
-              <a:rPr b="1" lang="en-US" sz="2400"/>
-              <a:t>Console</a:t>
-            </a:r>
-            <a:r>
-              <a:rPr lang="en-US" sz="2400"/>
-              <a:t> – Allows scripts to be written directly in web browser</a:t>
-            </a:r>
-            <a:endParaRPr/>
-          </a:p>
-          <a:p>
-            <a:pPr>
-              <a:buSzPct val="45000"/>
-              <a:buFont typeface="StarSymbol"/>
-              <a:buChar char=""/>
-            </a:pPr>
-            <a:endParaRPr/>
-          </a:p>
-          <a:p>
-            <a:endParaRPr/>
-          </a:p>
-          <a:p>
-            <a:endParaRPr/>
-          </a:p>
-        </p:txBody>
-      </p:sp>
-      <p:pic>
-        <p:nvPicPr>
-          <p:cNvPr descr="" id="188" name=""/>
-          <p:cNvPicPr/>
-          <p:nvPr/>
-        </p:nvPicPr>
-        <p:blipFill>
-          <a:blip r:embed="rId1"/>
-          <a:stretch>
-            <a:fillRect/>
-          </a:stretch>
-        </p:blipFill>
-        <p:spPr>
-          <a:xfrm>
-            <a:off x="1920240" y="3602520"/>
-            <a:ext cx="6933960" cy="1883880"/>
           </a:xfrm>
           <a:prstGeom prst="rect">
             <a:avLst/>
@@ -9103,7 +10217,7 @@
       </p:pic>
       <p:pic>
         <p:nvPicPr>
-          <p:cNvPr descr="" id="189" name=""/>
+          <p:cNvPr id="185" name="Picture 184"/>
           <p:cNvPicPr/>
           <p:nvPr/>
         </p:nvPicPr>
@@ -9115,8 +10229,8 @@
         </p:blipFill>
         <p:spPr>
           <a:xfrm>
-            <a:off x="1920240" y="5606640"/>
-            <a:ext cx="7684920" cy="1617120"/>
+            <a:off x="4297680" y="4812840"/>
+            <a:ext cx="266400" cy="247320"/>
           </a:xfrm>
           <a:prstGeom prst="rect">
             <a:avLst/>
@@ -9125,439 +10239,68 @@
       </p:pic>
       <p:sp>
         <p:nvSpPr>
-          <p:cNvPr id="190" name="CustomShape 3"/>
-          <p:cNvSpPr/>
-          <p:nvPr/>
-        </p:nvSpPr>
-        <p:spPr>
-          <a:xfrm>
-            <a:off x="6762600" y="5596920"/>
-            <a:ext cx="822960" cy="274320"/>
-          </a:xfrm>
-          <a:prstGeom prst="rect">
-            <a:avLst/>
-          </a:prstGeom>
-          <a:ln w="36720">
-            <a:solidFill>
-              <a:srgbClr val="ff0000"/>
-            </a:solidFill>
-            <a:round/>
-          </a:ln>
-        </p:spPr>
-      </p:sp>
-      <p:sp>
-        <p:nvSpPr>
-          <p:cNvPr id="191" name="CustomShape 4"/>
-          <p:cNvSpPr/>
-          <p:nvPr/>
-        </p:nvSpPr>
-        <p:spPr>
-          <a:xfrm>
-            <a:off x="2194560" y="5588280"/>
-            <a:ext cx="822960" cy="274320"/>
-          </a:xfrm>
-          <a:prstGeom prst="rect">
-            <a:avLst/>
-          </a:prstGeom>
-          <a:ln w="36720">
-            <a:solidFill>
-              <a:srgbClr val="ff0000"/>
-            </a:solidFill>
-            <a:round/>
-          </a:ln>
-        </p:spPr>
-      </p:sp>
-      <p:sp>
-        <p:nvSpPr>
-          <p:cNvPr id="192" name="CustomShape 5"/>
-          <p:cNvSpPr/>
-          <p:nvPr/>
-        </p:nvSpPr>
-        <p:spPr>
-          <a:xfrm>
-            <a:off x="3017520" y="3566160"/>
-            <a:ext cx="822960" cy="274320"/>
-          </a:xfrm>
-          <a:prstGeom prst="rect">
-            <a:avLst/>
-          </a:prstGeom>
-          <a:ln w="36720">
-            <a:solidFill>
-              <a:srgbClr val="ff0000"/>
-            </a:solidFill>
-            <a:round/>
-          </a:ln>
-        </p:spPr>
-      </p:sp>
-      <p:sp>
-        <p:nvSpPr>
-          <p:cNvPr id="193" name="CustomShape 6"/>
-          <p:cNvSpPr/>
-          <p:nvPr/>
-        </p:nvSpPr>
-        <p:spPr>
-          <a:xfrm>
-            <a:off x="2194560" y="3566160"/>
-            <a:ext cx="822960" cy="274320"/>
-          </a:xfrm>
-          <a:prstGeom prst="rect">
-            <a:avLst/>
-          </a:prstGeom>
-          <a:ln w="36720">
-            <a:solidFill>
-              <a:srgbClr val="ff0000"/>
-            </a:solidFill>
-            <a:round/>
-          </a:ln>
-        </p:spPr>
-      </p:sp>
-      <p:sp>
-        <p:nvSpPr>
-          <p:cNvPr id="194" name="TextShape 7"/>
+          <p:cNvPr id="2" name="TextBox 1"/>
           <p:cNvSpPr txBox="1"/>
           <p:nvPr/>
         </p:nvSpPr>
         <p:spPr>
           <a:xfrm>
-            <a:off x="365760" y="4297680"/>
-            <a:ext cx="1035720" cy="402840"/>
-          </a:xfrm>
-          <a:prstGeom prst="rect">
-            <a:avLst/>
-          </a:prstGeom>
-        </p:spPr>
-        <p:txBody>
-          <a:bodyPr bIns="45000" lIns="90000" rIns="90000" tIns="45000" wrap="none"/>
-          <a:p>
-            <a:r>
-              <a:rPr lang="en-US" sz="2200"/>
-              <a:t>Firefox</a:t>
-            </a:r>
-            <a:endParaRPr/>
-          </a:p>
-        </p:txBody>
-      </p:sp>
-      <p:sp>
-        <p:nvSpPr>
-          <p:cNvPr id="195" name="TextShape 8"/>
-          <p:cNvSpPr txBox="1"/>
-          <p:nvPr/>
-        </p:nvSpPr>
-        <p:spPr>
-          <a:xfrm>
-            <a:off x="380160" y="6035040"/>
-            <a:ext cx="1172880" cy="402840"/>
-          </a:xfrm>
-          <a:prstGeom prst="rect">
-            <a:avLst/>
-          </a:prstGeom>
-        </p:spPr>
-        <p:txBody>
-          <a:bodyPr bIns="45000" lIns="90000" rIns="90000" tIns="45000" wrap="none"/>
-          <a:p>
-            <a:r>
-              <a:rPr lang="en-US" sz="2200"/>
-              <a:t>Chrome</a:t>
-            </a:r>
-            <a:endParaRPr/>
+            <a:off x="620712" y="1417637"/>
+            <a:ext cx="8534400" cy="2308324"/>
+          </a:xfrm>
+          <a:prstGeom prst="rect">
+            <a:avLst/>
+          </a:prstGeom>
+          <a:noFill/>
+        </p:spPr>
+        <p:txBody>
+          <a:bodyPr wrap="square" rtlCol="0">
+            <a:spAutoFit/>
+          </a:bodyPr>
+          <a:lstStyle/>
+          <a:p>
+            <a:pPr marL="342900" indent="-342900">
+              <a:buFont typeface="Arial" pitchFamily="34" charset="0"/>
+              <a:buChar char="•"/>
+            </a:pPr>
+            <a:r>
+              <a:rPr lang="en-US" sz="2400" dirty="0" smtClean="0"/>
+              <a:t>Developer Tools are used to analyze and debug web code.  They are built into almost all major web browsers.</a:t>
+            </a:r>
+          </a:p>
+          <a:p>
+            <a:pPr marL="342900" indent="-342900">
+              <a:buFont typeface="Arial" pitchFamily="34" charset="0"/>
+              <a:buChar char="•"/>
+            </a:pPr>
+            <a:r>
+              <a:rPr lang="en-US" sz="2400" dirty="0" smtClean="0"/>
+              <a:t>All print statements and errors are printed here</a:t>
+            </a:r>
+          </a:p>
+          <a:p>
+            <a:pPr marL="342900" indent="-342900">
+              <a:buFont typeface="Arial" pitchFamily="34" charset="0"/>
+              <a:buChar char="•"/>
+            </a:pPr>
+            <a:r>
+              <a:rPr lang="en-US" sz="2400" dirty="0" smtClean="0"/>
+              <a:t>To Access:</a:t>
+            </a:r>
+          </a:p>
+          <a:p>
+            <a:endParaRPr lang="en-US" sz="2400" dirty="0" smtClean="0"/>
+          </a:p>
+          <a:p>
+            <a:endParaRPr lang="en-US" sz="2400" dirty="0"/>
           </a:p>
         </p:txBody>
       </p:sp>
     </p:spTree>
   </p:cSld>
-</p:sld>
-</file>
-
-<file path=ppt/slides/slide9.xml><?xml version="1.0" encoding="utf-8"?>
-<p:sld xmlns:a="http://schemas.openxmlformats.org/drawingml/2006/main" xmlns:p="http://schemas.openxmlformats.org/presentationml/2006/main" xmlns:r="http://schemas.openxmlformats.org/officeDocument/2006/relationships" show="0">
-  <p:cSld>
-    <p:spTree>
-      <p:nvGrpSpPr>
-        <p:cNvPr id="1" name=""/>
-        <p:cNvGrpSpPr/>
-        <p:nvPr/>
-      </p:nvGrpSpPr>
-      <p:grpSpPr>
-        <a:xfrm>
-          <a:off x="0" y="0"/>
-          <a:ext cx="0" cy="0"/>
-          <a:chOff x="0" y="0"/>
-          <a:chExt cx="0" cy="0"/>
-        </a:xfrm>
-      </p:grpSpPr>
-      <p:sp>
-        <p:nvSpPr>
-          <p:cNvPr id="196" name="TextShape 1"/>
-          <p:cNvSpPr txBox="1"/>
-          <p:nvPr/>
-        </p:nvSpPr>
-        <p:spPr>
-          <a:xfrm>
-            <a:off x="457200" y="1026360"/>
-            <a:ext cx="9071640" cy="1259640"/>
-          </a:xfrm>
-          <a:prstGeom prst="rect">
-            <a:avLst/>
-          </a:prstGeom>
-        </p:spPr>
-        <p:txBody>
-          <a:bodyPr anchor="ctr" bIns="0" lIns="0" rIns="0" tIns="0" wrap="none"/>
-          <a:p>
-            <a:pPr algn="ctr"/>
-            <a:r>
-              <a:rPr lang="en-US" sz="3200">
-                <a:solidFill>
-                  <a:srgbClr val="eb613d"/>
-                </a:solidFill>
-              </a:rPr>
-              <a:t>Javascript Syntax Briefer</a:t>
-            </a:r>
-            <a:endParaRPr/>
-          </a:p>
-        </p:txBody>
-      </p:sp>
-      <p:sp>
-        <p:nvSpPr>
-          <p:cNvPr id="197" name="TextShape 2"/>
-          <p:cNvSpPr txBox="1"/>
-          <p:nvPr/>
-        </p:nvSpPr>
-        <p:spPr>
-          <a:xfrm>
-            <a:off x="457200" y="2011680"/>
-            <a:ext cx="8321040" cy="1026000"/>
-          </a:xfrm>
-          <a:prstGeom prst="rect">
-            <a:avLst/>
-          </a:prstGeom>
-        </p:spPr>
-        <p:txBody>
-          <a:bodyPr bIns="45000" lIns="90000" rIns="90000" tIns="45000" wrap="none"/>
-          <a:p>
-            <a:r>
-              <a:rPr lang="en-US" sz="2400"/>
-              <a:t>Syntactically similar to C family of languages – conditionals, loops, functions, comments follow similar syntax</a:t>
-            </a:r>
-            <a:r>
-              <a:rPr lang="en-US"/>
-              <a:t>
-</a:t>
-            </a:r>
-            <a:endParaRPr/>
-          </a:p>
-        </p:txBody>
-      </p:sp>
-      <p:sp>
-        <p:nvSpPr>
-          <p:cNvPr id="198" name="TextShape 3"/>
-          <p:cNvSpPr txBox="1"/>
-          <p:nvPr/>
-        </p:nvSpPr>
-        <p:spPr>
-          <a:xfrm>
-            <a:off x="3566160" y="3640320"/>
-            <a:ext cx="3383280" cy="1480320"/>
-          </a:xfrm>
-          <a:prstGeom prst="rect">
-            <a:avLst/>
-          </a:prstGeom>
-        </p:spPr>
-        <p:txBody>
-          <a:bodyPr bIns="45000" lIns="90000" rIns="90000" tIns="45000" wrap="none"/>
-          <a:p>
-            <a:r>
-              <a:rPr lang="en-US" sz="2800"/>
-              <a:t>For Loops:</a:t>
-            </a:r>
-            <a:endParaRPr/>
-          </a:p>
-          <a:p>
-            <a:endParaRPr/>
-          </a:p>
-          <a:p>
-            <a:r>
-              <a:rPr lang="en-US"/>
-              <a:t>for(i = 0; I &lt; 100; ++i){</a:t>
-            </a:r>
-            <a:endParaRPr/>
-          </a:p>
-          <a:p>
-            <a:r>
-              <a:rPr lang="en-US"/>
-              <a:t>	</a:t>
-            </a:r>
-            <a:r>
-              <a:rPr lang="en-US"/>
-              <a:t>…</a:t>
-            </a:r>
-            <a:endParaRPr/>
-          </a:p>
-          <a:p>
-            <a:r>
-              <a:rPr lang="en-US"/>
-              <a:t>}</a:t>
-            </a:r>
-            <a:endParaRPr/>
-          </a:p>
-        </p:txBody>
-      </p:sp>
-      <p:sp>
-        <p:nvSpPr>
-          <p:cNvPr id="199" name="TextShape 4"/>
-          <p:cNvSpPr txBox="1"/>
-          <p:nvPr/>
-        </p:nvSpPr>
-        <p:spPr>
-          <a:xfrm>
-            <a:off x="457200" y="3657600"/>
-            <a:ext cx="2926080" cy="2248200"/>
-          </a:xfrm>
-          <a:prstGeom prst="rect">
-            <a:avLst/>
-          </a:prstGeom>
-        </p:spPr>
-        <p:txBody>
-          <a:bodyPr bIns="45000" lIns="90000" rIns="90000" tIns="45000" wrap="none"/>
-          <a:p>
-            <a:r>
-              <a:rPr lang="en-US" sz="2800"/>
-              <a:t>If Statements:</a:t>
-            </a:r>
-            <a:endParaRPr/>
-          </a:p>
-          <a:p>
-            <a:endParaRPr/>
-          </a:p>
-          <a:p>
-            <a:r>
-              <a:rPr lang="en-US"/>
-              <a:t>if(conditional == true){</a:t>
-            </a:r>
-            <a:endParaRPr/>
-          </a:p>
-          <a:p>
-            <a:r>
-              <a:rPr lang="en-US"/>
-              <a:t>	</a:t>
-            </a:r>
-            <a:r>
-              <a:rPr lang="en-US"/>
-              <a:t>…</a:t>
-            </a:r>
-            <a:endParaRPr/>
-          </a:p>
-          <a:p>
-            <a:r>
-              <a:rPr lang="en-US"/>
-              <a:t>}</a:t>
-            </a:r>
-            <a:endParaRPr/>
-          </a:p>
-          <a:p>
-            <a:r>
-              <a:rPr lang="en-US"/>
-              <a:t>else{</a:t>
-            </a:r>
-            <a:endParaRPr/>
-          </a:p>
-          <a:p>
-            <a:r>
-              <a:rPr lang="en-US"/>
-              <a:t>	</a:t>
-            </a:r>
-            <a:r>
-              <a:rPr lang="en-US"/>
-              <a:t>…</a:t>
-            </a:r>
-            <a:endParaRPr/>
-          </a:p>
-          <a:p>
-            <a:r>
-              <a:rPr lang="en-US"/>
-              <a:t>}</a:t>
-            </a:r>
-            <a:endParaRPr/>
-          </a:p>
-        </p:txBody>
-      </p:sp>
-      <p:sp>
-        <p:nvSpPr>
-          <p:cNvPr id="200" name="TextShape 5"/>
-          <p:cNvSpPr txBox="1"/>
-          <p:nvPr/>
-        </p:nvSpPr>
-        <p:spPr>
-          <a:xfrm>
-            <a:off x="6643800" y="3657600"/>
-            <a:ext cx="2957400" cy="2022480"/>
-          </a:xfrm>
-          <a:prstGeom prst="rect">
-            <a:avLst/>
-          </a:prstGeom>
-        </p:spPr>
-        <p:txBody>
-          <a:bodyPr bIns="45000" lIns="90000" rIns="90000" tIns="45000" wrap="none"/>
-          <a:p>
-            <a:r>
-              <a:rPr lang="en-US" sz="2800"/>
-              <a:t>Functions:</a:t>
-            </a:r>
-            <a:endParaRPr/>
-          </a:p>
-          <a:p>
-            <a:endParaRPr/>
-          </a:p>
-          <a:p>
-            <a:r>
-              <a:rPr lang="en-US"/>
-              <a:t>function pointlessAdd(a, b){</a:t>
-            </a:r>
-            <a:endParaRPr/>
-          </a:p>
-          <a:p>
-            <a:r>
-              <a:rPr lang="en-US"/>
-              <a:t>	</a:t>
-            </a:r>
-            <a:r>
-              <a:rPr lang="en-US"/>
-              <a:t>var c;</a:t>
-            </a:r>
-            <a:endParaRPr/>
-          </a:p>
-          <a:p>
-            <a:r>
-              <a:rPr lang="en-US"/>
-              <a:t>	</a:t>
-            </a:r>
-            <a:r>
-              <a:rPr lang="en-US"/>
-              <a:t>c = a + b;</a:t>
-            </a:r>
-            <a:endParaRPr/>
-          </a:p>
-          <a:p>
-            <a:r>
-              <a:rPr lang="en-US"/>
-              <a:t>	</a:t>
-            </a:r>
-            <a:r>
-              <a:rPr lang="en-US"/>
-              <a:t>return c;</a:t>
-            </a:r>
-            <a:endParaRPr/>
-          </a:p>
-          <a:p>
-            <a:r>
-              <a:rPr lang="en-US"/>
-              <a:t>}</a:t>
-            </a:r>
-            <a:endParaRPr/>
-          </a:p>
-        </p:txBody>
-      </p:sp>
-    </p:spTree>
-  </p:cSld>
+  <p:clrMapOvr>
+    <a:masterClrMapping/>
+  </p:clrMapOvr>
 </p:sld>
 </file>
 
@@ -9781,6 +10524,8 @@
       </a:bgFillStyleLst>
     </a:fmtScheme>
   </a:themeElements>
+  <a:objectDefaults/>
+  <a:extraClrSchemeLst/>
 </a:theme>
 </file>
 
@@ -10004,6 +10749,8 @@
       </a:bgFillStyleLst>
     </a:fmtScheme>
   </a:themeElements>
+  <a:objectDefaults/>
+  <a:extraClrSchemeLst/>
 </a:theme>
 </file>
 
@@ -10227,6 +10974,8 @@
       </a:bgFillStyleLst>
     </a:fmtScheme>
   </a:themeElements>
+  <a:objectDefaults/>
+  <a:extraClrSchemeLst/>
 </a:theme>
 </file>
 
@@ -10450,6 +11199,8 @@
       </a:bgFillStyleLst>
     </a:fmtScheme>
   </a:themeElements>
+  <a:objectDefaults/>
+  <a:extraClrSchemeLst/>
 </a:theme>
 </file>
 
@@ -10673,5 +11424,7 @@
       </a:bgFillStyleLst>
     </a:fmtScheme>
   </a:themeElements>
+  <a:objectDefaults/>
+  <a:extraClrSchemeLst/>
 </a:theme>
 </file>